--- a/Документы/GeoTimePresentation-remake.pptx
+++ b/Документы/GeoTimePresentation-remake.pptx
@@ -210,7 +210,7 @@
           <a:p>
             <a:fld id="{E710118A-1E84-49ED-9B55-D868E6A363A6}" type="datetimeFigureOut">
               <a:rPr lang="ru-RU" smtClean="0"/>
-              <a:t>26.12.2014</a:t>
+              <a:t>27.12.2014</a:t>
             </a:fld>
             <a:endParaRPr lang="ru-RU"/>
           </a:p>
@@ -693,7 +693,7 @@
           <a:p>
             <a:fld id="{CE58373F-2E59-4BEB-B2A1-A7554C74CFD9}" type="datetime1">
               <a:rPr lang="ru-RU" smtClean="0"/>
-              <a:t>26.12.2014</a:t>
+              <a:t>27.12.2014</a:t>
             </a:fld>
             <a:endParaRPr lang="ru-RU"/>
           </a:p>
@@ -863,7 +863,7 @@
           <a:p>
             <a:fld id="{E6F12AB8-5BD9-461F-94D1-2516C1BE6670}" type="datetime1">
               <a:rPr lang="ru-RU" smtClean="0"/>
-              <a:t>26.12.2014</a:t>
+              <a:t>27.12.2014</a:t>
             </a:fld>
             <a:endParaRPr lang="ru-RU"/>
           </a:p>
@@ -1043,7 +1043,7 @@
           <a:p>
             <a:fld id="{A55BE171-1559-4542-9A61-84A7429C608F}" type="datetime1">
               <a:rPr lang="ru-RU" smtClean="0"/>
-              <a:t>26.12.2014</a:t>
+              <a:t>27.12.2014</a:t>
             </a:fld>
             <a:endParaRPr lang="ru-RU"/>
           </a:p>
@@ -1213,7 +1213,7 @@
           <a:p>
             <a:fld id="{E60F9191-1D86-44C5-9C02-A0EDD8A65F77}" type="datetime1">
               <a:rPr lang="ru-RU" smtClean="0"/>
-              <a:t>26.12.2014</a:t>
+              <a:t>27.12.2014</a:t>
             </a:fld>
             <a:endParaRPr lang="ru-RU"/>
           </a:p>
@@ -1459,7 +1459,7 @@
           <a:p>
             <a:fld id="{325917BC-C514-478F-A88A-E948E098E1ED}" type="datetime1">
               <a:rPr lang="ru-RU" smtClean="0"/>
-              <a:t>26.12.2014</a:t>
+              <a:t>27.12.2014</a:t>
             </a:fld>
             <a:endParaRPr lang="ru-RU"/>
           </a:p>
@@ -1691,7 +1691,7 @@
           <a:p>
             <a:fld id="{4E47FC33-73D2-42FD-BA5D-07D1E10BC92A}" type="datetime1">
               <a:rPr lang="ru-RU" smtClean="0"/>
-              <a:t>26.12.2014</a:t>
+              <a:t>27.12.2014</a:t>
             </a:fld>
             <a:endParaRPr lang="ru-RU"/>
           </a:p>
@@ -2058,7 +2058,7 @@
           <a:p>
             <a:fld id="{8456CA04-AC9A-453E-AFB4-861293672B3A}" type="datetime1">
               <a:rPr lang="ru-RU" smtClean="0"/>
-              <a:t>26.12.2014</a:t>
+              <a:t>27.12.2014</a:t>
             </a:fld>
             <a:endParaRPr lang="ru-RU"/>
           </a:p>
@@ -2176,7 +2176,7 @@
           <a:p>
             <a:fld id="{0B41B39C-4F0E-4C1E-A99E-6D1D1421AED2}" type="datetime1">
               <a:rPr lang="ru-RU" smtClean="0"/>
-              <a:t>26.12.2014</a:t>
+              <a:t>27.12.2014</a:t>
             </a:fld>
             <a:endParaRPr lang="ru-RU"/>
           </a:p>
@@ -2271,7 +2271,7 @@
           <a:p>
             <a:fld id="{51F5D0B4-1890-4164-8C26-9C18E88E9D22}" type="datetime1">
               <a:rPr lang="ru-RU" smtClean="0"/>
-              <a:t>26.12.2014</a:t>
+              <a:t>27.12.2014</a:t>
             </a:fld>
             <a:endParaRPr lang="ru-RU"/>
           </a:p>
@@ -2548,7 +2548,7 @@
           <a:p>
             <a:fld id="{432AF560-E8DC-430A-809E-D4CBC77401A5}" type="datetime1">
               <a:rPr lang="ru-RU" smtClean="0"/>
-              <a:t>26.12.2014</a:t>
+              <a:t>27.12.2014</a:t>
             </a:fld>
             <a:endParaRPr lang="ru-RU"/>
           </a:p>
@@ -2801,7 +2801,7 @@
           <a:p>
             <a:fld id="{4168BCDB-B76D-4676-93F7-4BE9924CBC05}" type="datetime1">
               <a:rPr lang="ru-RU" smtClean="0"/>
-              <a:t>26.12.2014</a:t>
+              <a:t>27.12.2014</a:t>
             </a:fld>
             <a:endParaRPr lang="ru-RU"/>
           </a:p>
@@ -3023,7 +3023,7 @@
           <a:p>
             <a:fld id="{2E260821-3FC4-4C8E-9464-47EDC16D411D}" type="datetime1">
               <a:rPr lang="ru-RU" smtClean="0"/>
-              <a:t>26.12.2014</a:t>
+              <a:t>27.12.2014</a:t>
             </a:fld>
             <a:endParaRPr lang="ru-RU"/>
           </a:p>
@@ -3801,7 +3801,6 @@
                         <a:rPr lang="ru-RU" sz="1600" dirty="0" smtClean="0"/>
                         <a:t>Маркетинг</a:t>
                       </a:r>
-                      <a:endParaRPr lang="ru-RU" sz="1600" dirty="0" smtClean="0"/>
                     </a:p>
                   </a:txBody>
                   <a:tcPr/>
@@ -3879,7 +3878,6 @@
                         <a:rPr lang="ru-RU" sz="1600" dirty="0" smtClean="0"/>
                         <a:t>Анализ предметной области</a:t>
                       </a:r>
-                      <a:endParaRPr lang="ru-RU" sz="1600" dirty="0" smtClean="0"/>
                     </a:p>
                   </a:txBody>
                   <a:tcPr/>
@@ -3957,7 +3955,6 @@
                         <a:rPr lang="ru-RU" sz="1600" dirty="0" smtClean="0"/>
                         <a:t>Анализ средств разработки</a:t>
                       </a:r>
-                      <a:endParaRPr lang="ru-RU" sz="1600" dirty="0" smtClean="0"/>
                     </a:p>
                   </a:txBody>
                   <a:tcPr/>
@@ -4035,7 +4032,6 @@
                         <a:rPr lang="ru-RU" sz="1600" dirty="0" smtClean="0"/>
                         <a:t>Проектирование вариантов использования</a:t>
                       </a:r>
-                      <a:endParaRPr lang="ru-RU" sz="1600" dirty="0" smtClean="0"/>
                     </a:p>
                   </a:txBody>
                   <a:tcPr/>
@@ -4113,7 +4109,6 @@
                         <a:rPr lang="ru-RU" sz="1600" dirty="0" smtClean="0"/>
                         <a:t>Проектирование классов модели</a:t>
                       </a:r>
-                      <a:endParaRPr lang="ru-RU" sz="1600" dirty="0" smtClean="0"/>
                     </a:p>
                   </a:txBody>
                   <a:tcPr/>
@@ -4191,7 +4186,6 @@
                         <a:rPr lang="ru-RU" sz="1600" dirty="0" smtClean="0"/>
                         <a:t>Разработка страниц приложения</a:t>
                       </a:r>
-                      <a:endParaRPr lang="ru-RU" sz="1600" dirty="0" smtClean="0"/>
                     </a:p>
                   </a:txBody>
                   <a:tcPr/>
@@ -4237,7 +4231,6 @@
                         <a:rPr lang="ru-RU" sz="1600" dirty="0" smtClean="0"/>
                         <a:t>Исполнитель, Ответственный</a:t>
                       </a:r>
-                      <a:endParaRPr lang="ru-RU" sz="1600" dirty="0" smtClean="0"/>
                     </a:p>
                   </a:txBody>
                   <a:tcPr/>
@@ -4320,7 +4313,6 @@
                         <a:rPr lang="ru-RU" sz="1600" dirty="0" smtClean="0"/>
                         <a:t>Исполнитель, Ответственный</a:t>
                       </a:r>
-                      <a:endParaRPr lang="ru-RU" sz="1600" dirty="0" smtClean="0"/>
                     </a:p>
                   </a:txBody>
                   <a:tcPr/>
@@ -4383,7 +4375,6 @@
                         <a:rPr lang="ru-RU" sz="1600" dirty="0" smtClean="0"/>
                         <a:t>Реализация карты</a:t>
                       </a:r>
-                      <a:endParaRPr lang="ru-RU" sz="1600" dirty="0" smtClean="0"/>
                     </a:p>
                   </a:txBody>
                   <a:tcPr/>
@@ -4414,7 +4405,6 @@
                         <a:rPr lang="ru-RU" sz="1600" dirty="0" smtClean="0"/>
                         <a:t>Консультант</a:t>
                       </a:r>
-                      <a:endParaRPr lang="ru-RU" sz="1600" dirty="0" smtClean="0"/>
                     </a:p>
                   </a:txBody>
                   <a:tcPr/>
@@ -4512,7 +4502,6 @@
                         <a:rPr lang="ru-RU" sz="1600" dirty="0" smtClean="0"/>
                         <a:t>Консультант</a:t>
                       </a:r>
-                      <a:endParaRPr lang="ru-RU" sz="1600" dirty="0" smtClean="0"/>
                     </a:p>
                   </a:txBody>
                   <a:tcPr/>
@@ -4543,7 +4532,6 @@
                         <a:rPr lang="ru-RU" sz="1600" dirty="0" smtClean="0"/>
                         <a:t>Исполнитель, Ответственный</a:t>
                       </a:r>
-                      <a:endParaRPr lang="ru-RU" sz="1600" dirty="0" smtClean="0"/>
                     </a:p>
                   </a:txBody>
                   <a:tcPr/>
@@ -4591,7 +4579,6 @@
                         <a:rPr lang="ru-RU" sz="1600" dirty="0" smtClean="0"/>
                         <a:t>Реализация загрузки данных модели</a:t>
                       </a:r>
-                      <a:endParaRPr lang="ru-RU" sz="1600" dirty="0" smtClean="0"/>
                     </a:p>
                   </a:txBody>
                   <a:tcPr/>
@@ -4641,7 +4628,6 @@
                         <a:rPr lang="ru-RU" sz="1600" dirty="0" smtClean="0"/>
                         <a:t>Консультант</a:t>
                       </a:r>
-                      <a:endParaRPr lang="ru-RU" sz="1600" dirty="0" smtClean="0"/>
                     </a:p>
                   </a:txBody>
                   <a:tcPr/>
@@ -4689,7 +4675,6 @@
                         <a:rPr lang="ru-RU" sz="1600" dirty="0" smtClean="0"/>
                         <a:t>Реализация сохранения данных модели</a:t>
                       </a:r>
-                      <a:endParaRPr lang="ru-RU" sz="1600" dirty="0" smtClean="0"/>
                     </a:p>
                   </a:txBody>
                   <a:tcPr/>
@@ -4720,7 +4705,6 @@
                         <a:rPr lang="ru-RU" sz="1600" dirty="0" smtClean="0"/>
                         <a:t>Исполнитель, Ответственный</a:t>
                       </a:r>
-                      <a:endParaRPr lang="ru-RU" sz="1600" dirty="0" smtClean="0"/>
                     </a:p>
                   </a:txBody>
                   <a:tcPr/>
@@ -4751,7 +4735,6 @@
                         <a:rPr lang="ru-RU" sz="1600" dirty="0" smtClean="0"/>
                         <a:t>Консультант</a:t>
                       </a:r>
-                      <a:endParaRPr lang="ru-RU" sz="1600" dirty="0" smtClean="0"/>
                     </a:p>
                   </a:txBody>
                   <a:tcPr/>
@@ -5051,7 +5034,6 @@
                         <a:rPr lang="ru-RU" sz="1600" dirty="0" smtClean="0"/>
                         <a:t>Создание ролей пользователей</a:t>
                       </a:r>
-                      <a:endParaRPr lang="ru-RU" sz="1600" dirty="0" smtClean="0"/>
                     </a:p>
                   </a:txBody>
                   <a:tcPr/>
@@ -5301,7 +5283,6 @@
                         <a:rPr lang="ru-RU" sz="1600" dirty="0" smtClean="0"/>
                         <a:t>Реализация навигации для пользователей</a:t>
                       </a:r>
-                      <a:endParaRPr lang="ru-RU" sz="1600" dirty="0" smtClean="0"/>
                     </a:p>
                   </a:txBody>
                   <a:tcPr/>
@@ -5347,7 +5328,6 @@
                         <a:rPr lang="ru-RU" sz="1600" dirty="0" smtClean="0"/>
                         <a:t>Исполнитель, Ответственный</a:t>
                       </a:r>
-                      <a:endParaRPr lang="ru-RU" sz="1600" dirty="0" smtClean="0"/>
                     </a:p>
                   </a:txBody>
                   <a:tcPr/>
@@ -5403,7 +5383,6 @@
                         <a:rPr lang="ru-RU" sz="1600" dirty="0" smtClean="0"/>
                         <a:t>уведомлений</a:t>
                       </a:r>
-                      <a:endParaRPr lang="ru-RU" sz="1600" dirty="0" smtClean="0"/>
                     </a:p>
                   </a:txBody>
                   <a:tcPr/>
@@ -5434,7 +5413,6 @@
                         <a:rPr lang="ru-RU" sz="1600" dirty="0" smtClean="0"/>
                         <a:t>Исполнитель, Ответственный</a:t>
                       </a:r>
-                      <a:endParaRPr lang="ru-RU" sz="1600" dirty="0" smtClean="0"/>
                     </a:p>
                   </a:txBody>
                   <a:tcPr/>
@@ -5497,7 +5475,6 @@
                         <a:rPr lang="ru-RU" sz="1600" dirty="0" smtClean="0"/>
                         <a:t>Тестирование разработчиками</a:t>
                       </a:r>
-                      <a:endParaRPr lang="ru-RU" sz="1600" dirty="0" smtClean="0"/>
                     </a:p>
                   </a:txBody>
                   <a:tcPr/>
@@ -5528,7 +5505,6 @@
                         <a:rPr lang="ru-RU" sz="1600" dirty="0" smtClean="0"/>
                         <a:t>Исполнитель</a:t>
                       </a:r>
-                      <a:endParaRPr lang="ru-RU" sz="1600" dirty="0" smtClean="0"/>
                     </a:p>
                   </a:txBody>
                   <a:tcPr/>
@@ -5591,7 +5567,6 @@
                         <a:rPr lang="ru-RU" sz="1600" dirty="0" smtClean="0"/>
                         <a:t>Тестирование сторонними пользователями</a:t>
                       </a:r>
-                      <a:endParaRPr lang="ru-RU" sz="1600" dirty="0" smtClean="0"/>
                     </a:p>
                   </a:txBody>
                   <a:tcPr/>
@@ -5622,7 +5597,6 @@
                         <a:rPr lang="ru-RU" sz="1600" dirty="0" smtClean="0"/>
                         <a:t>Консультант</a:t>
                       </a:r>
-                      <a:endParaRPr lang="ru-RU" sz="1600" dirty="0" smtClean="0"/>
                     </a:p>
                   </a:txBody>
                   <a:tcPr/>
@@ -5653,7 +5627,6 @@
                         <a:rPr lang="ru-RU" sz="1600" dirty="0" smtClean="0"/>
                         <a:t>Консультант</a:t>
                       </a:r>
-                      <a:endParaRPr lang="ru-RU" sz="1600" dirty="0" smtClean="0"/>
                     </a:p>
                   </a:txBody>
                   <a:tcPr/>
@@ -5751,7 +5724,6 @@
                         <a:rPr lang="ru-RU" sz="1600" dirty="0" smtClean="0"/>
                         <a:t>Исполнитель</a:t>
                       </a:r>
-                      <a:endParaRPr lang="ru-RU" sz="1600" dirty="0" smtClean="0"/>
                     </a:p>
                   </a:txBody>
                   <a:tcPr/>
@@ -5799,7 +5771,6 @@
                         <a:rPr lang="ru-RU" sz="1600" dirty="0" smtClean="0"/>
                         <a:t>Развертывание</a:t>
                       </a:r>
-                      <a:endParaRPr lang="ru-RU" sz="1600" dirty="0" smtClean="0"/>
                     </a:p>
                   </a:txBody>
                   <a:tcPr/>
@@ -5830,7 +5801,6 @@
                         <a:rPr lang="ru-RU" sz="1600" dirty="0" smtClean="0"/>
                         <a:t>Консультант</a:t>
                       </a:r>
-                      <a:endParaRPr lang="ru-RU" sz="1600" dirty="0" smtClean="0"/>
                     </a:p>
                   </a:txBody>
                   <a:tcPr/>
@@ -5861,7 +5831,6 @@
                         <a:rPr lang="ru-RU" sz="1600" dirty="0" smtClean="0"/>
                         <a:t>Исполнитель, Ответственный</a:t>
                       </a:r>
-                      <a:endParaRPr lang="ru-RU" sz="1600" dirty="0" smtClean="0"/>
                     </a:p>
                   </a:txBody>
                   <a:tcPr/>
@@ -6224,7 +6193,7 @@
             </a:pPr>
             <a:r>
               <a:rPr lang="ru-RU" dirty="0" smtClean="0"/>
-              <a:t>Планирование выполнения дел с помощью приложения, отображающего все ваши дела на одной карте</a:t>
+              <a:t>Прокладывание маршрутов на основе срочности заданий</a:t>
             </a:r>
           </a:p>
           <a:p>
@@ -6234,7 +6203,7 @@
             </a:pPr>
             <a:r>
               <a:rPr lang="ru-RU" dirty="0" smtClean="0"/>
-              <a:t>Синхронизация с календарем в смартфоне</a:t>
+              <a:t>Синхронизация заданий с календарем в смартфоне</a:t>
             </a:r>
           </a:p>
           <a:p>
@@ -6250,7 +6219,7 @@
             </a:pPr>
             <a:r>
               <a:rPr lang="ru-RU" dirty="0" smtClean="0"/>
-              <a:t>Курьеры</a:t>
+              <a:t>Службы доставки</a:t>
             </a:r>
           </a:p>
           <a:p>
@@ -6260,7 +6229,7 @@
             </a:pPr>
             <a:r>
               <a:rPr lang="ru-RU" dirty="0" smtClean="0"/>
-              <a:t>Риелторы</a:t>
+              <a:t>Логистические службы</a:t>
             </a:r>
           </a:p>
           <a:p>
@@ -6270,17 +6239,7 @@
             </a:pPr>
             <a:r>
               <a:rPr lang="ru-RU" dirty="0" smtClean="0"/>
-              <a:t>Работники служб доставки</a:t>
-            </a:r>
-          </a:p>
-          <a:p>
-            <a:pPr>
-              <a:buFont typeface="Wingdings" panose="05000000000000000000" pitchFamily="2" charset="2"/>
-              <a:buChar char="ü"/>
-            </a:pPr>
-            <a:r>
-              <a:rPr lang="ru-RU" dirty="0" smtClean="0"/>
-              <a:t>Люди, которым дорого свое время</a:t>
+              <a:t>Люди, кому дорого время</a:t>
             </a:r>
             <a:endParaRPr lang="ru-RU" dirty="0"/>
           </a:p>
@@ -6308,8 +6267,8 @@
         </p:blipFill>
         <p:spPr>
           <a:xfrm>
-            <a:off x="6879959" y="2963937"/>
-            <a:ext cx="3917474" cy="2093601"/>
+            <a:off x="6012989" y="3205237"/>
+            <a:ext cx="5195222" cy="2776463"/>
           </a:xfrm>
           <a:prstGeom prst="rect">
             <a:avLst/>
@@ -6416,7 +6375,7 @@
             <p:ph idx="1"/>
             <p:extLst>
               <p:ext uri="{D42A27DB-BD31-4B8C-83A1-F6EECF244321}">
-                <p14:modId xmlns:p14="http://schemas.microsoft.com/office/powerpoint/2010/main" val="2854816955"/>
+                <p14:modId xmlns:p14="http://schemas.microsoft.com/office/powerpoint/2010/main" val="4009792170"/>
               </p:ext>
             </p:extLst>
           </p:nvPr>
@@ -6499,11 +6458,19 @@
                     <a:p>
                       <a:r>
                         <a:rPr lang="ru-RU" dirty="0" smtClean="0"/>
-                        <a:t>Разработать мобильное приложение для размещения</a:t>
+                        <a:t>Разработать мобильное приложение для </a:t>
+                      </a:r>
+                      <a:r>
+                        <a:rPr lang="ru-RU" dirty="0" smtClean="0"/>
+                        <a:t>распределения задач</a:t>
                       </a:r>
                       <a:r>
                         <a:rPr lang="ru-RU" baseline="0" dirty="0" smtClean="0"/>
-                        <a:t> и ведения своих дел на карте для платформы </a:t>
+                        <a:t> </a:t>
+                      </a:r>
+                      <a:r>
+                        <a:rPr lang="ru-RU" baseline="0" dirty="0" smtClean="0"/>
+                        <a:t>на карте для платформы </a:t>
                       </a:r>
                       <a:r>
                         <a:rPr lang="en-US" baseline="0" dirty="0" smtClean="0"/>
@@ -6727,7 +6694,7 @@
                       </a:r>
                       <a:r>
                         <a:rPr lang="ru-RU" baseline="0" dirty="0" smtClean="0"/>
-                        <a:t>до 27 декабря 2014 года.</a:t>
+                        <a:t>до апреля 2015 г.</a:t>
                       </a:r>
                       <a:endParaRPr lang="ru-RU" dirty="0"/>
                     </a:p>
@@ -6844,8 +6811,13 @@
           <a:p>
             <a:r>
               <a:rPr lang="ru-RU" dirty="0" smtClean="0"/>
-              <a:t>Количество скачиваний приложения в первый месяц: 50-100</a:t>
-            </a:r>
+              <a:t>Количество скачиваний приложения в первый месяц: </a:t>
+            </a:r>
+            <a:r>
+              <a:rPr lang="ru-RU" dirty="0" smtClean="0"/>
+              <a:t>20-50</a:t>
+            </a:r>
+            <a:endParaRPr lang="ru-RU" dirty="0" smtClean="0"/>
           </a:p>
           <a:p>
             <a:r>
@@ -6880,9 +6852,13 @@
             </a:r>
             <a:r>
               <a:rPr lang="en-US" dirty="0" smtClean="0"/>
-              <a:t>Imagine Cup</a:t>
-            </a:r>
-            <a:endParaRPr lang="ru-RU" dirty="0"/>
+              <a:t>Imagine </a:t>
+            </a:r>
+            <a:r>
+              <a:rPr lang="en-US" dirty="0" smtClean="0"/>
+              <a:t>Cup</a:t>
+            </a:r>
+            <a:endParaRPr lang="ru-RU" dirty="0" smtClean="0"/>
           </a:p>
         </p:txBody>
       </p:sp>
@@ -7452,8 +7428,12 @@
               <a:t>Анализ </a:t>
             </a:r>
             <a:r>
+              <a:rPr lang="ru-RU" dirty="0" err="1"/>
+              <a:t>с</a:t>
+            </a:r>
+            <a:r>
               <a:rPr lang="ru-RU" dirty="0" err="1" smtClean="0"/>
-              <a:t>Стейкхолдеров</a:t>
+              <a:t>тейкхолдеров</a:t>
             </a:r>
             <a:endParaRPr lang="ru-RU" dirty="0"/>
           </a:p>
@@ -7469,14 +7449,14 @@
             <p:ph idx="1"/>
             <p:extLst>
               <p:ext uri="{D42A27DB-BD31-4B8C-83A1-F6EECF244321}">
-                <p14:modId xmlns:p14="http://schemas.microsoft.com/office/powerpoint/2010/main" val="592851307"/>
+                <p14:modId xmlns:p14="http://schemas.microsoft.com/office/powerpoint/2010/main" val="3376488697"/>
               </p:ext>
             </p:extLst>
           </p:nvPr>
         </p:nvGraphicFramePr>
         <p:xfrm>
           <a:off x="838200" y="1555335"/>
-          <a:ext cx="10515600" cy="3533612"/>
+          <a:ext cx="10515600" cy="4448012"/>
         </p:xfrm>
         <a:graphic>
           <a:graphicData uri="http://schemas.openxmlformats.org/drawingml/2006/table">
@@ -7545,6 +7525,62 @@
                     <a:p>
                       <a:r>
                         <a:rPr lang="ru-RU" dirty="0" smtClean="0"/>
+                        <a:t>Службы</a:t>
+                      </a:r>
+                      <a:r>
+                        <a:rPr lang="ru-RU" baseline="0" dirty="0" smtClean="0"/>
+                        <a:t> доставки</a:t>
+                      </a:r>
+                      <a:endParaRPr lang="ru-RU" dirty="0"/>
+                    </a:p>
+                  </a:txBody>
+                  <a:tcPr/>
+                </a:tc>
+                <a:tc>
+                  <a:txBody>
+                    <a:bodyPr/>
+                    <a:lstStyle/>
+                    <a:p>
+                      <a:r>
+                        <a:rPr lang="ru-RU" dirty="0" smtClean="0"/>
+                        <a:t>Конструктивная</a:t>
+                      </a:r>
+                      <a:r>
+                        <a:rPr lang="ru-RU" baseline="0" dirty="0" smtClean="0"/>
+                        <a:t> критика, идеи доработки, клиентская база</a:t>
+                      </a:r>
+                      <a:endParaRPr lang="ru-RU" dirty="0"/>
+                    </a:p>
+                  </a:txBody>
+                  <a:tcPr/>
+                </a:tc>
+                <a:tc>
+                  <a:txBody>
+                    <a:bodyPr/>
+                    <a:lstStyle/>
+                    <a:p>
+                      <a:r>
+                        <a:rPr lang="ru-RU" dirty="0" smtClean="0"/>
+                        <a:t>Инструмент для планирования</a:t>
+                      </a:r>
+                      <a:r>
+                        <a:rPr lang="ru-RU" baseline="0" dirty="0" smtClean="0"/>
+                        <a:t> доставок, индивидуальный подход</a:t>
+                      </a:r>
+                      <a:endParaRPr lang="ru-RU" dirty="0"/>
+                    </a:p>
+                  </a:txBody>
+                  <a:tcPr/>
+                </a:tc>
+              </a:tr>
+              <a:tr h="674152">
+                <a:tc>
+                  <a:txBody>
+                    <a:bodyPr/>
+                    <a:lstStyle/>
+                    <a:p>
+                      <a:r>
+                        <a:rPr lang="ru-RU" dirty="0" smtClean="0"/>
                         <a:t>Участники </a:t>
                       </a:r>
                       <a:r>
@@ -7777,9 +7813,12 @@
                       </a:r>
                       <a:r>
                         <a:rPr lang="ru-RU" baseline="0" dirty="0" smtClean="0"/>
-                        <a:t> и успехах другого проекта, идеи для своих проектов.</a:t>
-                      </a:r>
-                      <a:endParaRPr lang="ru-RU" dirty="0"/>
+                        <a:t> и успехах другого проекта, идеи для своих проектов</a:t>
+                      </a:r>
+                      <a:r>
+                        <a:rPr lang="ru-RU" baseline="0" dirty="0" smtClean="0"/>
+                        <a:t>.</a:t>
+                      </a:r>
                     </a:p>
                   </a:txBody>
                   <a:tcPr/>
@@ -8423,7 +8462,6 @@
                         <a:rPr lang="ru-RU" dirty="0" smtClean="0"/>
                         <a:t>19.02.15</a:t>
                       </a:r>
-                      <a:endParaRPr lang="ru-RU" dirty="0" smtClean="0"/>
                     </a:p>
                   </a:txBody>
                   <a:tcPr/>

--- a/Документы/GeoTimePresentation-remake.pptx
+++ b/Документы/GeoTimePresentation-remake.pptx
@@ -6184,7 +6184,9 @@
           </a:xfrm>
         </p:spPr>
         <p:txBody>
-          <a:bodyPr/>
+          <a:bodyPr>
+            <a:normAutofit/>
+          </a:bodyPr>
           <a:lstStyle/>
           <a:p>
             <a:pPr>
@@ -6193,7 +6195,11 @@
             </a:pPr>
             <a:r>
               <a:rPr lang="ru-RU" dirty="0" smtClean="0"/>
-              <a:t>Прокладывание маршрутов на основе срочности заданий</a:t>
+              <a:t>Прокладывание маршрутов на основе срочности </a:t>
+            </a:r>
+            <a:r>
+              <a:rPr lang="ru-RU" dirty="0" smtClean="0"/>
+              <a:t>заданий</a:t>
             </a:r>
           </a:p>
           <a:p>
@@ -6203,8 +6209,20 @@
             </a:pPr>
             <a:r>
               <a:rPr lang="ru-RU" dirty="0" smtClean="0"/>
-              <a:t>Синхронизация заданий с календарем в смартфоне</a:t>
-            </a:r>
+              <a:t>Распределение задач логистики между подчиненными</a:t>
+            </a:r>
+            <a:endParaRPr lang="ru-RU" dirty="0" smtClean="0"/>
+          </a:p>
+          <a:p>
+            <a:pPr>
+              <a:buFont typeface="Wingdings" panose="05000000000000000000" pitchFamily="2" charset="2"/>
+              <a:buChar char="q"/>
+            </a:pPr>
+            <a:r>
+              <a:rPr lang="ru-RU" dirty="0" smtClean="0"/>
+              <a:t>Отслеживание состояния доставки</a:t>
+            </a:r>
+            <a:endParaRPr lang="ru-RU" dirty="0" smtClean="0"/>
           </a:p>
           <a:p>
             <a:pPr marL="0" indent="0">
@@ -6219,7 +6237,7 @@
             </a:pPr>
             <a:r>
               <a:rPr lang="ru-RU" dirty="0" smtClean="0"/>
-              <a:t>Службы доставки</a:t>
+              <a:t>Розничные торговые сети</a:t>
             </a:r>
           </a:p>
           <a:p>
@@ -6229,7 +6247,7 @@
             </a:pPr>
             <a:r>
               <a:rPr lang="ru-RU" dirty="0" smtClean="0"/>
-              <a:t>Логистические службы</a:t>
+              <a:t>Интернет-магазины</a:t>
             </a:r>
           </a:p>
           <a:p>
@@ -6239,9 +6257,29 @@
             </a:pPr>
             <a:r>
               <a:rPr lang="ru-RU" dirty="0" smtClean="0"/>
-              <a:t>Люди, кому дорого время</a:t>
-            </a:r>
-            <a:endParaRPr lang="ru-RU" dirty="0"/>
+              <a:t>Курьерские службы</a:t>
+            </a:r>
+          </a:p>
+          <a:p>
+            <a:pPr>
+              <a:buFont typeface="Wingdings" panose="05000000000000000000" pitchFamily="2" charset="2"/>
+              <a:buChar char="ü"/>
+            </a:pPr>
+            <a:r>
+              <a:rPr lang="ru-RU" dirty="0" smtClean="0"/>
+              <a:t>Службы доставки</a:t>
+            </a:r>
+          </a:p>
+          <a:p>
+            <a:pPr>
+              <a:buFont typeface="Wingdings" panose="05000000000000000000" pitchFamily="2" charset="2"/>
+              <a:buChar char="ü"/>
+            </a:pPr>
+            <a:r>
+              <a:rPr lang="ru-RU" dirty="0" smtClean="0"/>
+              <a:t>Муниципальные службы</a:t>
+            </a:r>
+            <a:endParaRPr lang="ru-RU" dirty="0" smtClean="0"/>
           </a:p>
         </p:txBody>
       </p:sp>
@@ -6375,14 +6413,14 @@
             <p:ph idx="1"/>
             <p:extLst>
               <p:ext uri="{D42A27DB-BD31-4B8C-83A1-F6EECF244321}">
-                <p14:modId xmlns:p14="http://schemas.microsoft.com/office/powerpoint/2010/main" val="4009792170"/>
+                <p14:modId xmlns:p14="http://schemas.microsoft.com/office/powerpoint/2010/main" val="794408165"/>
               </p:ext>
             </p:extLst>
           </p:nvPr>
         </p:nvGraphicFramePr>
         <p:xfrm>
           <a:off x="838200" y="1495425"/>
-          <a:ext cx="10515600" cy="4119880"/>
+          <a:ext cx="10515600" cy="4942840"/>
         </p:xfrm>
         <a:graphic>
           <a:graphicData uri="http://schemas.openxmlformats.org/drawingml/2006/table">
@@ -6458,19 +6496,81 @@
                     <a:p>
                       <a:r>
                         <a:rPr lang="ru-RU" dirty="0" smtClean="0"/>
-                        <a:t>Разработать мобильное приложение для </a:t>
-                      </a:r>
+                        <a:t>Разработать веб-приложение</a:t>
+                      </a:r>
+                      <a:r>
+                        <a:rPr lang="ru-RU" baseline="0" dirty="0" smtClean="0"/>
+                        <a:t> для управления задачами доставки в несколько указанных на карте точек.</a:t>
+                      </a:r>
+                      <a:endParaRPr lang="ru-RU" dirty="0"/>
+                    </a:p>
+                  </a:txBody>
+                  <a:tcPr/>
+                </a:tc>
+              </a:tr>
+              <a:tr h="370840">
+                <a:tc>
+                  <a:txBody>
+                    <a:bodyPr/>
+                    <a:lstStyle/>
+                    <a:p>
+                      <a:r>
+                        <a:rPr lang="en-US" dirty="0" smtClean="0"/>
+                        <a:t>Measurable</a:t>
+                      </a:r>
+                      <a:r>
+                        <a:rPr lang="en-US" baseline="0" dirty="0" smtClean="0"/>
+                        <a:t> (</a:t>
+                      </a:r>
+                      <a:r>
+                        <a:rPr lang="ru-RU" baseline="0" dirty="0" smtClean="0"/>
+                        <a:t>Измеримость</a:t>
+                      </a:r>
+                      <a:r>
+                        <a:rPr lang="en-US" baseline="0" dirty="0" smtClean="0"/>
+                        <a:t>)</a:t>
+                      </a:r>
+                      <a:endParaRPr lang="ru-RU" dirty="0"/>
+                    </a:p>
+                  </a:txBody>
+                  <a:tcPr/>
+                </a:tc>
+                <a:tc>
+                  <a:txBody>
+                    <a:bodyPr/>
+                    <a:lstStyle/>
+                    <a:p>
                       <a:r>
                         <a:rPr lang="ru-RU" dirty="0" smtClean="0"/>
-                        <a:t>распределения задач</a:t>
+                        <a:t>Приложение должно запускаться</a:t>
+                      </a:r>
+                      <a:r>
+                        <a:rPr lang="ru-RU" baseline="0" dirty="0" smtClean="0"/>
+                        <a:t> в</a:t>
+                      </a:r>
+                      <a:r>
+                        <a:rPr lang="ru-RU" dirty="0" smtClean="0"/>
+                        <a:t> браузерах:</a:t>
                       </a:r>
                       <a:r>
                         <a:rPr lang="ru-RU" baseline="0" dirty="0" smtClean="0"/>
                         <a:t> </a:t>
                       </a:r>
                       <a:r>
+                        <a:rPr lang="en-US" baseline="0" dirty="0" smtClean="0"/>
+                        <a:t>IE </a:t>
+                      </a:r>
+                      <a:r>
                         <a:rPr lang="ru-RU" baseline="0" dirty="0" smtClean="0"/>
-                        <a:t>на карте для платформы </a:t>
+                        <a:t>11.0 +</a:t>
+                      </a:r>
+                      <a:r>
+                        <a:rPr lang="en-US" baseline="0" dirty="0" smtClean="0"/>
+                        <a:t>, Chrome 8.0 +, Firefox 10.0 +, Safari 8.0 +</a:t>
+                      </a:r>
+                      <a:r>
+                        <a:rPr lang="ru-RU" baseline="0" dirty="0" smtClean="0"/>
+                        <a:t>, включая мобильные версии. Должно быть разработано мобильное приложение на </a:t>
                       </a:r>
                       <a:r>
                         <a:rPr lang="en-US" baseline="0" dirty="0" smtClean="0"/>
@@ -6478,6 +6578,14 @@
                       </a:r>
                       <a:r>
                         <a:rPr lang="ru-RU" baseline="0" dirty="0" smtClean="0"/>
+                        <a:t> и размещено в </a:t>
+                      </a:r>
+                      <a:r>
+                        <a:rPr lang="en-US" baseline="0" dirty="0" smtClean="0"/>
+                        <a:t>Windows Phone Marketplace</a:t>
+                      </a:r>
+                      <a:r>
+                        <a:rPr lang="ru-RU" baseline="0" dirty="0" smtClean="0"/>
                         <a:t>.</a:t>
                       </a:r>
                       <a:endParaRPr lang="ru-RU" dirty="0"/>
@@ -6494,7 +6602,7 @@
                     <a:p>
                       <a:r>
                         <a:rPr lang="en-US" dirty="0" smtClean="0"/>
-                        <a:t>Measurable</a:t>
+                        <a:t>Attainable</a:t>
                       </a:r>
                       <a:r>
                         <a:rPr lang="en-US" baseline="0" dirty="0" smtClean="0"/>
@@ -6502,7 +6610,7 @@
                       </a:r>
                       <a:r>
                         <a:rPr lang="ru-RU" baseline="0" dirty="0" smtClean="0"/>
-                        <a:t>Измеримость</a:t>
+                        <a:t>Достижимость</a:t>
                       </a:r>
                       <a:r>
                         <a:rPr lang="en-US" baseline="0" dirty="0" smtClean="0"/>
@@ -6520,27 +6628,35 @@
                     <a:p>
                       <a:r>
                         <a:rPr lang="ru-RU" dirty="0" smtClean="0"/>
-                        <a:t>Приложение должно</a:t>
+                        <a:t>Разработка</a:t>
                       </a:r>
                       <a:r>
                         <a:rPr lang="ru-RU" baseline="0" dirty="0" smtClean="0"/>
-                        <a:t> быть размещено на </a:t>
+                        <a:t> приложения ведется разработчиками, знающими основы </a:t>
+                      </a:r>
+                      <a:r>
+                        <a:rPr lang="ru-RU" baseline="0" dirty="0" smtClean="0"/>
+                        <a:t>разработки веб приложений на платформе </a:t>
                       </a:r>
                       <a:r>
                         <a:rPr lang="en-US" baseline="0" dirty="0" smtClean="0"/>
-                        <a:t>Windows Phone Marketplace</a:t>
+                        <a:t>ASP.NET </a:t>
                       </a:r>
                       <a:r>
                         <a:rPr lang="ru-RU" baseline="0" dirty="0" smtClean="0"/>
-                        <a:t>, должно запускаться и выполнять все функции на любом устройстве, работающим на </a:t>
+                        <a:t>мобильные приложений </a:t>
+                      </a:r>
+                      <a:r>
+                        <a:rPr lang="ru-RU" baseline="0" dirty="0" smtClean="0"/>
+                        <a:t>для </a:t>
                       </a:r>
                       <a:r>
                         <a:rPr lang="en-US" baseline="0" dirty="0" smtClean="0"/>
-                        <a:t>Windows Phone 8</a:t>
+                        <a:t>Windows Phone</a:t>
                       </a:r>
                       <a:r>
                         <a:rPr lang="ru-RU" baseline="0" dirty="0" smtClean="0"/>
-                        <a:t>.</a:t>
+                        <a:t>, с помощью свободных программных средств, или средств, доступных для студентов ТПУ.</a:t>
                       </a:r>
                       <a:endParaRPr lang="ru-RU" dirty="0"/>
                     </a:p>
@@ -6556,7 +6672,53 @@
                     <a:p>
                       <a:r>
                         <a:rPr lang="en-US" dirty="0" smtClean="0"/>
-                        <a:t>Attainable</a:t>
+                        <a:t>Relevant </a:t>
+                      </a:r>
+                      <a:r>
+                        <a:rPr lang="ru-RU" dirty="0" smtClean="0"/>
+                        <a:t>(Согласованность)</a:t>
+                      </a:r>
+                      <a:endParaRPr lang="ru-RU" dirty="0"/>
+                    </a:p>
+                  </a:txBody>
+                  <a:tcPr/>
+                </a:tc>
+                <a:tc>
+                  <a:txBody>
+                    <a:bodyPr/>
+                    <a:lstStyle/>
+                    <a:p>
+                      <a:r>
+                        <a:rPr lang="ru-RU" dirty="0" smtClean="0"/>
+                        <a:t>Приложение разрабатывается в</a:t>
+                      </a:r>
+                      <a:r>
+                        <a:rPr lang="ru-RU" baseline="0" dirty="0" smtClean="0"/>
+                        <a:t> рамках проекта для конкурса </a:t>
+                      </a:r>
+                      <a:r>
+                        <a:rPr lang="en-US" baseline="0" dirty="0" smtClean="0"/>
+                        <a:t>Imagine Cup</a:t>
+                      </a:r>
+                      <a:r>
+                        <a:rPr lang="ru-RU" baseline="0" dirty="0" smtClean="0"/>
+                        <a:t>, для получения опыта разработки, накопления портфолио.</a:t>
+                      </a:r>
+                      <a:endParaRPr lang="ru-RU" dirty="0"/>
+                    </a:p>
+                  </a:txBody>
+                  <a:tcPr/>
+                </a:tc>
+              </a:tr>
+              <a:tr h="370840">
+                <a:tc>
+                  <a:txBody>
+                    <a:bodyPr/>
+                    <a:lstStyle/>
+                    <a:p>
+                      <a:r>
+                        <a:rPr lang="en-US" dirty="0" smtClean="0"/>
+                        <a:t>Time-bound</a:t>
                       </a:r>
                       <a:r>
                         <a:rPr lang="en-US" baseline="0" dirty="0" smtClean="0"/>
@@ -6564,7 +6726,7 @@
                       </a:r>
                       <a:r>
                         <a:rPr lang="ru-RU" baseline="0" dirty="0" smtClean="0"/>
-                        <a:t>Достижимость</a:t>
+                        <a:t>Ограниченность по времени</a:t>
                       </a:r>
                       <a:r>
                         <a:rPr lang="en-US" baseline="0" dirty="0" smtClean="0"/>
@@ -6582,111 +6744,27 @@
                     <a:p>
                       <a:r>
                         <a:rPr lang="ru-RU" dirty="0" smtClean="0"/>
-                        <a:t>Разработка</a:t>
+                        <a:t>Приложение</a:t>
                       </a:r>
                       <a:r>
                         <a:rPr lang="ru-RU" baseline="0" dirty="0" smtClean="0"/>
-                        <a:t> приложения ведется разработчиками, знающими основы разработки приложений для </a:t>
+                        <a:t> должно быть </a:t>
+                      </a:r>
+                      <a:r>
+                        <a:rPr lang="ru-RU" baseline="0" dirty="0" smtClean="0"/>
+                        <a:t>разработано, развернуто на </a:t>
                       </a:r>
                       <a:r>
                         <a:rPr lang="en-US" baseline="0" dirty="0" smtClean="0"/>
-                        <a:t>Windows Phone</a:t>
+                        <a:t>Microsoft Azure</a:t>
                       </a:r>
                       <a:r>
                         <a:rPr lang="ru-RU" baseline="0" dirty="0" smtClean="0"/>
-                        <a:t>, с помощью свободных программных средств, или средств, доступных для студентов ТПУ.</a:t>
-                      </a:r>
-                      <a:endParaRPr lang="ru-RU" dirty="0"/>
-                    </a:p>
-                  </a:txBody>
-                  <a:tcPr/>
-                </a:tc>
-              </a:tr>
-              <a:tr h="370840">
-                <a:tc>
-                  <a:txBody>
-                    <a:bodyPr/>
-                    <a:lstStyle/>
-                    <a:p>
-                      <a:r>
-                        <a:rPr lang="en-US" dirty="0" smtClean="0"/>
-                        <a:t>Relevant </a:t>
-                      </a:r>
-                      <a:r>
-                        <a:rPr lang="ru-RU" dirty="0" smtClean="0"/>
-                        <a:t>(Согласованность)</a:t>
-                      </a:r>
-                      <a:endParaRPr lang="ru-RU" dirty="0"/>
-                    </a:p>
-                  </a:txBody>
-                  <a:tcPr/>
-                </a:tc>
-                <a:tc>
-                  <a:txBody>
-                    <a:bodyPr/>
-                    <a:lstStyle/>
-                    <a:p>
-                      <a:r>
-                        <a:rPr lang="ru-RU" dirty="0" smtClean="0"/>
-                        <a:t>Приложение разрабатывается в</a:t>
+                        <a:t>, мобильная версия загружена </a:t>
                       </a:r>
                       <a:r>
                         <a:rPr lang="ru-RU" baseline="0" dirty="0" smtClean="0"/>
-                        <a:t> рамках проекта для конкурса </a:t>
-                      </a:r>
-                      <a:r>
-                        <a:rPr lang="en-US" baseline="0" dirty="0" smtClean="0"/>
-                        <a:t>Imagine Cup</a:t>
-                      </a:r>
-                      <a:r>
-                        <a:rPr lang="ru-RU" baseline="0" dirty="0" smtClean="0"/>
-                        <a:t>, для получения опыта разработки, накопления портфолио.</a:t>
-                      </a:r>
-                      <a:endParaRPr lang="ru-RU" dirty="0"/>
-                    </a:p>
-                  </a:txBody>
-                  <a:tcPr/>
-                </a:tc>
-              </a:tr>
-              <a:tr h="370840">
-                <a:tc>
-                  <a:txBody>
-                    <a:bodyPr/>
-                    <a:lstStyle/>
-                    <a:p>
-                      <a:r>
-                        <a:rPr lang="en-US" dirty="0" smtClean="0"/>
-                        <a:t>Time-bound</a:t>
-                      </a:r>
-                      <a:r>
-                        <a:rPr lang="en-US" baseline="0" dirty="0" smtClean="0"/>
-                        <a:t> (</a:t>
-                      </a:r>
-                      <a:r>
-                        <a:rPr lang="ru-RU" baseline="0" dirty="0" smtClean="0"/>
-                        <a:t>Ограниченность по времени</a:t>
-                      </a:r>
-                      <a:r>
-                        <a:rPr lang="en-US" baseline="0" dirty="0" smtClean="0"/>
-                        <a:t>)</a:t>
-                      </a:r>
-                      <a:endParaRPr lang="ru-RU" dirty="0"/>
-                    </a:p>
-                  </a:txBody>
-                  <a:tcPr/>
-                </a:tc>
-                <a:tc>
-                  <a:txBody>
-                    <a:bodyPr/>
-                    <a:lstStyle/>
-                    <a:p>
-                      <a:r>
-                        <a:rPr lang="ru-RU" dirty="0" smtClean="0"/>
-                        <a:t>Приложение</a:t>
-                      </a:r>
-                      <a:r>
-                        <a:rPr lang="ru-RU" baseline="0" dirty="0" smtClean="0"/>
-                        <a:t> должно быть разработано и загружено в </a:t>
+                        <a:t>в </a:t>
                       </a:r>
                       <a:r>
                         <a:rPr lang="en-US" baseline="0" dirty="0" smtClean="0"/>
@@ -6811,13 +6889,8 @@
           <a:p>
             <a:r>
               <a:rPr lang="ru-RU" dirty="0" smtClean="0"/>
-              <a:t>Количество скачиваний приложения в первый месяц: </a:t>
-            </a:r>
-            <a:r>
-              <a:rPr lang="ru-RU" dirty="0" smtClean="0"/>
-              <a:t>20-50</a:t>
-            </a:r>
-            <a:endParaRPr lang="ru-RU" dirty="0" smtClean="0"/>
+              <a:t>Количество скачиваний приложения в первый месяц: 20-50</a:t>
+            </a:r>
           </a:p>
           <a:p>
             <a:r>
@@ -6852,11 +6925,7 @@
             </a:r>
             <a:r>
               <a:rPr lang="en-US" dirty="0" smtClean="0"/>
-              <a:t>Imagine </a:t>
-            </a:r>
-            <a:r>
-              <a:rPr lang="en-US" dirty="0" smtClean="0"/>
-              <a:t>Cup</a:t>
+              <a:t>Imagine Cup</a:t>
             </a:r>
             <a:endParaRPr lang="ru-RU" dirty="0" smtClean="0"/>
           </a:p>
@@ -7813,11 +7882,7 @@
                       </a:r>
                       <a:r>
                         <a:rPr lang="ru-RU" baseline="0" dirty="0" smtClean="0"/>
-                        <a:t> и успехах другого проекта, идеи для своих проектов</a:t>
-                      </a:r>
-                      <a:r>
-                        <a:rPr lang="ru-RU" baseline="0" dirty="0" smtClean="0"/>
-                        <a:t>.</a:t>
+                        <a:t> и успехах другого проекта, идеи для своих проектов.</a:t>
                       </a:r>
                     </a:p>
                   </a:txBody>

--- a/Документы/GeoTimePresentation-remake.pptx
+++ b/Документы/GeoTimePresentation-remake.pptx
@@ -2869,6 +2869,7 @@
       <p:bgPr>
         <a:blipFill dpi="0" rotWithShape="1">
           <a:blip r:embed="rId13">
+            <a:alphaModFix amt="75000"/>
             <a:lum/>
           </a:blip>
           <a:srcRect/>
@@ -3684,7 +3685,7 @@
           <p:nvPr>
             <p:extLst>
               <p:ext uri="{D42A27DB-BD31-4B8C-83A1-F6EECF244321}">
-                <p14:modId xmlns:p14="http://schemas.microsoft.com/office/powerpoint/2010/main" val="3864710428"/>
+                <p14:modId xmlns:p14="http://schemas.microsoft.com/office/powerpoint/2010/main" val="2911013497"/>
               </p:ext>
             </p:extLst>
           </p:nvPr>
@@ -3697,7 +3698,7 @@
           <a:graphicData uri="http://schemas.openxmlformats.org/drawingml/2006/table">
             <a:tbl>
               <a:tblPr firstRow="1" bandRow="1">
-                <a:tableStyleId>{F5AB1C69-6EDB-4FF4-983F-18BD219EF322}</a:tableStyleId>
+                <a:tableStyleId>{93296810-A885-4BE3-A3E7-6D5BEEA58F35}</a:tableStyleId>
               </a:tblPr>
               <a:tblGrid>
                 <a:gridCol w="2809430"/>
@@ -4835,7 +4836,7 @@
             <p:ph idx="1"/>
             <p:extLst>
               <p:ext uri="{D42A27DB-BD31-4B8C-83A1-F6EECF244321}">
-                <p14:modId xmlns:p14="http://schemas.microsoft.com/office/powerpoint/2010/main" val="3144151041"/>
+                <p14:modId xmlns:p14="http://schemas.microsoft.com/office/powerpoint/2010/main" val="2501088859"/>
               </p:ext>
             </p:extLst>
           </p:nvPr>
@@ -4848,7 +4849,7 @@
           <a:graphicData uri="http://schemas.openxmlformats.org/drawingml/2006/table">
             <a:tbl>
               <a:tblPr firstRow="1" bandRow="1">
-                <a:tableStyleId>{F5AB1C69-6EDB-4FF4-983F-18BD219EF322}</a:tableStyleId>
+                <a:tableStyleId>{93296810-A885-4BE3-A3E7-6D5BEEA58F35}</a:tableStyleId>
               </a:tblPr>
               <a:tblGrid>
                 <a:gridCol w="2809430"/>
@@ -6195,11 +6196,7 @@
             </a:pPr>
             <a:r>
               <a:rPr lang="ru-RU" dirty="0" smtClean="0"/>
-              <a:t>Прокладывание маршрутов на основе срочности </a:t>
-            </a:r>
-            <a:r>
-              <a:rPr lang="ru-RU" dirty="0" smtClean="0"/>
-              <a:t>заданий</a:t>
+              <a:t>Прокладывание маршрутов на основе срочности заданий</a:t>
             </a:r>
           </a:p>
           <a:p>
@@ -6211,7 +6208,6 @@
               <a:rPr lang="ru-RU" dirty="0" smtClean="0"/>
               <a:t>Распределение задач логистики между подчиненными</a:t>
             </a:r>
-            <a:endParaRPr lang="ru-RU" dirty="0" smtClean="0"/>
           </a:p>
           <a:p>
             <a:pPr>
@@ -6222,7 +6218,6 @@
               <a:rPr lang="ru-RU" dirty="0" smtClean="0"/>
               <a:t>Отслеживание состояния доставки</a:t>
             </a:r>
-            <a:endParaRPr lang="ru-RU" dirty="0" smtClean="0"/>
           </a:p>
           <a:p>
             <a:pPr marL="0" indent="0">
@@ -6279,7 +6274,6 @@
               <a:rPr lang="ru-RU" dirty="0" smtClean="0"/>
               <a:t>Муниципальные службы</a:t>
             </a:r>
-            <a:endParaRPr lang="ru-RU" dirty="0" smtClean="0"/>
           </a:p>
         </p:txBody>
       </p:sp>
@@ -6413,7 +6407,7 @@
             <p:ph idx="1"/>
             <p:extLst>
               <p:ext uri="{D42A27DB-BD31-4B8C-83A1-F6EECF244321}">
-                <p14:modId xmlns:p14="http://schemas.microsoft.com/office/powerpoint/2010/main" val="794408165"/>
+                <p14:modId xmlns:p14="http://schemas.microsoft.com/office/powerpoint/2010/main" val="3747317530"/>
               </p:ext>
             </p:extLst>
           </p:nvPr>
@@ -6426,7 +6420,7 @@
           <a:graphicData uri="http://schemas.openxmlformats.org/drawingml/2006/table">
             <a:tbl>
               <a:tblPr firstRow="1" bandRow="1">
-                <a:tableStyleId>{F5AB1C69-6EDB-4FF4-983F-18BD219EF322}</a:tableStyleId>
+                <a:tableStyleId>{93296810-A885-4BE3-A3E7-6D5BEEA58F35}</a:tableStyleId>
               </a:tblPr>
               <a:tblGrid>
                 <a:gridCol w="3221052"/>
@@ -6500,7 +6494,15 @@
                       </a:r>
                       <a:r>
                         <a:rPr lang="ru-RU" baseline="0" dirty="0" smtClean="0"/>
-                        <a:t> для управления задачами доставки в несколько указанных на карте точек.</a:t>
+                        <a:t> </a:t>
+                      </a:r>
+                      <a:r>
+                        <a:rPr lang="ru-RU" baseline="0" dirty="0" smtClean="0"/>
+                        <a:t>и мобильное приложение для </a:t>
+                      </a:r>
+                      <a:r>
+                        <a:rPr lang="ru-RU" baseline="0" dirty="0" smtClean="0"/>
+                        <a:t>управления задачами доставки в несколько указанных на карте точек.</a:t>
                       </a:r>
                       <a:endParaRPr lang="ru-RU" dirty="0"/>
                     </a:p>
@@ -6632,11 +6634,7 @@
                       </a:r>
                       <a:r>
                         <a:rPr lang="ru-RU" baseline="0" dirty="0" smtClean="0"/>
-                        <a:t> приложения ведется разработчиками, знающими основы </a:t>
-                      </a:r>
-                      <a:r>
-                        <a:rPr lang="ru-RU" baseline="0" dirty="0" smtClean="0"/>
-                        <a:t>разработки веб приложений на платформе </a:t>
+                        <a:t> приложения ведется разработчиками, знающими основы разработки веб приложений на платформе </a:t>
                       </a:r>
                       <a:r>
                         <a:rPr lang="en-US" baseline="0" dirty="0" smtClean="0"/>
@@ -6644,11 +6642,7 @@
                       </a:r>
                       <a:r>
                         <a:rPr lang="ru-RU" baseline="0" dirty="0" smtClean="0"/>
-                        <a:t>мобильные приложений </a:t>
-                      </a:r>
-                      <a:r>
-                        <a:rPr lang="ru-RU" baseline="0" dirty="0" smtClean="0"/>
-                        <a:t>для </a:t>
+                        <a:t>мобильные приложений для </a:t>
                       </a:r>
                       <a:r>
                         <a:rPr lang="en-US" baseline="0" dirty="0" smtClean="0"/>
@@ -6748,11 +6742,7 @@
                       </a:r>
                       <a:r>
                         <a:rPr lang="ru-RU" baseline="0" dirty="0" smtClean="0"/>
-                        <a:t> должно быть </a:t>
-                      </a:r>
-                      <a:r>
-                        <a:rPr lang="ru-RU" baseline="0" dirty="0" smtClean="0"/>
-                        <a:t>разработано, развернуто на </a:t>
+                        <a:t> должно быть разработано, развернуто на </a:t>
                       </a:r>
                       <a:r>
                         <a:rPr lang="en-US" baseline="0" dirty="0" smtClean="0"/>
@@ -6760,11 +6750,7 @@
                       </a:r>
                       <a:r>
                         <a:rPr lang="ru-RU" baseline="0" dirty="0" smtClean="0"/>
-                        <a:t>, мобильная версия загружена </a:t>
-                      </a:r>
-                      <a:r>
-                        <a:rPr lang="ru-RU" baseline="0" dirty="0" smtClean="0"/>
-                        <a:t>в </a:t>
+                        <a:t>, мобильная версия загружена в </a:t>
                       </a:r>
                       <a:r>
                         <a:rPr lang="en-US" baseline="0" dirty="0" smtClean="0"/>
@@ -6925,7 +6911,18 @@
             </a:r>
             <a:r>
               <a:rPr lang="en-US" dirty="0" smtClean="0"/>
-              <a:t>Imagine Cup</a:t>
+              <a:t>Imagine </a:t>
+            </a:r>
+            <a:r>
+              <a:rPr lang="en-US" dirty="0" smtClean="0"/>
+              <a:t>Cup</a:t>
+            </a:r>
+            <a:endParaRPr lang="ru-RU" dirty="0" smtClean="0"/>
+          </a:p>
+          <a:p>
+            <a:r>
+              <a:rPr lang="ru-RU" dirty="0" smtClean="0"/>
+              <a:t>30 уникальных посетителей в месяц</a:t>
             </a:r>
             <a:endParaRPr lang="ru-RU" dirty="0" smtClean="0"/>
           </a:p>
@@ -7033,7 +7030,7 @@
             <p:ph idx="1"/>
             <p:extLst>
               <p:ext uri="{D42A27DB-BD31-4B8C-83A1-F6EECF244321}">
-                <p14:modId xmlns:p14="http://schemas.microsoft.com/office/powerpoint/2010/main" val="1138805466"/>
+                <p14:modId xmlns:p14="http://schemas.microsoft.com/office/powerpoint/2010/main" val="1197168331"/>
               </p:ext>
             </p:extLst>
           </p:nvPr>
@@ -7046,7 +7043,7 @@
           <a:graphicData uri="http://schemas.openxmlformats.org/drawingml/2006/table">
             <a:tbl>
               <a:tblPr firstRow="1" bandRow="1">
-                <a:tableStyleId>{F5AB1C69-6EDB-4FF4-983F-18BD219EF322}</a:tableStyleId>
+                <a:tableStyleId>{93296810-A885-4BE3-A3E7-6D5BEEA58F35}</a:tableStyleId>
               </a:tblPr>
               <a:tblGrid>
                 <a:gridCol w="3511609"/>
@@ -7518,7 +7515,7 @@
             <p:ph idx="1"/>
             <p:extLst>
               <p:ext uri="{D42A27DB-BD31-4B8C-83A1-F6EECF244321}">
-                <p14:modId xmlns:p14="http://schemas.microsoft.com/office/powerpoint/2010/main" val="3376488697"/>
+                <p14:modId xmlns:p14="http://schemas.microsoft.com/office/powerpoint/2010/main" val="2554869067"/>
               </p:ext>
             </p:extLst>
           </p:nvPr>
@@ -7531,7 +7528,7 @@
           <a:graphicData uri="http://schemas.openxmlformats.org/drawingml/2006/table">
             <a:tbl>
               <a:tblPr firstRow="1" bandRow="1">
-                <a:tableStyleId>{F5AB1C69-6EDB-4FF4-983F-18BD219EF322}</a:tableStyleId>
+                <a:tableStyleId>{93296810-A885-4BE3-A3E7-6D5BEEA58F35}</a:tableStyleId>
               </a:tblPr>
               <a:tblGrid>
                 <a:gridCol w="3505200"/>
@@ -8205,7 +8202,7 @@
             <p:ph idx="1"/>
             <p:extLst>
               <p:ext uri="{D42A27DB-BD31-4B8C-83A1-F6EECF244321}">
-                <p14:modId xmlns:p14="http://schemas.microsoft.com/office/powerpoint/2010/main" val="216155875"/>
+                <p14:modId xmlns:p14="http://schemas.microsoft.com/office/powerpoint/2010/main" val="3181386337"/>
               </p:ext>
             </p:extLst>
           </p:nvPr>
@@ -8218,7 +8215,7 @@
           <a:graphicData uri="http://schemas.openxmlformats.org/drawingml/2006/table">
             <a:tbl>
               <a:tblPr firstRow="1" bandRow="1">
-                <a:tableStyleId>{F5AB1C69-6EDB-4FF4-983F-18BD219EF322}</a:tableStyleId>
+                <a:tableStyleId>{93296810-A885-4BE3-A3E7-6D5BEEA58F35}</a:tableStyleId>
               </a:tblPr>
               <a:tblGrid>
                 <a:gridCol w="3505200"/>

--- a/Документы/GeoTimePresentation-remake.pptx
+++ b/Документы/GeoTimePresentation-remake.pptx
@@ -5,7 +5,7 @@
     <p:sldMasterId id="2147483648" r:id="rId1"/>
   </p:sldMasterIdLst>
   <p:notesMasterIdLst>
-    <p:notesMasterId r:id="rId16"/>
+    <p:notesMasterId r:id="rId18"/>
   </p:notesMasterIdLst>
   <p:sldIdLst>
     <p:sldId id="256" r:id="rId2"/>
@@ -22,6 +22,8 @@
     <p:sldId id="270" r:id="rId13"/>
     <p:sldId id="269" r:id="rId14"/>
     <p:sldId id="268" r:id="rId15"/>
+    <p:sldId id="271" r:id="rId16"/>
+    <p:sldId id="272" r:id="rId17"/>
   </p:sldIdLst>
   <p:sldSz cx="12192000" cy="6858000"/>
   <p:notesSz cx="6858000" cy="9144000"/>
@@ -3685,7 +3687,7 @@
           <p:nvPr>
             <p:extLst>
               <p:ext uri="{D42A27DB-BD31-4B8C-83A1-F6EECF244321}">
-                <p14:modId xmlns:p14="http://schemas.microsoft.com/office/powerpoint/2010/main" val="2911013497"/>
+                <p14:modId xmlns:p14="http://schemas.microsoft.com/office/powerpoint/2010/main" val="4288876467"/>
               </p:ext>
             </p:extLst>
           </p:nvPr>
@@ -3712,6 +3714,7 @@
                     <a:bodyPr/>
                     <a:lstStyle/>
                     <a:p>
+                      <a:pPr algn="ctr"/>
                       <a:r>
                         <a:rPr lang="ru-RU" sz="1600" dirty="0" smtClean="0"/>
                         <a:t>Задача</a:t>
@@ -3719,7 +3722,7 @@
                       <a:endParaRPr lang="ru-RU" sz="1600" dirty="0"/>
                     </a:p>
                   </a:txBody>
-                  <a:tcPr/>
+                  <a:tcPr anchor="ctr"/>
                 </a:tc>
                 <a:tc>
                   <a:txBody>
@@ -3734,7 +3737,7 @@
                       <a:endParaRPr lang="ru-RU" sz="1600" dirty="0"/>
                     </a:p>
                   </a:txBody>
-                  <a:tcPr/>
+                  <a:tcPr anchor="ctr"/>
                 </a:tc>
                 <a:tc>
                   <a:txBody>
@@ -3753,7 +3756,7 @@
                       <a:endParaRPr lang="ru-RU" sz="1600" dirty="0"/>
                     </a:p>
                   </a:txBody>
-                  <a:tcPr/>
+                  <a:tcPr anchor="ctr"/>
                 </a:tc>
                 <a:tc>
                   <a:txBody>
@@ -3772,7 +3775,7 @@
                       <a:endParaRPr lang="ru-RU" sz="1600" dirty="0"/>
                     </a:p>
                   </a:txBody>
-                  <a:tcPr/>
+                  <a:tcPr anchor="ctr"/>
                 </a:tc>
               </a:tr>
               <a:tr h="347748">
@@ -3781,7 +3784,7 @@
                     <a:bodyPr/>
                     <a:lstStyle/>
                     <a:p>
-                      <a:pPr marL="0" marR="0" indent="0" algn="l" defTabSz="914400" rtl="0" eaLnBrk="1" fontAlgn="auto" latinLnBrk="0" hangingPunct="1">
+                      <a:pPr marL="0" marR="0" indent="0" algn="ctr" defTabSz="914400" rtl="0" eaLnBrk="1" fontAlgn="auto" latinLnBrk="0" hangingPunct="1">
                         <a:lnSpc>
                           <a:spcPct val="100000"/>
                         </a:lnSpc>
@@ -3804,7 +3807,7 @@
                       </a:r>
                     </a:p>
                   </a:txBody>
-                  <a:tcPr/>
+                  <a:tcPr anchor="ctr"/>
                 </a:tc>
                 <a:tc>
                   <a:txBody>
@@ -3819,7 +3822,7 @@
                       <a:endParaRPr lang="ru-RU" sz="1600" dirty="0"/>
                     </a:p>
                   </a:txBody>
-                  <a:tcPr/>
+                  <a:tcPr anchor="ctr"/>
                 </a:tc>
                 <a:tc>
                   <a:txBody>
@@ -3834,7 +3837,7 @@
                       <a:endParaRPr lang="ru-RU" sz="1600" dirty="0"/>
                     </a:p>
                   </a:txBody>
-                  <a:tcPr/>
+                  <a:tcPr anchor="ctr"/>
                 </a:tc>
                 <a:tc>
                   <a:txBody>
@@ -3849,7 +3852,7 @@
                       <a:endParaRPr lang="ru-RU" sz="1600" dirty="0"/>
                     </a:p>
                   </a:txBody>
-                  <a:tcPr/>
+                  <a:tcPr anchor="ctr"/>
                 </a:tc>
               </a:tr>
               <a:tr h="347748">
@@ -3858,7 +3861,7 @@
                     <a:bodyPr/>
                     <a:lstStyle/>
                     <a:p>
-                      <a:pPr marL="0" marR="0" indent="0" algn="l" defTabSz="914400" rtl="0" eaLnBrk="1" fontAlgn="auto" latinLnBrk="0" hangingPunct="1">
+                      <a:pPr marL="0" marR="0" indent="0" algn="ctr" defTabSz="914400" rtl="0" eaLnBrk="1" fontAlgn="auto" latinLnBrk="0" hangingPunct="1">
                         <a:lnSpc>
                           <a:spcPct val="100000"/>
                         </a:lnSpc>
@@ -3881,7 +3884,7 @@
                       </a:r>
                     </a:p>
                   </a:txBody>
-                  <a:tcPr/>
+                  <a:tcPr anchor="ctr"/>
                 </a:tc>
                 <a:tc>
                   <a:txBody>
@@ -3896,7 +3899,7 @@
                       <a:endParaRPr lang="ru-RU" sz="1600" dirty="0"/>
                     </a:p>
                   </a:txBody>
-                  <a:tcPr/>
+                  <a:tcPr anchor="ctr"/>
                 </a:tc>
                 <a:tc>
                   <a:txBody>
@@ -3911,7 +3914,7 @@
                       <a:endParaRPr lang="ru-RU" sz="1600" dirty="0"/>
                     </a:p>
                   </a:txBody>
-                  <a:tcPr/>
+                  <a:tcPr anchor="ctr"/>
                 </a:tc>
                 <a:tc>
                   <a:txBody>
@@ -3926,7 +3929,7 @@
                       <a:endParaRPr lang="ru-RU" sz="1600" dirty="0"/>
                     </a:p>
                   </a:txBody>
-                  <a:tcPr/>
+                  <a:tcPr anchor="ctr"/>
                 </a:tc>
               </a:tr>
               <a:tr h="347748">
@@ -3935,7 +3938,7 @@
                     <a:bodyPr/>
                     <a:lstStyle/>
                     <a:p>
-                      <a:pPr marL="0" marR="0" indent="0" algn="l" defTabSz="914400" rtl="0" eaLnBrk="1" fontAlgn="auto" latinLnBrk="0" hangingPunct="1">
+                      <a:pPr marL="0" marR="0" indent="0" algn="ctr" defTabSz="914400" rtl="0" eaLnBrk="1" fontAlgn="auto" latinLnBrk="0" hangingPunct="1">
                         <a:lnSpc>
                           <a:spcPct val="100000"/>
                         </a:lnSpc>
@@ -3958,7 +3961,7 @@
                       </a:r>
                     </a:p>
                   </a:txBody>
-                  <a:tcPr/>
+                  <a:tcPr anchor="ctr"/>
                 </a:tc>
                 <a:tc>
                   <a:txBody>
@@ -3973,7 +3976,7 @@
                       <a:endParaRPr lang="ru-RU" sz="1600" dirty="0"/>
                     </a:p>
                   </a:txBody>
-                  <a:tcPr/>
+                  <a:tcPr anchor="ctr"/>
                 </a:tc>
                 <a:tc>
                   <a:txBody>
@@ -3988,7 +3991,7 @@
                       <a:endParaRPr lang="ru-RU" sz="1600" dirty="0"/>
                     </a:p>
                   </a:txBody>
-                  <a:tcPr/>
+                  <a:tcPr anchor="ctr"/>
                 </a:tc>
                 <a:tc>
                   <a:txBody>
@@ -4003,7 +4006,7 @@
                       <a:endParaRPr lang="ru-RU" sz="1600" dirty="0"/>
                     </a:p>
                   </a:txBody>
-                  <a:tcPr/>
+                  <a:tcPr anchor="ctr"/>
                 </a:tc>
               </a:tr>
               <a:tr h="347748">
@@ -4012,7 +4015,7 @@
                     <a:bodyPr/>
                     <a:lstStyle/>
                     <a:p>
-                      <a:pPr marL="0" marR="0" indent="0" algn="l" defTabSz="914400" rtl="0" eaLnBrk="1" fontAlgn="auto" latinLnBrk="0" hangingPunct="1">
+                      <a:pPr marL="0" marR="0" indent="0" algn="ctr" defTabSz="914400" rtl="0" eaLnBrk="1" fontAlgn="auto" latinLnBrk="0" hangingPunct="1">
                         <a:lnSpc>
                           <a:spcPct val="100000"/>
                         </a:lnSpc>
@@ -4035,7 +4038,7 @@
                       </a:r>
                     </a:p>
                   </a:txBody>
-                  <a:tcPr/>
+                  <a:tcPr anchor="ctr"/>
                 </a:tc>
                 <a:tc>
                   <a:txBody>
@@ -4050,7 +4053,7 @@
                       <a:endParaRPr lang="ru-RU" sz="1600" dirty="0"/>
                     </a:p>
                   </a:txBody>
-                  <a:tcPr/>
+                  <a:tcPr anchor="ctr"/>
                 </a:tc>
                 <a:tc>
                   <a:txBody>
@@ -4065,7 +4068,7 @@
                       <a:endParaRPr lang="ru-RU" sz="1600" dirty="0"/>
                     </a:p>
                   </a:txBody>
-                  <a:tcPr/>
+                  <a:tcPr anchor="ctr"/>
                 </a:tc>
                 <a:tc>
                   <a:txBody>
@@ -4080,7 +4083,7 @@
                       <a:endParaRPr lang="ru-RU" sz="1600" dirty="0"/>
                     </a:p>
                   </a:txBody>
-                  <a:tcPr/>
+                  <a:tcPr anchor="ctr"/>
                 </a:tc>
               </a:tr>
               <a:tr h="347748">
@@ -4089,7 +4092,7 @@
                     <a:bodyPr/>
                     <a:lstStyle/>
                     <a:p>
-                      <a:pPr marL="0" marR="0" indent="0" algn="l" defTabSz="914400" rtl="0" eaLnBrk="1" fontAlgn="auto" latinLnBrk="0" hangingPunct="1">
+                      <a:pPr marL="0" marR="0" indent="0" algn="ctr" defTabSz="914400" rtl="0" eaLnBrk="1" fontAlgn="auto" latinLnBrk="0" hangingPunct="1">
                         <a:lnSpc>
                           <a:spcPct val="100000"/>
                         </a:lnSpc>
@@ -4112,7 +4115,7 @@
                       </a:r>
                     </a:p>
                   </a:txBody>
-                  <a:tcPr/>
+                  <a:tcPr anchor="ctr"/>
                 </a:tc>
                 <a:tc>
                   <a:txBody>
@@ -4127,7 +4130,7 @@
                       <a:endParaRPr lang="ru-RU" sz="1600" dirty="0"/>
                     </a:p>
                   </a:txBody>
-                  <a:tcPr/>
+                  <a:tcPr anchor="ctr"/>
                 </a:tc>
                 <a:tc>
                   <a:txBody>
@@ -4142,7 +4145,7 @@
                       <a:endParaRPr lang="ru-RU" sz="1600" dirty="0"/>
                     </a:p>
                   </a:txBody>
-                  <a:tcPr/>
+                  <a:tcPr anchor="ctr"/>
                 </a:tc>
                 <a:tc>
                   <a:txBody>
@@ -4157,7 +4160,7 @@
                       <a:endParaRPr lang="ru-RU" sz="1600" dirty="0"/>
                     </a:p>
                   </a:txBody>
-                  <a:tcPr/>
+                  <a:tcPr anchor="ctr"/>
                 </a:tc>
               </a:tr>
               <a:tr h="347748">
@@ -4166,7 +4169,7 @@
                     <a:bodyPr/>
                     <a:lstStyle/>
                     <a:p>
-                      <a:pPr marL="0" marR="0" indent="0" algn="l" defTabSz="914400" rtl="0" eaLnBrk="1" fontAlgn="auto" latinLnBrk="0" hangingPunct="1">
+                      <a:pPr marL="0" marR="0" indent="0" algn="ctr" defTabSz="914400" rtl="0" eaLnBrk="1" fontAlgn="auto" latinLnBrk="0" hangingPunct="1">
                         <a:lnSpc>
                           <a:spcPct val="100000"/>
                         </a:lnSpc>
@@ -4189,7 +4192,7 @@
                       </a:r>
                     </a:p>
                   </a:txBody>
-                  <a:tcPr/>
+                  <a:tcPr anchor="ctr"/>
                 </a:tc>
                 <a:tc>
                   <a:txBody>
@@ -4204,7 +4207,7 @@
                       <a:endParaRPr lang="ru-RU" sz="1600" dirty="0"/>
                     </a:p>
                   </a:txBody>
-                  <a:tcPr/>
+                  <a:tcPr anchor="ctr"/>
                 </a:tc>
                 <a:tc>
                   <a:txBody>
@@ -4234,7 +4237,7 @@
                       </a:r>
                     </a:p>
                   </a:txBody>
-                  <a:tcPr/>
+                  <a:tcPr anchor="ctr"/>
                 </a:tc>
                 <a:tc>
                   <a:txBody>
@@ -4249,7 +4252,7 @@
                       <a:endParaRPr lang="ru-RU" sz="1600" dirty="0"/>
                     </a:p>
                   </a:txBody>
-                  <a:tcPr/>
+                  <a:tcPr anchor="ctr"/>
                 </a:tc>
               </a:tr>
               <a:tr h="347748">
@@ -4258,7 +4261,7 @@
                     <a:bodyPr/>
                     <a:lstStyle/>
                     <a:p>
-                      <a:pPr marL="0" marR="0" indent="0" algn="l" defTabSz="914400" rtl="0" eaLnBrk="1" fontAlgn="auto" latinLnBrk="0" hangingPunct="1">
+                      <a:pPr marL="0" marR="0" indent="0" algn="ctr" defTabSz="914400" rtl="0" eaLnBrk="1" fontAlgn="auto" latinLnBrk="0" hangingPunct="1">
                         <a:lnSpc>
                           <a:spcPct val="100000"/>
                         </a:lnSpc>
@@ -4286,7 +4289,7 @@
                       <a:endParaRPr lang="ru-RU" sz="1600" dirty="0" smtClean="0"/>
                     </a:p>
                   </a:txBody>
-                  <a:tcPr/>
+                  <a:tcPr anchor="ctr"/>
                 </a:tc>
                 <a:tc>
                   <a:txBody>
@@ -4316,7 +4319,7 @@
                       </a:r>
                     </a:p>
                   </a:txBody>
-                  <a:tcPr/>
+                  <a:tcPr anchor="ctr"/>
                 </a:tc>
                 <a:tc>
                   <a:txBody>
@@ -4331,7 +4334,7 @@
                       <a:endParaRPr lang="ru-RU" sz="1600" dirty="0"/>
                     </a:p>
                   </a:txBody>
-                  <a:tcPr/>
+                  <a:tcPr anchor="ctr"/>
                 </a:tc>
                 <a:tc>
                   <a:txBody>
@@ -4346,7 +4349,7 @@
                       <a:endParaRPr lang="ru-RU" sz="1600" dirty="0"/>
                     </a:p>
                   </a:txBody>
-                  <a:tcPr/>
+                  <a:tcPr anchor="ctr"/>
                 </a:tc>
               </a:tr>
               <a:tr h="347748">
@@ -4355,7 +4358,7 @@
                     <a:bodyPr/>
                     <a:lstStyle/>
                     <a:p>
-                      <a:pPr marL="0" marR="0" indent="0" algn="l" defTabSz="914400" rtl="0" eaLnBrk="1" fontAlgn="auto" latinLnBrk="0" hangingPunct="1">
+                      <a:pPr marL="0" marR="0" indent="0" algn="ctr" defTabSz="914400" rtl="0" eaLnBrk="1" fontAlgn="auto" latinLnBrk="0" hangingPunct="1">
                         <a:lnSpc>
                           <a:spcPct val="100000"/>
                         </a:lnSpc>
@@ -4378,7 +4381,7 @@
                       </a:r>
                     </a:p>
                   </a:txBody>
-                  <a:tcPr/>
+                  <a:tcPr anchor="ctr"/>
                 </a:tc>
                 <a:tc>
                   <a:txBody>
@@ -4408,7 +4411,7 @@
                       </a:r>
                     </a:p>
                   </a:txBody>
-                  <a:tcPr/>
+                  <a:tcPr anchor="ctr"/>
                 </a:tc>
                 <a:tc>
                   <a:txBody>
@@ -4423,7 +4426,7 @@
                       <a:endParaRPr lang="ru-RU" sz="1600" dirty="0"/>
                     </a:p>
                   </a:txBody>
-                  <a:tcPr/>
+                  <a:tcPr anchor="ctr"/>
                 </a:tc>
                 <a:tc>
                   <a:txBody>
@@ -4438,7 +4441,7 @@
                       <a:endParaRPr lang="ru-RU" sz="1600" dirty="0"/>
                     </a:p>
                   </a:txBody>
-                  <a:tcPr/>
+                  <a:tcPr anchor="ctr"/>
                 </a:tc>
               </a:tr>
               <a:tr h="347748">
@@ -4447,7 +4450,7 @@
                     <a:bodyPr/>
                     <a:lstStyle/>
                     <a:p>
-                      <a:pPr marL="0" marR="0" indent="0" algn="l" defTabSz="914400" rtl="0" eaLnBrk="1" fontAlgn="auto" latinLnBrk="0" hangingPunct="1">
+                      <a:pPr marL="0" marR="0" indent="0" algn="ctr" defTabSz="914400" rtl="0" eaLnBrk="1" fontAlgn="auto" latinLnBrk="0" hangingPunct="1">
                         <a:lnSpc>
                           <a:spcPct val="100000"/>
                         </a:lnSpc>
@@ -4475,7 +4478,7 @@
                       <a:endParaRPr lang="ru-RU" sz="1600" dirty="0" smtClean="0"/>
                     </a:p>
                   </a:txBody>
-                  <a:tcPr/>
+                  <a:tcPr anchor="ctr"/>
                 </a:tc>
                 <a:tc>
                   <a:txBody>
@@ -4505,7 +4508,7 @@
                       </a:r>
                     </a:p>
                   </a:txBody>
-                  <a:tcPr/>
+                  <a:tcPr anchor="ctr"/>
                 </a:tc>
                 <a:tc>
                   <a:txBody>
@@ -4535,7 +4538,7 @@
                       </a:r>
                     </a:p>
                   </a:txBody>
-                  <a:tcPr/>
+                  <a:tcPr anchor="ctr"/>
                 </a:tc>
                 <a:tc>
                   <a:txBody>
@@ -4550,7 +4553,7 @@
                       <a:endParaRPr lang="ru-RU" sz="1600" dirty="0"/>
                     </a:p>
                   </a:txBody>
-                  <a:tcPr/>
+                  <a:tcPr anchor="ctr"/>
                 </a:tc>
               </a:tr>
               <a:tr h="594919">
@@ -4559,7 +4562,7 @@
                     <a:bodyPr/>
                     <a:lstStyle/>
                     <a:p>
-                      <a:pPr marL="0" marR="0" indent="0" algn="l" defTabSz="914400" rtl="0" eaLnBrk="1" fontAlgn="auto" latinLnBrk="0" hangingPunct="1">
+                      <a:pPr marL="0" marR="0" indent="0" algn="ctr" defTabSz="914400" rtl="0" eaLnBrk="1" fontAlgn="auto" latinLnBrk="0" hangingPunct="1">
                         <a:lnSpc>
                           <a:spcPct val="100000"/>
                         </a:lnSpc>
@@ -4582,7 +4585,7 @@
                       </a:r>
                     </a:p>
                   </a:txBody>
-                  <a:tcPr/>
+                  <a:tcPr anchor="ctr"/>
                 </a:tc>
                 <a:tc>
                   <a:txBody>
@@ -4601,7 +4604,7 @@
                       <a:endParaRPr lang="ru-RU" sz="1600" dirty="0"/>
                     </a:p>
                   </a:txBody>
-                  <a:tcPr/>
+                  <a:tcPr anchor="ctr"/>
                 </a:tc>
                 <a:tc>
                   <a:txBody>
@@ -4631,7 +4634,7 @@
                       </a:r>
                     </a:p>
                   </a:txBody>
-                  <a:tcPr/>
+                  <a:tcPr anchor="ctr"/>
                 </a:tc>
                 <a:tc>
                   <a:txBody>
@@ -4646,7 +4649,7 @@
                       <a:endParaRPr lang="ru-RU" sz="1600" dirty="0"/>
                     </a:p>
                   </a:txBody>
-                  <a:tcPr/>
+                  <a:tcPr anchor="ctr"/>
                 </a:tc>
               </a:tr>
               <a:tr h="347748">
@@ -4655,7 +4658,7 @@
                     <a:bodyPr/>
                     <a:lstStyle/>
                     <a:p>
-                      <a:pPr marL="0" marR="0" indent="0" algn="l" defTabSz="914400" rtl="0" eaLnBrk="1" fontAlgn="auto" latinLnBrk="0" hangingPunct="1">
+                      <a:pPr marL="0" marR="0" indent="0" algn="ctr" defTabSz="914400" rtl="0" eaLnBrk="1" fontAlgn="auto" latinLnBrk="0" hangingPunct="1">
                         <a:lnSpc>
                           <a:spcPct val="100000"/>
                         </a:lnSpc>
@@ -4678,7 +4681,7 @@
                       </a:r>
                     </a:p>
                   </a:txBody>
-                  <a:tcPr/>
+                  <a:tcPr anchor="ctr"/>
                 </a:tc>
                 <a:tc>
                   <a:txBody>
@@ -4708,7 +4711,7 @@
                       </a:r>
                     </a:p>
                   </a:txBody>
-                  <a:tcPr/>
+                  <a:tcPr anchor="ctr"/>
                 </a:tc>
                 <a:tc>
                   <a:txBody>
@@ -4738,7 +4741,7 @@
                       </a:r>
                     </a:p>
                   </a:txBody>
-                  <a:tcPr/>
+                  <a:tcPr anchor="ctr"/>
                 </a:tc>
                 <a:tc>
                   <a:txBody>
@@ -4753,7 +4756,7 @@
                       <a:endParaRPr lang="ru-RU" sz="1600" dirty="0"/>
                     </a:p>
                   </a:txBody>
-                  <a:tcPr/>
+                  <a:tcPr anchor="ctr"/>
                 </a:tc>
               </a:tr>
             </a:tbl>
@@ -4836,7 +4839,7 @@
             <p:ph idx="1"/>
             <p:extLst>
               <p:ext uri="{D42A27DB-BD31-4B8C-83A1-F6EECF244321}">
-                <p14:modId xmlns:p14="http://schemas.microsoft.com/office/powerpoint/2010/main" val="2501088859"/>
+                <p14:modId xmlns:p14="http://schemas.microsoft.com/office/powerpoint/2010/main" val="1573251570"/>
               </p:ext>
             </p:extLst>
           </p:nvPr>
@@ -4863,6 +4866,7 @@
                     <a:bodyPr/>
                     <a:lstStyle/>
                     <a:p>
+                      <a:pPr algn="ctr"/>
                       <a:r>
                         <a:rPr lang="ru-RU" sz="1600" dirty="0" smtClean="0"/>
                         <a:t>Задача</a:t>
@@ -4870,7 +4874,7 @@
                       <a:endParaRPr lang="ru-RU" sz="1600" dirty="0"/>
                     </a:p>
                   </a:txBody>
-                  <a:tcPr/>
+                  <a:tcPr anchor="ctr"/>
                 </a:tc>
                 <a:tc>
                   <a:txBody>
@@ -4885,7 +4889,7 @@
                       <a:endParaRPr lang="ru-RU" sz="1600" dirty="0"/>
                     </a:p>
                   </a:txBody>
-                  <a:tcPr/>
+                  <a:tcPr anchor="ctr"/>
                 </a:tc>
                 <a:tc>
                   <a:txBody>
@@ -4904,7 +4908,7 @@
                       <a:endParaRPr lang="ru-RU" sz="1600" dirty="0"/>
                     </a:p>
                   </a:txBody>
-                  <a:tcPr/>
+                  <a:tcPr anchor="ctr"/>
                 </a:tc>
                 <a:tc>
                   <a:txBody>
@@ -4923,7 +4927,7 @@
                       <a:endParaRPr lang="ru-RU" sz="1600" dirty="0"/>
                     </a:p>
                   </a:txBody>
-                  <a:tcPr/>
+                  <a:tcPr anchor="ctr"/>
                 </a:tc>
               </a:tr>
               <a:tr h="578831">
@@ -4932,7 +4936,7 @@
                     <a:bodyPr/>
                     <a:lstStyle/>
                     <a:p>
-                      <a:pPr marL="0" marR="0" indent="0" algn="l" defTabSz="914400" rtl="0" eaLnBrk="1" fontAlgn="auto" latinLnBrk="0" hangingPunct="1">
+                      <a:pPr marL="0" marR="0" indent="0" algn="ctr" defTabSz="914400" rtl="0" eaLnBrk="1" fontAlgn="auto" latinLnBrk="0" hangingPunct="1">
                         <a:lnSpc>
                           <a:spcPct val="100000"/>
                         </a:lnSpc>
@@ -4960,7 +4964,7 @@
                       <a:endParaRPr lang="ru-RU" sz="1600" dirty="0" smtClean="0"/>
                     </a:p>
                   </a:txBody>
-                  <a:tcPr/>
+                  <a:tcPr anchor="ctr"/>
                 </a:tc>
                 <a:tc>
                   <a:txBody>
@@ -4975,7 +4979,7 @@
                       <a:endParaRPr lang="ru-RU" sz="1600" dirty="0"/>
                     </a:p>
                   </a:txBody>
-                  <a:tcPr/>
+                  <a:tcPr anchor="ctr"/>
                 </a:tc>
                 <a:tc>
                   <a:txBody>
@@ -4990,7 +4994,7 @@
                       <a:endParaRPr lang="ru-RU" sz="1600" dirty="0"/>
                     </a:p>
                   </a:txBody>
-                  <a:tcPr/>
+                  <a:tcPr anchor="ctr"/>
                 </a:tc>
                 <a:tc>
                   <a:txBody>
@@ -5005,7 +5009,7 @@
                       <a:endParaRPr lang="ru-RU" sz="1600" dirty="0"/>
                     </a:p>
                   </a:txBody>
-                  <a:tcPr/>
+                  <a:tcPr anchor="ctr"/>
                 </a:tc>
               </a:tr>
               <a:tr h="578831">
@@ -5014,7 +5018,7 @@
                     <a:bodyPr/>
                     <a:lstStyle/>
                     <a:p>
-                      <a:pPr marL="0" marR="0" indent="0" algn="l" defTabSz="914400" rtl="0" eaLnBrk="1" fontAlgn="auto" latinLnBrk="0" hangingPunct="1">
+                      <a:pPr marL="0" marR="0" indent="0" algn="ctr" defTabSz="914400" rtl="0" eaLnBrk="1" fontAlgn="auto" latinLnBrk="0" hangingPunct="1">
                         <a:lnSpc>
                           <a:spcPct val="100000"/>
                         </a:lnSpc>
@@ -5037,7 +5041,7 @@
                       </a:r>
                     </a:p>
                   </a:txBody>
-                  <a:tcPr/>
+                  <a:tcPr anchor="ctr"/>
                 </a:tc>
                 <a:tc>
                   <a:txBody>
@@ -5052,7 +5056,7 @@
                       <a:endParaRPr lang="ru-RU" sz="1600" dirty="0"/>
                     </a:p>
                   </a:txBody>
-                  <a:tcPr/>
+                  <a:tcPr anchor="ctr"/>
                 </a:tc>
                 <a:tc>
                   <a:txBody>
@@ -5067,7 +5071,7 @@
                       <a:endParaRPr lang="ru-RU" sz="1600" dirty="0"/>
                     </a:p>
                   </a:txBody>
-                  <a:tcPr/>
+                  <a:tcPr anchor="ctr"/>
                 </a:tc>
                 <a:tc>
                   <a:txBody>
@@ -5082,7 +5086,7 @@
                       <a:endParaRPr lang="ru-RU" sz="1600" dirty="0"/>
                     </a:p>
                   </a:txBody>
-                  <a:tcPr/>
+                  <a:tcPr anchor="ctr"/>
                 </a:tc>
               </a:tr>
               <a:tr h="370522">
@@ -5091,7 +5095,7 @@
                     <a:bodyPr/>
                     <a:lstStyle/>
                     <a:p>
-                      <a:pPr marL="0" marR="0" indent="0" algn="l" defTabSz="914400" rtl="0" eaLnBrk="1" fontAlgn="auto" latinLnBrk="0" hangingPunct="1">
+                      <a:pPr marL="0" marR="0" indent="0" algn="ctr" defTabSz="914400" rtl="0" eaLnBrk="1" fontAlgn="auto" latinLnBrk="0" hangingPunct="1">
                         <a:lnSpc>
                           <a:spcPct val="100000"/>
                         </a:lnSpc>
@@ -5119,7 +5123,7 @@
                       <a:endParaRPr lang="ru-RU" sz="1600" dirty="0" smtClean="0"/>
                     </a:p>
                   </a:txBody>
-                  <a:tcPr/>
+                  <a:tcPr anchor="ctr"/>
                 </a:tc>
                 <a:tc>
                   <a:txBody>
@@ -5138,7 +5142,7 @@
                       <a:endParaRPr lang="ru-RU" sz="1600" dirty="0"/>
                     </a:p>
                   </a:txBody>
-                  <a:tcPr/>
+                  <a:tcPr anchor="ctr"/>
                 </a:tc>
                 <a:tc>
                   <a:txBody>
@@ -5153,7 +5157,7 @@
                       <a:endParaRPr lang="ru-RU" sz="1600" dirty="0"/>
                     </a:p>
                   </a:txBody>
-                  <a:tcPr/>
+                  <a:tcPr anchor="ctr"/>
                 </a:tc>
                 <a:tc>
                   <a:txBody>
@@ -5168,7 +5172,7 @@
                       <a:endParaRPr lang="ru-RU" sz="1600" dirty="0"/>
                     </a:p>
                   </a:txBody>
-                  <a:tcPr/>
+                  <a:tcPr anchor="ctr"/>
                 </a:tc>
               </a:tr>
               <a:tr h="370522">
@@ -5177,7 +5181,7 @@
                     <a:bodyPr/>
                     <a:lstStyle/>
                     <a:p>
-                      <a:pPr marL="0" marR="0" indent="0" algn="l" defTabSz="914400" rtl="0" eaLnBrk="1" fontAlgn="auto" latinLnBrk="0" hangingPunct="1">
+                      <a:pPr marL="0" marR="0" indent="0" algn="ctr" defTabSz="914400" rtl="0" eaLnBrk="1" fontAlgn="auto" latinLnBrk="0" hangingPunct="1">
                         <a:lnSpc>
                           <a:spcPct val="100000"/>
                         </a:lnSpc>
@@ -5205,7 +5209,7 @@
                       <a:endParaRPr lang="ru-RU" sz="1600" dirty="0" smtClean="0"/>
                     </a:p>
                   </a:txBody>
-                  <a:tcPr/>
+                  <a:tcPr anchor="ctr"/>
                 </a:tc>
                 <a:tc>
                   <a:txBody>
@@ -5220,7 +5224,7 @@
                       <a:endParaRPr lang="ru-RU" sz="1600" dirty="0"/>
                     </a:p>
                   </a:txBody>
-                  <a:tcPr/>
+                  <a:tcPr anchor="ctr"/>
                 </a:tc>
                 <a:tc>
                   <a:txBody>
@@ -5239,7 +5243,7 @@
                       <a:endParaRPr lang="ru-RU" sz="1600" dirty="0"/>
                     </a:p>
                   </a:txBody>
-                  <a:tcPr/>
+                  <a:tcPr anchor="ctr"/>
                 </a:tc>
                 <a:tc>
                   <a:txBody>
@@ -5254,7 +5258,7 @@
                       <a:endParaRPr lang="ru-RU" sz="1600" dirty="0"/>
                     </a:p>
                   </a:txBody>
-                  <a:tcPr/>
+                  <a:tcPr anchor="ctr"/>
                 </a:tc>
               </a:tr>
               <a:tr h="578831">
@@ -5263,7 +5267,7 @@
                     <a:bodyPr/>
                     <a:lstStyle/>
                     <a:p>
-                      <a:pPr marL="0" marR="0" indent="0" algn="l" defTabSz="914400" rtl="0" eaLnBrk="1" fontAlgn="auto" latinLnBrk="0" hangingPunct="1">
+                      <a:pPr marL="0" marR="0" indent="0" algn="ctr" defTabSz="914400" rtl="0" eaLnBrk="1" fontAlgn="auto" latinLnBrk="0" hangingPunct="1">
                         <a:lnSpc>
                           <a:spcPct val="100000"/>
                         </a:lnSpc>
@@ -5286,7 +5290,7 @@
                       </a:r>
                     </a:p>
                   </a:txBody>
-                  <a:tcPr/>
+                  <a:tcPr anchor="ctr"/>
                 </a:tc>
                 <a:tc>
                   <a:txBody>
@@ -5301,7 +5305,7 @@
                       <a:endParaRPr lang="ru-RU" sz="1600" dirty="0"/>
                     </a:p>
                   </a:txBody>
-                  <a:tcPr/>
+                  <a:tcPr anchor="ctr"/>
                 </a:tc>
                 <a:tc>
                   <a:txBody>
@@ -5331,7 +5335,7 @@
                       </a:r>
                     </a:p>
                   </a:txBody>
-                  <a:tcPr/>
+                  <a:tcPr anchor="ctr"/>
                 </a:tc>
                 <a:tc>
                   <a:txBody>
@@ -5346,7 +5350,7 @@
                       <a:endParaRPr lang="ru-RU" sz="1600" dirty="0"/>
                     </a:p>
                   </a:txBody>
-                  <a:tcPr/>
+                  <a:tcPr anchor="ctr"/>
                 </a:tc>
               </a:tr>
               <a:tr h="578831">
@@ -5355,7 +5359,7 @@
                     <a:bodyPr/>
                     <a:lstStyle/>
                     <a:p>
-                      <a:pPr marL="0" marR="0" indent="0" algn="l" defTabSz="914400" rtl="0" eaLnBrk="1" fontAlgn="auto" latinLnBrk="0" hangingPunct="1">
+                      <a:pPr marL="0" marR="0" indent="0" algn="ctr" defTabSz="914400" rtl="0" eaLnBrk="1" fontAlgn="auto" latinLnBrk="0" hangingPunct="1">
                         <a:lnSpc>
                           <a:spcPct val="100000"/>
                         </a:lnSpc>
@@ -5386,7 +5390,7 @@
                       </a:r>
                     </a:p>
                   </a:txBody>
-                  <a:tcPr/>
+                  <a:tcPr anchor="ctr"/>
                 </a:tc>
                 <a:tc>
                   <a:txBody>
@@ -5416,7 +5420,7 @@
                       </a:r>
                     </a:p>
                   </a:txBody>
-                  <a:tcPr/>
+                  <a:tcPr anchor="ctr"/>
                 </a:tc>
                 <a:tc>
                   <a:txBody>
@@ -5431,7 +5435,7 @@
                       <a:endParaRPr lang="ru-RU" sz="1600" dirty="0"/>
                     </a:p>
                   </a:txBody>
-                  <a:tcPr/>
+                  <a:tcPr anchor="ctr"/>
                 </a:tc>
                 <a:tc>
                   <a:txBody>
@@ -5446,7 +5450,7 @@
                       <a:endParaRPr lang="ru-RU" sz="1600" dirty="0"/>
                     </a:p>
                   </a:txBody>
-                  <a:tcPr/>
+                  <a:tcPr anchor="ctr"/>
                 </a:tc>
               </a:tr>
               <a:tr h="578831">
@@ -5455,7 +5459,7 @@
                     <a:bodyPr/>
                     <a:lstStyle/>
                     <a:p>
-                      <a:pPr marL="0" marR="0" indent="0" algn="l" defTabSz="914400" rtl="0" eaLnBrk="1" fontAlgn="auto" latinLnBrk="0" hangingPunct="1">
+                      <a:pPr marL="0" marR="0" indent="0" algn="ctr" defTabSz="914400" rtl="0" eaLnBrk="1" fontAlgn="auto" latinLnBrk="0" hangingPunct="1">
                         <a:lnSpc>
                           <a:spcPct val="100000"/>
                         </a:lnSpc>
@@ -5478,7 +5482,7 @@
                       </a:r>
                     </a:p>
                   </a:txBody>
-                  <a:tcPr/>
+                  <a:tcPr anchor="ctr"/>
                 </a:tc>
                 <a:tc>
                   <a:txBody>
@@ -5508,7 +5512,7 @@
                       </a:r>
                     </a:p>
                   </a:txBody>
-                  <a:tcPr/>
+                  <a:tcPr anchor="ctr"/>
                 </a:tc>
                 <a:tc>
                   <a:txBody>
@@ -5523,7 +5527,7 @@
                       <a:endParaRPr lang="ru-RU" sz="1600" dirty="0"/>
                     </a:p>
                   </a:txBody>
-                  <a:tcPr/>
+                  <a:tcPr anchor="ctr"/>
                 </a:tc>
                 <a:tc>
                   <a:txBody>
@@ -5538,7 +5542,7 @@
                       <a:endParaRPr lang="ru-RU" sz="1600" dirty="0"/>
                     </a:p>
                   </a:txBody>
-                  <a:tcPr/>
+                  <a:tcPr anchor="ctr"/>
                 </a:tc>
               </a:tr>
               <a:tr h="578831">
@@ -5547,7 +5551,7 @@
                     <a:bodyPr/>
                     <a:lstStyle/>
                     <a:p>
-                      <a:pPr marL="0" marR="0" indent="0" algn="l" defTabSz="914400" rtl="0" eaLnBrk="1" fontAlgn="auto" latinLnBrk="0" hangingPunct="1">
+                      <a:pPr marL="0" marR="0" indent="0" algn="ctr" defTabSz="914400" rtl="0" eaLnBrk="1" fontAlgn="auto" latinLnBrk="0" hangingPunct="1">
                         <a:lnSpc>
                           <a:spcPct val="100000"/>
                         </a:lnSpc>
@@ -5570,7 +5574,7 @@
                       </a:r>
                     </a:p>
                   </a:txBody>
-                  <a:tcPr/>
+                  <a:tcPr anchor="ctr"/>
                 </a:tc>
                 <a:tc>
                   <a:txBody>
@@ -5600,7 +5604,7 @@
                       </a:r>
                     </a:p>
                   </a:txBody>
-                  <a:tcPr/>
+                  <a:tcPr anchor="ctr"/>
                 </a:tc>
                 <a:tc>
                   <a:txBody>
@@ -5630,7 +5634,7 @@
                       </a:r>
                     </a:p>
                   </a:txBody>
-                  <a:tcPr/>
+                  <a:tcPr anchor="ctr"/>
                 </a:tc>
                 <a:tc>
                   <a:txBody>
@@ -5649,7 +5653,7 @@
                       <a:endParaRPr lang="ru-RU" sz="1600" dirty="0"/>
                     </a:p>
                   </a:txBody>
-                  <a:tcPr/>
+                  <a:tcPr anchor="ctr"/>
                 </a:tc>
               </a:tr>
               <a:tr h="370275">
@@ -5658,7 +5662,7 @@
                     <a:bodyPr/>
                     <a:lstStyle/>
                     <a:p>
-                      <a:pPr marL="0" marR="0" indent="0" algn="l" defTabSz="914400" rtl="0" eaLnBrk="1" fontAlgn="auto" latinLnBrk="0" hangingPunct="1">
+                      <a:pPr marL="0" marR="0" indent="0" algn="ctr" defTabSz="914400" rtl="0" eaLnBrk="1" fontAlgn="auto" latinLnBrk="0" hangingPunct="1">
                         <a:lnSpc>
                           <a:spcPct val="100000"/>
                         </a:lnSpc>
@@ -5682,7 +5686,7 @@
                       <a:endParaRPr lang="ru-RU" sz="1600" dirty="0" smtClean="0"/>
                     </a:p>
                   </a:txBody>
-                  <a:tcPr/>
+                  <a:tcPr anchor="ctr"/>
                 </a:tc>
                 <a:tc>
                   <a:txBody>
@@ -5697,7 +5701,7 @@
                       <a:endParaRPr lang="ru-RU" sz="1600" dirty="0"/>
                     </a:p>
                   </a:txBody>
-                  <a:tcPr/>
+                  <a:tcPr anchor="ctr"/>
                 </a:tc>
                 <a:tc>
                   <a:txBody>
@@ -5727,7 +5731,7 @@
                       </a:r>
                     </a:p>
                   </a:txBody>
-                  <a:tcPr/>
+                  <a:tcPr anchor="ctr"/>
                 </a:tc>
                 <a:tc>
                   <a:txBody>
@@ -5742,7 +5746,7 @@
                       <a:endParaRPr lang="ru-RU" sz="1600" dirty="0"/>
                     </a:p>
                   </a:txBody>
-                  <a:tcPr/>
+                  <a:tcPr anchor="ctr"/>
                 </a:tc>
               </a:tr>
               <a:tr h="370522">
@@ -5751,7 +5755,7 @@
                     <a:bodyPr/>
                     <a:lstStyle/>
                     <a:p>
-                      <a:pPr marL="0" marR="0" indent="0" algn="l" defTabSz="914400" rtl="0" eaLnBrk="1" fontAlgn="auto" latinLnBrk="0" hangingPunct="1">
+                      <a:pPr marL="0" marR="0" indent="0" algn="ctr" defTabSz="914400" rtl="0" eaLnBrk="1" fontAlgn="auto" latinLnBrk="0" hangingPunct="1">
                         <a:lnSpc>
                           <a:spcPct val="100000"/>
                         </a:lnSpc>
@@ -5774,7 +5778,7 @@
                       </a:r>
                     </a:p>
                   </a:txBody>
-                  <a:tcPr/>
+                  <a:tcPr anchor="ctr"/>
                 </a:tc>
                 <a:tc>
                   <a:txBody>
@@ -5804,7 +5808,7 @@
                       </a:r>
                     </a:p>
                   </a:txBody>
-                  <a:tcPr/>
+                  <a:tcPr anchor="ctr"/>
                 </a:tc>
                 <a:tc>
                   <a:txBody>
@@ -5834,7 +5838,7 @@
                       </a:r>
                     </a:p>
                   </a:txBody>
-                  <a:tcPr/>
+                  <a:tcPr anchor="ctr"/>
                 </a:tc>
                 <a:tc>
                   <a:txBody>
@@ -5849,7 +5853,7 @@
                       <a:endParaRPr lang="ru-RU" sz="1600" dirty="0"/>
                     </a:p>
                   </a:txBody>
-                  <a:tcPr/>
+                  <a:tcPr anchor="ctr"/>
                 </a:tc>
               </a:tr>
             </a:tbl>
@@ -6061,26 +6065,398 @@
           </a:p>
         </p:txBody>
       </p:sp>
+      <p:graphicFrame>
+        <p:nvGraphicFramePr>
+          <p:cNvPr id="5" name="Объект 4"/>
+          <p:cNvGraphicFramePr>
+            <a:graphicFrameLocks noGrp="1"/>
+          </p:cNvGraphicFramePr>
+          <p:nvPr>
+            <p:ph idx="1"/>
+            <p:extLst>
+              <p:ext uri="{D42A27DB-BD31-4B8C-83A1-F6EECF244321}">
+                <p14:modId xmlns:p14="http://schemas.microsoft.com/office/powerpoint/2010/main" val="2288537159"/>
+              </p:ext>
+            </p:extLst>
+          </p:nvPr>
+        </p:nvGraphicFramePr>
+        <p:xfrm>
+          <a:off x="838200" y="1256231"/>
+          <a:ext cx="11049000" cy="3277668"/>
+        </p:xfrm>
+        <a:graphic>
+          <a:graphicData uri="http://schemas.openxmlformats.org/drawingml/2006/table">
+            <a:tbl>
+              <a:tblPr firstRow="1" firstCol="1" bandRow="1">
+                <a:tableStyleId>{93296810-A885-4BE3-A3E7-6D5BEEA58F35}</a:tableStyleId>
+              </a:tblPr>
+              <a:tblGrid>
+                <a:gridCol w="1168155"/>
+                <a:gridCol w="7038491"/>
+                <a:gridCol w="2842354"/>
+              </a:tblGrid>
+              <a:tr h="1092556">
+                <a:tc>
+                  <a:txBody>
+                    <a:bodyPr/>
+                    <a:lstStyle/>
+                    <a:p>
+                      <a:pPr indent="0" algn="ctr">
+                        <a:lnSpc>
+                          <a:spcPct val="150000"/>
+                        </a:lnSpc>
+                        <a:spcAft>
+                          <a:spcPts val="0"/>
+                        </a:spcAft>
+                      </a:pPr>
+                      <a:r>
+                        <a:rPr lang="ru-RU" sz="2800" dirty="0">
+                          <a:effectLst/>
+                        </a:rPr>
+                        <a:t>№</a:t>
+                      </a:r>
+                      <a:endParaRPr lang="ru-RU" sz="2800" dirty="0">
+                        <a:effectLst/>
+                        <a:latin typeface="Times New Roman" panose="02020603050405020304" pitchFamily="18" charset="0"/>
+                        <a:ea typeface="Calibri" panose="020F0502020204030204" pitchFamily="34" charset="0"/>
+                        <a:cs typeface="Times New Roman" panose="02020603050405020304" pitchFamily="18" charset="0"/>
+                      </a:endParaRPr>
+                    </a:p>
+                  </a:txBody>
+                  <a:tcPr marL="68580" marR="68580" marT="0" marB="0" anchor="ctr"/>
+                </a:tc>
+                <a:tc>
+                  <a:txBody>
+                    <a:bodyPr/>
+                    <a:lstStyle/>
+                    <a:p>
+                      <a:pPr indent="0" algn="ctr">
+                        <a:lnSpc>
+                          <a:spcPct val="150000"/>
+                        </a:lnSpc>
+                        <a:spcAft>
+                          <a:spcPts val="0"/>
+                        </a:spcAft>
+                      </a:pPr>
+                      <a:r>
+                        <a:rPr lang="ru-RU" sz="2800" dirty="0">
+                          <a:effectLst/>
+                        </a:rPr>
+                        <a:t>Наименование статьи</a:t>
+                      </a:r>
+                      <a:endParaRPr lang="ru-RU" sz="2800" dirty="0">
+                        <a:effectLst/>
+                        <a:latin typeface="Times New Roman" panose="02020603050405020304" pitchFamily="18" charset="0"/>
+                        <a:ea typeface="Calibri" panose="020F0502020204030204" pitchFamily="34" charset="0"/>
+                        <a:cs typeface="Times New Roman" panose="02020603050405020304" pitchFamily="18" charset="0"/>
+                      </a:endParaRPr>
+                    </a:p>
+                  </a:txBody>
+                  <a:tcPr marL="68580" marR="68580" marT="0" marB="0" anchor="ctr"/>
+                </a:tc>
+                <a:tc>
+                  <a:txBody>
+                    <a:bodyPr/>
+                    <a:lstStyle/>
+                    <a:p>
+                      <a:pPr indent="0" algn="ctr">
+                        <a:lnSpc>
+                          <a:spcPct val="150000"/>
+                        </a:lnSpc>
+                        <a:spcAft>
+                          <a:spcPts val="0"/>
+                        </a:spcAft>
+                      </a:pPr>
+                      <a:r>
+                        <a:rPr lang="ru-RU" sz="2800">
+                          <a:effectLst/>
+                        </a:rPr>
+                        <a:t>Расход, руб.</a:t>
+                      </a:r>
+                      <a:endParaRPr lang="ru-RU" sz="2800">
+                        <a:effectLst/>
+                        <a:latin typeface="Times New Roman" panose="02020603050405020304" pitchFamily="18" charset="0"/>
+                        <a:ea typeface="Calibri" panose="020F0502020204030204" pitchFamily="34" charset="0"/>
+                        <a:cs typeface="Times New Roman" panose="02020603050405020304" pitchFamily="18" charset="0"/>
+                      </a:endParaRPr>
+                    </a:p>
+                  </a:txBody>
+                  <a:tcPr marL="68580" marR="68580" marT="0" marB="0" anchor="ctr"/>
+                </a:tc>
+              </a:tr>
+              <a:tr h="1092556">
+                <a:tc>
+                  <a:txBody>
+                    <a:bodyPr/>
+                    <a:lstStyle/>
+                    <a:p>
+                      <a:pPr indent="0" algn="ctr">
+                        <a:lnSpc>
+                          <a:spcPct val="150000"/>
+                        </a:lnSpc>
+                        <a:spcAft>
+                          <a:spcPts val="0"/>
+                        </a:spcAft>
+                      </a:pPr>
+                      <a:r>
+                        <a:rPr lang="ru-RU" sz="2800">
+                          <a:effectLst/>
+                        </a:rPr>
+                        <a:t>1</a:t>
+                      </a:r>
+                      <a:endParaRPr lang="ru-RU" sz="2800">
+                        <a:effectLst/>
+                        <a:latin typeface="Times New Roman" panose="02020603050405020304" pitchFamily="18" charset="0"/>
+                        <a:ea typeface="Calibri" panose="020F0502020204030204" pitchFamily="34" charset="0"/>
+                        <a:cs typeface="Times New Roman" panose="02020603050405020304" pitchFamily="18" charset="0"/>
+                      </a:endParaRPr>
+                    </a:p>
+                  </a:txBody>
+                  <a:tcPr marL="68580" marR="68580" marT="0" marB="0" anchor="ctr"/>
+                </a:tc>
+                <a:tc>
+                  <a:txBody>
+                    <a:bodyPr/>
+                    <a:lstStyle/>
+                    <a:p>
+                      <a:pPr indent="0" algn="ctr">
+                        <a:lnSpc>
+                          <a:spcPct val="150000"/>
+                        </a:lnSpc>
+                        <a:spcAft>
+                          <a:spcPts val="0"/>
+                        </a:spcAft>
+                      </a:pPr>
+                      <a:r>
+                        <a:rPr lang="ru-RU" sz="2800" dirty="0">
+                          <a:effectLst/>
+                        </a:rPr>
+                        <a:t>Смартфон для тестирования на </a:t>
+                      </a:r>
+                      <a:r>
+                        <a:rPr lang="en-US" sz="2800" dirty="0">
+                          <a:effectLst/>
+                        </a:rPr>
+                        <a:t>WP</a:t>
+                      </a:r>
+                      <a:r>
+                        <a:rPr lang="ru-RU" sz="2800" dirty="0">
+                          <a:effectLst/>
+                        </a:rPr>
+                        <a:t> 8.1</a:t>
+                      </a:r>
+                      <a:endParaRPr lang="ru-RU" sz="2800" dirty="0">
+                        <a:effectLst/>
+                        <a:latin typeface="Times New Roman" panose="02020603050405020304" pitchFamily="18" charset="0"/>
+                        <a:ea typeface="Calibri" panose="020F0502020204030204" pitchFamily="34" charset="0"/>
+                        <a:cs typeface="Times New Roman" panose="02020603050405020304" pitchFamily="18" charset="0"/>
+                      </a:endParaRPr>
+                    </a:p>
+                  </a:txBody>
+                  <a:tcPr marL="68580" marR="68580" marT="0" marB="0" anchor="ctr"/>
+                </a:tc>
+                <a:tc>
+                  <a:txBody>
+                    <a:bodyPr/>
+                    <a:lstStyle/>
+                    <a:p>
+                      <a:pPr indent="0" algn="ctr">
+                        <a:lnSpc>
+                          <a:spcPct val="150000"/>
+                        </a:lnSpc>
+                        <a:spcAft>
+                          <a:spcPts val="0"/>
+                        </a:spcAft>
+                      </a:pPr>
+                      <a:r>
+                        <a:rPr lang="ru-RU" sz="2800" dirty="0">
+                          <a:effectLst/>
+                        </a:rPr>
+                        <a:t>3500</a:t>
+                      </a:r>
+                      <a:endParaRPr lang="ru-RU" sz="2800" dirty="0">
+                        <a:effectLst/>
+                        <a:latin typeface="Times New Roman" panose="02020603050405020304" pitchFamily="18" charset="0"/>
+                        <a:ea typeface="Calibri" panose="020F0502020204030204" pitchFamily="34" charset="0"/>
+                        <a:cs typeface="Times New Roman" panose="02020603050405020304" pitchFamily="18" charset="0"/>
+                      </a:endParaRPr>
+                    </a:p>
+                  </a:txBody>
+                  <a:tcPr marL="68580" marR="68580" marT="0" marB="0" anchor="ctr"/>
+                </a:tc>
+              </a:tr>
+              <a:tr h="1092556">
+                <a:tc>
+                  <a:txBody>
+                    <a:bodyPr/>
+                    <a:lstStyle/>
+                    <a:p>
+                      <a:pPr indent="0" algn="ctr">
+                        <a:lnSpc>
+                          <a:spcPct val="150000"/>
+                        </a:lnSpc>
+                        <a:spcAft>
+                          <a:spcPts val="0"/>
+                        </a:spcAft>
+                      </a:pPr>
+                      <a:r>
+                        <a:rPr lang="ru-RU" sz="2800">
+                          <a:effectLst/>
+                        </a:rPr>
+                        <a:t>2</a:t>
+                      </a:r>
+                      <a:endParaRPr lang="ru-RU" sz="2800">
+                        <a:effectLst/>
+                        <a:latin typeface="Times New Roman" panose="02020603050405020304" pitchFamily="18" charset="0"/>
+                        <a:ea typeface="Calibri" panose="020F0502020204030204" pitchFamily="34" charset="0"/>
+                        <a:cs typeface="Times New Roman" panose="02020603050405020304" pitchFamily="18" charset="0"/>
+                      </a:endParaRPr>
+                    </a:p>
+                  </a:txBody>
+                  <a:tcPr marL="68580" marR="68580" marT="0" marB="0" anchor="ctr"/>
+                </a:tc>
+                <a:tc>
+                  <a:txBody>
+                    <a:bodyPr/>
+                    <a:lstStyle/>
+                    <a:p>
+                      <a:pPr indent="0" algn="ctr">
+                        <a:lnSpc>
+                          <a:spcPct val="150000"/>
+                        </a:lnSpc>
+                        <a:spcAft>
+                          <a:spcPts val="0"/>
+                        </a:spcAft>
+                      </a:pPr>
+                      <a:r>
+                        <a:rPr lang="ru-RU" sz="2800">
+                          <a:effectLst/>
+                        </a:rPr>
+                        <a:t>Прочие расходы</a:t>
+                      </a:r>
+                      <a:endParaRPr lang="ru-RU" sz="2800">
+                        <a:effectLst/>
+                        <a:latin typeface="Times New Roman" panose="02020603050405020304" pitchFamily="18" charset="0"/>
+                        <a:ea typeface="Calibri" panose="020F0502020204030204" pitchFamily="34" charset="0"/>
+                        <a:cs typeface="Times New Roman" panose="02020603050405020304" pitchFamily="18" charset="0"/>
+                      </a:endParaRPr>
+                    </a:p>
+                  </a:txBody>
+                  <a:tcPr marL="68580" marR="68580" marT="0" marB="0" anchor="ctr"/>
+                </a:tc>
+                <a:tc>
+                  <a:txBody>
+                    <a:bodyPr/>
+                    <a:lstStyle/>
+                    <a:p>
+                      <a:pPr indent="0" algn="ctr">
+                        <a:lnSpc>
+                          <a:spcPct val="150000"/>
+                        </a:lnSpc>
+                        <a:spcAft>
+                          <a:spcPts val="0"/>
+                        </a:spcAft>
+                      </a:pPr>
+                      <a:r>
+                        <a:rPr lang="ru-RU" sz="2800" dirty="0">
+                          <a:effectLst/>
+                        </a:rPr>
+                        <a:t>560</a:t>
+                      </a:r>
+                      <a:endParaRPr lang="ru-RU" sz="2800" dirty="0">
+                        <a:effectLst/>
+                        <a:latin typeface="Times New Roman" panose="02020603050405020304" pitchFamily="18" charset="0"/>
+                        <a:ea typeface="Calibri" panose="020F0502020204030204" pitchFamily="34" charset="0"/>
+                        <a:cs typeface="Times New Roman" panose="02020603050405020304" pitchFamily="18" charset="0"/>
+                      </a:endParaRPr>
+                    </a:p>
+                  </a:txBody>
+                  <a:tcPr marL="68580" marR="68580" marT="0" marB="0" anchor="ctr"/>
+                </a:tc>
+              </a:tr>
+            </a:tbl>
+          </a:graphicData>
+        </a:graphic>
+      </p:graphicFrame>
       <p:sp>
         <p:nvSpPr>
-          <p:cNvPr id="3" name="Объект 2"/>
+          <p:cNvPr id="4" name="Номер слайда 3"/>
           <p:cNvSpPr>
             <a:spLocks noGrp="1"/>
           </p:cNvSpPr>
           <p:nvPr>
-            <p:ph idx="1"/>
+            <p:ph type="sldNum" sz="quarter" idx="12"/>
           </p:nvPr>
         </p:nvSpPr>
-        <p:spPr>
-          <a:xfrm>
-            <a:off x="838200" y="1187865"/>
-            <a:ext cx="10515600" cy="4989098"/>
-          </a:xfrm>
-        </p:spPr>
+        <p:spPr/>
         <p:txBody>
           <a:bodyPr/>
           <a:lstStyle/>
           <a:p>
+            <a:fld id="{2254AEE2-4CF1-4452-9990-F7D689DA22F0}" type="slidenum">
+              <a:rPr lang="ru-RU" smtClean="0"/>
+              <a:t>14</a:t>
+            </a:fld>
+            <a:endParaRPr lang="ru-RU"/>
+          </a:p>
+        </p:txBody>
+      </p:sp>
+    </p:spTree>
+    <p:extLst>
+      <p:ext uri="{BB962C8B-B14F-4D97-AF65-F5344CB8AC3E}">
+        <p14:creationId xmlns:p14="http://schemas.microsoft.com/office/powerpoint/2010/main" val="1560442958"/>
+      </p:ext>
+    </p:extLst>
+  </p:cSld>
+  <p:clrMapOvr>
+    <a:masterClrMapping/>
+  </p:clrMapOvr>
+  <p:timing>
+    <p:tnLst>
+      <p:par>
+        <p:cTn id="1" dur="indefinite" restart="never" nodeType="tmRoot"/>
+      </p:par>
+    </p:tnLst>
+  </p:timing>
+</p:sld>
+</file>
+
+<file path=ppt/slides/slide15.xml><?xml version="1.0" encoding="utf-8"?>
+<p:sld xmlns:a="http://schemas.openxmlformats.org/drawingml/2006/main" xmlns:r="http://schemas.openxmlformats.org/officeDocument/2006/relationships" xmlns:p="http://schemas.openxmlformats.org/presentationml/2006/main">
+  <p:cSld>
+    <p:spTree>
+      <p:nvGrpSpPr>
+        <p:cNvPr id="1" name=""/>
+        <p:cNvGrpSpPr/>
+        <p:nvPr/>
+      </p:nvGrpSpPr>
+      <p:grpSpPr>
+        <a:xfrm>
+          <a:off x="0" y="0"/>
+          <a:ext cx="0" cy="0"/>
+          <a:chOff x="0" y="0"/>
+          <a:chExt cx="0" cy="0"/>
+        </a:xfrm>
+      </p:grpSpPr>
+      <p:sp>
+        <p:nvSpPr>
+          <p:cNvPr id="2" name="Заголовок 1"/>
+          <p:cNvSpPr>
+            <a:spLocks noGrp="1"/>
+          </p:cNvSpPr>
+          <p:nvPr>
+            <p:ph type="title"/>
+          </p:nvPr>
+        </p:nvSpPr>
+        <p:spPr/>
+        <p:txBody>
+          <a:bodyPr/>
+          <a:lstStyle/>
+          <a:p>
+            <a:r>
+              <a:rPr lang="ru-RU" dirty="0" smtClean="0"/>
+              <a:t>Анализ рынка. Кодовый замок</a:t>
+            </a:r>
             <a:endParaRPr lang="ru-RU" dirty="0"/>
           </a:p>
         </p:txBody>
@@ -6102,16 +6478,843 @@
           <a:p>
             <a:fld id="{2254AEE2-4CF1-4452-9990-F7D689DA22F0}" type="slidenum">
               <a:rPr lang="ru-RU" smtClean="0"/>
-              <a:t>14</a:t>
+              <a:t>15</a:t>
             </a:fld>
             <a:endParaRPr lang="ru-RU"/>
           </a:p>
         </p:txBody>
       </p:sp>
+      <p:graphicFrame>
+        <p:nvGraphicFramePr>
+          <p:cNvPr id="7" name="Объект 6"/>
+          <p:cNvGraphicFramePr>
+            <a:graphicFrameLocks noGrp="1"/>
+          </p:cNvGraphicFramePr>
+          <p:nvPr>
+            <p:ph idx="1"/>
+            <p:extLst>
+              <p:ext uri="{D42A27DB-BD31-4B8C-83A1-F6EECF244321}">
+                <p14:modId xmlns:p14="http://schemas.microsoft.com/office/powerpoint/2010/main" val="3513405892"/>
+              </p:ext>
+            </p:extLst>
+          </p:nvPr>
+        </p:nvGraphicFramePr>
+        <p:xfrm>
+          <a:off x="380999" y="1447799"/>
+          <a:ext cx="11303002" cy="4800602"/>
+        </p:xfrm>
+        <a:graphic>
+          <a:graphicData uri="http://schemas.openxmlformats.org/drawingml/2006/table">
+            <a:tbl>
+              <a:tblPr firstRow="1" firstCol="1" bandRow="1">
+                <a:tableStyleId>{93296810-A885-4BE3-A3E7-6D5BEEA58F35}</a:tableStyleId>
+              </a:tblPr>
+              <a:tblGrid>
+                <a:gridCol w="1841812"/>
+                <a:gridCol w="2018989"/>
+                <a:gridCol w="1873128"/>
+                <a:gridCol w="1893762"/>
+                <a:gridCol w="1893762"/>
+                <a:gridCol w="1781549"/>
+              </a:tblGrid>
+              <a:tr h="895640">
+                <a:tc>
+                  <a:txBody>
+                    <a:bodyPr/>
+                    <a:lstStyle/>
+                    <a:p>
+                      <a:pPr algn="ctr">
+                        <a:lnSpc>
+                          <a:spcPct val="115000"/>
+                        </a:lnSpc>
+                        <a:spcAft>
+                          <a:spcPts val="0"/>
+                        </a:spcAft>
+                      </a:pPr>
+                      <a:r>
+                        <a:rPr lang="ru-RU" sz="1600" dirty="0">
+                          <a:effectLst/>
+                        </a:rPr>
+                        <a:t>Целевая аудитория</a:t>
+                      </a:r>
+                      <a:endParaRPr lang="ru-RU" sz="1200" dirty="0">
+                        <a:effectLst/>
+                        <a:latin typeface="Calibri" panose="020F0502020204030204" pitchFamily="34" charset="0"/>
+                        <a:ea typeface="Calibri" panose="020F0502020204030204" pitchFamily="34" charset="0"/>
+                        <a:cs typeface="Times New Roman" panose="02020603050405020304" pitchFamily="18" charset="0"/>
+                      </a:endParaRPr>
+                    </a:p>
+                  </a:txBody>
+                  <a:tcPr marL="68580" marR="68580" marT="0" marB="0" anchor="ctr"/>
+                </a:tc>
+                <a:tc>
+                  <a:txBody>
+                    <a:bodyPr/>
+                    <a:lstStyle/>
+                    <a:p>
+                      <a:pPr algn="ctr">
+                        <a:lnSpc>
+                          <a:spcPct val="115000"/>
+                        </a:lnSpc>
+                        <a:spcAft>
+                          <a:spcPts val="0"/>
+                        </a:spcAft>
+                      </a:pPr>
+                      <a:r>
+                        <a:rPr lang="ru-RU" sz="1600">
+                          <a:effectLst/>
+                        </a:rPr>
+                        <a:t>Мотивы</a:t>
+                      </a:r>
+                      <a:endParaRPr lang="ru-RU" sz="1200">
+                        <a:effectLst/>
+                        <a:latin typeface="Calibri" panose="020F0502020204030204" pitchFamily="34" charset="0"/>
+                        <a:ea typeface="Calibri" panose="020F0502020204030204" pitchFamily="34" charset="0"/>
+                        <a:cs typeface="Times New Roman" panose="02020603050405020304" pitchFamily="18" charset="0"/>
+                      </a:endParaRPr>
+                    </a:p>
+                  </a:txBody>
+                  <a:tcPr marL="68580" marR="68580" marT="0" marB="0" anchor="ctr"/>
+                </a:tc>
+                <a:tc>
+                  <a:txBody>
+                    <a:bodyPr/>
+                    <a:lstStyle/>
+                    <a:p>
+                      <a:pPr algn="ctr">
+                        <a:lnSpc>
+                          <a:spcPct val="115000"/>
+                        </a:lnSpc>
+                        <a:spcAft>
+                          <a:spcPts val="0"/>
+                        </a:spcAft>
+                      </a:pPr>
+                      <a:r>
+                        <a:rPr lang="ru-RU" sz="1600">
+                          <a:effectLst/>
+                        </a:rPr>
+                        <a:t>Критерий выбора</a:t>
+                      </a:r>
+                      <a:endParaRPr lang="ru-RU" sz="1200">
+                        <a:effectLst/>
+                        <a:latin typeface="Calibri" panose="020F0502020204030204" pitchFamily="34" charset="0"/>
+                        <a:ea typeface="Calibri" panose="020F0502020204030204" pitchFamily="34" charset="0"/>
+                        <a:cs typeface="Times New Roman" panose="02020603050405020304" pitchFamily="18" charset="0"/>
+                      </a:endParaRPr>
+                    </a:p>
+                  </a:txBody>
+                  <a:tcPr marL="68580" marR="68580" marT="0" marB="0" anchor="ctr"/>
+                </a:tc>
+                <a:tc>
+                  <a:txBody>
+                    <a:bodyPr/>
+                    <a:lstStyle/>
+                    <a:p>
+                      <a:pPr algn="ctr">
+                        <a:lnSpc>
+                          <a:spcPct val="115000"/>
+                        </a:lnSpc>
+                        <a:spcAft>
+                          <a:spcPts val="0"/>
+                        </a:spcAft>
+                      </a:pPr>
+                      <a:r>
+                        <a:rPr lang="ru-RU" sz="1600">
+                          <a:effectLst/>
+                        </a:rPr>
+                        <a:t>Качественная характеристика</a:t>
+                      </a:r>
+                      <a:endParaRPr lang="ru-RU" sz="1200">
+                        <a:effectLst/>
+                        <a:latin typeface="Calibri" panose="020F0502020204030204" pitchFamily="34" charset="0"/>
+                        <a:ea typeface="Calibri" panose="020F0502020204030204" pitchFamily="34" charset="0"/>
+                        <a:cs typeface="Times New Roman" panose="02020603050405020304" pitchFamily="18" charset="0"/>
+                      </a:endParaRPr>
+                    </a:p>
+                  </a:txBody>
+                  <a:tcPr marL="68580" marR="68580" marT="0" marB="0" anchor="ctr"/>
+                </a:tc>
+                <a:tc>
+                  <a:txBody>
+                    <a:bodyPr/>
+                    <a:lstStyle/>
+                    <a:p>
+                      <a:pPr algn="ctr">
+                        <a:lnSpc>
+                          <a:spcPct val="115000"/>
+                        </a:lnSpc>
+                        <a:spcAft>
+                          <a:spcPts val="0"/>
+                        </a:spcAft>
+                      </a:pPr>
+                      <a:r>
+                        <a:rPr lang="ru-RU" sz="1600">
+                          <a:effectLst/>
+                        </a:rPr>
+                        <a:t>Уникальное торговое предложение</a:t>
+                      </a:r>
+                      <a:endParaRPr lang="ru-RU" sz="1200">
+                        <a:effectLst/>
+                        <a:latin typeface="Calibri" panose="020F0502020204030204" pitchFamily="34" charset="0"/>
+                        <a:ea typeface="Calibri" panose="020F0502020204030204" pitchFamily="34" charset="0"/>
+                        <a:cs typeface="Times New Roman" panose="02020603050405020304" pitchFamily="18" charset="0"/>
+                      </a:endParaRPr>
+                    </a:p>
+                  </a:txBody>
+                  <a:tcPr marL="68580" marR="68580" marT="0" marB="0" anchor="ctr"/>
+                </a:tc>
+                <a:tc>
+                  <a:txBody>
+                    <a:bodyPr/>
+                    <a:lstStyle/>
+                    <a:p>
+                      <a:pPr algn="ctr">
+                        <a:lnSpc>
+                          <a:spcPct val="115000"/>
+                        </a:lnSpc>
+                        <a:spcAft>
+                          <a:spcPts val="0"/>
+                        </a:spcAft>
+                      </a:pPr>
+                      <a:r>
+                        <a:rPr lang="ru-RU" sz="1600">
+                          <a:effectLst/>
+                        </a:rPr>
+                        <a:t>Ресурсы</a:t>
+                      </a:r>
+                      <a:endParaRPr lang="ru-RU" sz="1200">
+                        <a:effectLst/>
+                        <a:latin typeface="Calibri" panose="020F0502020204030204" pitchFamily="34" charset="0"/>
+                        <a:ea typeface="Calibri" panose="020F0502020204030204" pitchFamily="34" charset="0"/>
+                        <a:cs typeface="Times New Roman" panose="02020603050405020304" pitchFamily="18" charset="0"/>
+                      </a:endParaRPr>
+                    </a:p>
+                  </a:txBody>
+                  <a:tcPr marL="68580" marR="68580" marT="0" marB="0" anchor="ctr"/>
+                </a:tc>
+              </a:tr>
+              <a:tr h="1504660">
+                <a:tc>
+                  <a:txBody>
+                    <a:bodyPr/>
+                    <a:lstStyle/>
+                    <a:p>
+                      <a:pPr algn="ctr">
+                        <a:lnSpc>
+                          <a:spcPct val="115000"/>
+                        </a:lnSpc>
+                        <a:spcAft>
+                          <a:spcPts val="0"/>
+                        </a:spcAft>
+                      </a:pPr>
+                      <a:r>
+                        <a:rPr lang="ru-RU" sz="1600">
+                          <a:effectLst/>
+                        </a:rPr>
+                        <a:t>Молодой руководитель тех. отдела</a:t>
+                      </a:r>
+                      <a:endParaRPr lang="ru-RU" sz="1200">
+                        <a:effectLst/>
+                        <a:latin typeface="Calibri" panose="020F0502020204030204" pitchFamily="34" charset="0"/>
+                        <a:ea typeface="Calibri" panose="020F0502020204030204" pitchFamily="34" charset="0"/>
+                        <a:cs typeface="Times New Roman" panose="02020603050405020304" pitchFamily="18" charset="0"/>
+                      </a:endParaRPr>
+                    </a:p>
+                  </a:txBody>
+                  <a:tcPr marL="68580" marR="68580" marT="0" marB="0" anchor="ctr"/>
+                </a:tc>
+                <a:tc>
+                  <a:txBody>
+                    <a:bodyPr/>
+                    <a:lstStyle/>
+                    <a:p>
+                      <a:pPr algn="ctr">
+                        <a:lnSpc>
+                          <a:spcPct val="115000"/>
+                        </a:lnSpc>
+                        <a:spcAft>
+                          <a:spcPts val="0"/>
+                        </a:spcAft>
+                      </a:pPr>
+                      <a:r>
+                        <a:rPr lang="ru-RU" sz="1600">
+                          <a:effectLst/>
+                        </a:rPr>
+                        <a:t>Благосклонность начальства из-за рационализаторских предложений</a:t>
+                      </a:r>
+                      <a:endParaRPr lang="ru-RU" sz="1200">
+                        <a:effectLst/>
+                        <a:latin typeface="Calibri" panose="020F0502020204030204" pitchFamily="34" charset="0"/>
+                        <a:ea typeface="Calibri" panose="020F0502020204030204" pitchFamily="34" charset="0"/>
+                        <a:cs typeface="Times New Roman" panose="02020603050405020304" pitchFamily="18" charset="0"/>
+                      </a:endParaRPr>
+                    </a:p>
+                  </a:txBody>
+                  <a:tcPr marL="68580" marR="68580" marT="0" marB="0" anchor="ctr"/>
+                </a:tc>
+                <a:tc>
+                  <a:txBody>
+                    <a:bodyPr/>
+                    <a:lstStyle/>
+                    <a:p>
+                      <a:pPr algn="ctr">
+                        <a:lnSpc>
+                          <a:spcPct val="115000"/>
+                        </a:lnSpc>
+                        <a:spcAft>
+                          <a:spcPts val="0"/>
+                        </a:spcAft>
+                      </a:pPr>
+                      <a:r>
+                        <a:rPr lang="ru-RU" sz="1600">
+                          <a:effectLst/>
+                        </a:rPr>
+                        <a:t>Автоматизировать процесс</a:t>
+                      </a:r>
+                      <a:endParaRPr lang="ru-RU" sz="1200">
+                        <a:effectLst/>
+                        <a:latin typeface="Calibri" panose="020F0502020204030204" pitchFamily="34" charset="0"/>
+                        <a:ea typeface="Calibri" panose="020F0502020204030204" pitchFamily="34" charset="0"/>
+                        <a:cs typeface="Times New Roman" panose="02020603050405020304" pitchFamily="18" charset="0"/>
+                      </a:endParaRPr>
+                    </a:p>
+                  </a:txBody>
+                  <a:tcPr marL="68580" marR="68580" marT="0" marB="0" anchor="ctr"/>
+                </a:tc>
+                <a:tc>
+                  <a:txBody>
+                    <a:bodyPr/>
+                    <a:lstStyle/>
+                    <a:p>
+                      <a:pPr algn="ctr">
+                        <a:lnSpc>
+                          <a:spcPct val="115000"/>
+                        </a:lnSpc>
+                        <a:spcAft>
+                          <a:spcPts val="0"/>
+                        </a:spcAft>
+                      </a:pPr>
+                      <a:r>
+                        <a:rPr lang="ru-RU" sz="1600">
+                          <a:effectLst/>
+                        </a:rPr>
+                        <a:t>Составление маршрутов перекладывается на программную систему</a:t>
+                      </a:r>
+                      <a:endParaRPr lang="ru-RU" sz="1200">
+                        <a:effectLst/>
+                        <a:latin typeface="Calibri" panose="020F0502020204030204" pitchFamily="34" charset="0"/>
+                        <a:ea typeface="Calibri" panose="020F0502020204030204" pitchFamily="34" charset="0"/>
+                        <a:cs typeface="Times New Roman" panose="02020603050405020304" pitchFamily="18" charset="0"/>
+                      </a:endParaRPr>
+                    </a:p>
+                  </a:txBody>
+                  <a:tcPr marL="68580" marR="68580" marT="0" marB="0" anchor="ctr"/>
+                </a:tc>
+                <a:tc>
+                  <a:txBody>
+                    <a:bodyPr/>
+                    <a:lstStyle/>
+                    <a:p>
+                      <a:pPr algn="ctr">
+                        <a:lnSpc>
+                          <a:spcPct val="115000"/>
+                        </a:lnSpc>
+                        <a:spcAft>
+                          <a:spcPts val="0"/>
+                        </a:spcAft>
+                      </a:pPr>
+                      <a:r>
+                        <a:rPr lang="ru-RU" sz="1600">
+                          <a:effectLst/>
+                        </a:rPr>
+                        <a:t>Предоставь эту работу нам</a:t>
+                      </a:r>
+                      <a:endParaRPr lang="ru-RU" sz="1200">
+                        <a:effectLst/>
+                        <a:latin typeface="Calibri" panose="020F0502020204030204" pitchFamily="34" charset="0"/>
+                        <a:ea typeface="Calibri" panose="020F0502020204030204" pitchFamily="34" charset="0"/>
+                        <a:cs typeface="Times New Roman" panose="02020603050405020304" pitchFamily="18" charset="0"/>
+                      </a:endParaRPr>
+                    </a:p>
+                  </a:txBody>
+                  <a:tcPr marL="68580" marR="68580" marT="0" marB="0" anchor="ctr"/>
+                </a:tc>
+                <a:tc>
+                  <a:txBody>
+                    <a:bodyPr/>
+                    <a:lstStyle/>
+                    <a:p>
+                      <a:pPr algn="ctr">
+                        <a:lnSpc>
+                          <a:spcPct val="115000"/>
+                        </a:lnSpc>
+                        <a:spcAft>
+                          <a:spcPts val="0"/>
+                        </a:spcAft>
+                      </a:pPr>
+                      <a:r>
+                        <a:rPr lang="ru-RU" sz="1600">
+                          <a:effectLst/>
+                        </a:rPr>
+                        <a:t>Алгоритмы, разработчики</a:t>
+                      </a:r>
+                      <a:endParaRPr lang="ru-RU" sz="1200">
+                        <a:effectLst/>
+                        <a:latin typeface="Calibri" panose="020F0502020204030204" pitchFamily="34" charset="0"/>
+                        <a:ea typeface="Calibri" panose="020F0502020204030204" pitchFamily="34" charset="0"/>
+                        <a:cs typeface="Times New Roman" panose="02020603050405020304" pitchFamily="18" charset="0"/>
+                      </a:endParaRPr>
+                    </a:p>
+                  </a:txBody>
+                  <a:tcPr marL="68580" marR="68580" marT="0" marB="0" anchor="ctr"/>
+                </a:tc>
+              </a:tr>
+              <a:tr h="1200151">
+                <a:tc rowSpan="2">
+                  <a:txBody>
+                    <a:bodyPr/>
+                    <a:lstStyle/>
+                    <a:p>
+                      <a:pPr algn="ctr">
+                        <a:lnSpc>
+                          <a:spcPct val="115000"/>
+                        </a:lnSpc>
+                        <a:spcAft>
+                          <a:spcPts val="0"/>
+                        </a:spcAft>
+                      </a:pPr>
+                      <a:r>
+                        <a:rPr lang="ru-RU" sz="1600">
+                          <a:effectLst/>
+                        </a:rPr>
+                        <a:t>Руководитель отдела логистики</a:t>
+                      </a:r>
+                      <a:endParaRPr lang="ru-RU" sz="1200">
+                        <a:effectLst/>
+                        <a:latin typeface="Calibri" panose="020F0502020204030204" pitchFamily="34" charset="0"/>
+                        <a:ea typeface="Calibri" panose="020F0502020204030204" pitchFamily="34" charset="0"/>
+                        <a:cs typeface="Times New Roman" panose="02020603050405020304" pitchFamily="18" charset="0"/>
+                      </a:endParaRPr>
+                    </a:p>
+                  </a:txBody>
+                  <a:tcPr marL="68580" marR="68580" marT="0" marB="0" anchor="ctr"/>
+                </a:tc>
+                <a:tc rowSpan="2">
+                  <a:txBody>
+                    <a:bodyPr/>
+                    <a:lstStyle/>
+                    <a:p>
+                      <a:pPr algn="ctr">
+                        <a:lnSpc>
+                          <a:spcPct val="107000"/>
+                        </a:lnSpc>
+                        <a:spcAft>
+                          <a:spcPts val="0"/>
+                        </a:spcAft>
+                      </a:pPr>
+                      <a:r>
+                        <a:rPr lang="ru-RU" sz="1600">
+                          <a:effectLst/>
+                        </a:rPr>
+                        <a:t>Желание все контролировать</a:t>
+                      </a:r>
+                      <a:endParaRPr lang="ru-RU" sz="1200">
+                        <a:effectLst/>
+                        <a:latin typeface="Calibri" panose="020F0502020204030204" pitchFamily="34" charset="0"/>
+                        <a:ea typeface="Calibri" panose="020F0502020204030204" pitchFamily="34" charset="0"/>
+                        <a:cs typeface="Times New Roman" panose="02020603050405020304" pitchFamily="18" charset="0"/>
+                      </a:endParaRPr>
+                    </a:p>
+                  </a:txBody>
+                  <a:tcPr marL="68580" marR="68580" marT="0" marB="0" anchor="ctr"/>
+                </a:tc>
+                <a:tc>
+                  <a:txBody>
+                    <a:bodyPr/>
+                    <a:lstStyle/>
+                    <a:p>
+                      <a:pPr algn="ctr">
+                        <a:lnSpc>
+                          <a:spcPct val="115000"/>
+                        </a:lnSpc>
+                        <a:spcAft>
+                          <a:spcPts val="0"/>
+                        </a:spcAft>
+                      </a:pPr>
+                      <a:r>
+                        <a:rPr lang="ru-RU" sz="1600">
+                          <a:effectLst/>
+                        </a:rPr>
+                        <a:t>Централизованное управление доставкой</a:t>
+                      </a:r>
+                      <a:endParaRPr lang="ru-RU" sz="1200">
+                        <a:effectLst/>
+                        <a:latin typeface="Calibri" panose="020F0502020204030204" pitchFamily="34" charset="0"/>
+                        <a:ea typeface="Calibri" panose="020F0502020204030204" pitchFamily="34" charset="0"/>
+                        <a:cs typeface="Times New Roman" panose="02020603050405020304" pitchFamily="18" charset="0"/>
+                      </a:endParaRPr>
+                    </a:p>
+                  </a:txBody>
+                  <a:tcPr marL="68580" marR="68580" marT="0" marB="0" anchor="ctr"/>
+                </a:tc>
+                <a:tc>
+                  <a:txBody>
+                    <a:bodyPr/>
+                    <a:lstStyle/>
+                    <a:p>
+                      <a:pPr algn="ctr">
+                        <a:lnSpc>
+                          <a:spcPct val="115000"/>
+                        </a:lnSpc>
+                        <a:spcAft>
+                          <a:spcPts val="0"/>
+                        </a:spcAft>
+                      </a:pPr>
+                      <a:r>
+                        <a:rPr lang="ru-RU" sz="1600">
+                          <a:effectLst/>
+                        </a:rPr>
+                        <a:t>Разделение ролей в системе на менеджеров и исполнителей </a:t>
+                      </a:r>
+                      <a:endParaRPr lang="ru-RU" sz="1200">
+                        <a:effectLst/>
+                        <a:latin typeface="Calibri" panose="020F0502020204030204" pitchFamily="34" charset="0"/>
+                        <a:ea typeface="Calibri" panose="020F0502020204030204" pitchFamily="34" charset="0"/>
+                        <a:cs typeface="Times New Roman" panose="02020603050405020304" pitchFamily="18" charset="0"/>
+                      </a:endParaRPr>
+                    </a:p>
+                  </a:txBody>
+                  <a:tcPr marL="68580" marR="68580" marT="0" marB="0" anchor="ctr"/>
+                </a:tc>
+                <a:tc>
+                  <a:txBody>
+                    <a:bodyPr/>
+                    <a:lstStyle/>
+                    <a:p>
+                      <a:pPr algn="ctr">
+                        <a:lnSpc>
+                          <a:spcPct val="115000"/>
+                        </a:lnSpc>
+                        <a:spcAft>
+                          <a:spcPts val="0"/>
+                        </a:spcAft>
+                      </a:pPr>
+                      <a:r>
+                        <a:rPr lang="ru-RU" sz="1600">
+                          <a:effectLst/>
+                        </a:rPr>
+                        <a:t>Разделяй и властвуй </a:t>
+                      </a:r>
+                      <a:endParaRPr lang="ru-RU" sz="1200">
+                        <a:effectLst/>
+                        <a:latin typeface="Calibri" panose="020F0502020204030204" pitchFamily="34" charset="0"/>
+                        <a:ea typeface="Calibri" panose="020F0502020204030204" pitchFamily="34" charset="0"/>
+                        <a:cs typeface="Times New Roman" panose="02020603050405020304" pitchFamily="18" charset="0"/>
+                      </a:endParaRPr>
+                    </a:p>
+                  </a:txBody>
+                  <a:tcPr marL="68580" marR="68580" marT="0" marB="0" anchor="ctr"/>
+                </a:tc>
+                <a:tc>
+                  <a:txBody>
+                    <a:bodyPr/>
+                    <a:lstStyle/>
+                    <a:p>
+                      <a:pPr algn="ctr">
+                        <a:lnSpc>
+                          <a:spcPct val="115000"/>
+                        </a:lnSpc>
+                        <a:spcAft>
+                          <a:spcPts val="0"/>
+                        </a:spcAft>
+                      </a:pPr>
+                      <a:r>
+                        <a:rPr lang="en-US" sz="1600">
+                          <a:effectLst/>
+                        </a:rPr>
+                        <a:t>BizSpark, </a:t>
+                      </a:r>
+                      <a:r>
+                        <a:rPr lang="ru-RU" sz="1600">
+                          <a:effectLst/>
+                        </a:rPr>
+                        <a:t>разработчики</a:t>
+                      </a:r>
+                      <a:endParaRPr lang="ru-RU" sz="1200">
+                        <a:effectLst/>
+                        <a:latin typeface="Calibri" panose="020F0502020204030204" pitchFamily="34" charset="0"/>
+                        <a:ea typeface="Calibri" panose="020F0502020204030204" pitchFamily="34" charset="0"/>
+                        <a:cs typeface="Times New Roman" panose="02020603050405020304" pitchFamily="18" charset="0"/>
+                      </a:endParaRPr>
+                    </a:p>
+                  </a:txBody>
+                  <a:tcPr marL="68580" marR="68580" marT="0" marB="0" anchor="ctr"/>
+                </a:tc>
+              </a:tr>
+              <a:tr h="1200151">
+                <a:tc vMerge="1">
+                  <a:txBody>
+                    <a:bodyPr/>
+                    <a:lstStyle/>
+                    <a:p>
+                      <a:endParaRPr lang="ru-RU"/>
+                    </a:p>
+                  </a:txBody>
+                  <a:tcPr/>
+                </a:tc>
+                <a:tc vMerge="1">
+                  <a:txBody>
+                    <a:bodyPr/>
+                    <a:lstStyle/>
+                    <a:p>
+                      <a:endParaRPr lang="ru-RU"/>
+                    </a:p>
+                  </a:txBody>
+                  <a:tcPr/>
+                </a:tc>
+                <a:tc>
+                  <a:txBody>
+                    <a:bodyPr/>
+                    <a:lstStyle/>
+                    <a:p>
+                      <a:pPr algn="ctr">
+                        <a:lnSpc>
+                          <a:spcPct val="115000"/>
+                        </a:lnSpc>
+                        <a:spcAft>
+                          <a:spcPts val="0"/>
+                        </a:spcAft>
+                      </a:pPr>
+                      <a:r>
+                        <a:rPr lang="ru-RU" sz="1600">
+                          <a:effectLst/>
+                        </a:rPr>
+                        <a:t>Контроль за доставкой</a:t>
+                      </a:r>
+                      <a:endParaRPr lang="ru-RU" sz="1200">
+                        <a:effectLst/>
+                        <a:latin typeface="Calibri" panose="020F0502020204030204" pitchFamily="34" charset="0"/>
+                        <a:ea typeface="Calibri" panose="020F0502020204030204" pitchFamily="34" charset="0"/>
+                        <a:cs typeface="Times New Roman" panose="02020603050405020304" pitchFamily="18" charset="0"/>
+                      </a:endParaRPr>
+                    </a:p>
+                  </a:txBody>
+                  <a:tcPr marL="68580" marR="68580" marT="0" marB="0" anchor="ctr"/>
+                </a:tc>
+                <a:tc>
+                  <a:txBody>
+                    <a:bodyPr/>
+                    <a:lstStyle/>
+                    <a:p>
+                      <a:pPr algn="ctr">
+                        <a:lnSpc>
+                          <a:spcPct val="115000"/>
+                        </a:lnSpc>
+                        <a:spcAft>
+                          <a:spcPts val="0"/>
+                        </a:spcAft>
+                      </a:pPr>
+                      <a:r>
+                        <a:rPr lang="ru-RU" sz="1600">
+                          <a:effectLst/>
+                        </a:rPr>
+                        <a:t>Отслеживание местоположения с помощью ГЛОНАСС/</a:t>
+                      </a:r>
+                      <a:r>
+                        <a:rPr lang="en-US" sz="1600">
+                          <a:effectLst/>
+                        </a:rPr>
+                        <a:t>GPS</a:t>
+                      </a:r>
+                      <a:endParaRPr lang="ru-RU" sz="1200">
+                        <a:effectLst/>
+                        <a:latin typeface="Calibri" panose="020F0502020204030204" pitchFamily="34" charset="0"/>
+                        <a:ea typeface="Calibri" panose="020F0502020204030204" pitchFamily="34" charset="0"/>
+                        <a:cs typeface="Times New Roman" panose="02020603050405020304" pitchFamily="18" charset="0"/>
+                      </a:endParaRPr>
+                    </a:p>
+                  </a:txBody>
+                  <a:tcPr marL="68580" marR="68580" marT="0" marB="0" anchor="ctr"/>
+                </a:tc>
+                <a:tc>
+                  <a:txBody>
+                    <a:bodyPr/>
+                    <a:lstStyle/>
+                    <a:p>
+                      <a:pPr algn="ctr">
+                        <a:lnSpc>
+                          <a:spcPct val="115000"/>
+                        </a:lnSpc>
+                        <a:spcAft>
+                          <a:spcPts val="0"/>
+                        </a:spcAft>
+                      </a:pPr>
+                      <a:r>
+                        <a:rPr lang="ru-RU" sz="1600">
+                          <a:effectLst/>
+                        </a:rPr>
+                        <a:t>Геолокация на службе у бизнеса</a:t>
+                      </a:r>
+                      <a:endParaRPr lang="ru-RU" sz="1200">
+                        <a:effectLst/>
+                        <a:latin typeface="Calibri" panose="020F0502020204030204" pitchFamily="34" charset="0"/>
+                        <a:ea typeface="Calibri" panose="020F0502020204030204" pitchFamily="34" charset="0"/>
+                        <a:cs typeface="Times New Roman" panose="02020603050405020304" pitchFamily="18" charset="0"/>
+                      </a:endParaRPr>
+                    </a:p>
+                  </a:txBody>
+                  <a:tcPr marL="68580" marR="68580" marT="0" marB="0" anchor="ctr"/>
+                </a:tc>
+                <a:tc>
+                  <a:txBody>
+                    <a:bodyPr/>
+                    <a:lstStyle/>
+                    <a:p>
+                      <a:pPr algn="ctr">
+                        <a:lnSpc>
+                          <a:spcPct val="115000"/>
+                        </a:lnSpc>
+                        <a:spcAft>
+                          <a:spcPts val="0"/>
+                        </a:spcAft>
+                      </a:pPr>
+                      <a:r>
+                        <a:rPr lang="ru-RU" sz="1600" dirty="0">
+                          <a:effectLst/>
+                        </a:rPr>
+                        <a:t>Разработчики </a:t>
+                      </a:r>
+                      <a:endParaRPr lang="ru-RU" sz="1200" dirty="0">
+                        <a:effectLst/>
+                        <a:latin typeface="Calibri" panose="020F0502020204030204" pitchFamily="34" charset="0"/>
+                        <a:ea typeface="Calibri" panose="020F0502020204030204" pitchFamily="34" charset="0"/>
+                        <a:cs typeface="Times New Roman" panose="02020603050405020304" pitchFamily="18" charset="0"/>
+                      </a:endParaRPr>
+                    </a:p>
+                  </a:txBody>
+                  <a:tcPr marL="68580" marR="68580" marT="0" marB="0" anchor="ctr"/>
+                </a:tc>
+              </a:tr>
+            </a:tbl>
+          </a:graphicData>
+        </a:graphic>
+      </p:graphicFrame>
     </p:spTree>
     <p:extLst>
       <p:ext uri="{BB962C8B-B14F-4D97-AF65-F5344CB8AC3E}">
-        <p14:creationId xmlns:p14="http://schemas.microsoft.com/office/powerpoint/2010/main" val="1560442958"/>
+        <p14:creationId xmlns:p14="http://schemas.microsoft.com/office/powerpoint/2010/main" val="2126109120"/>
+      </p:ext>
+    </p:extLst>
+  </p:cSld>
+  <p:clrMapOvr>
+    <a:masterClrMapping/>
+  </p:clrMapOvr>
+  <p:timing>
+    <p:tnLst>
+      <p:par>
+        <p:cTn id="1" dur="indefinite" restart="never" nodeType="tmRoot"/>
+      </p:par>
+    </p:tnLst>
+  </p:timing>
+</p:sld>
+</file>
+
+<file path=ppt/slides/slide16.xml><?xml version="1.0" encoding="utf-8"?>
+<p:sld xmlns:a="http://schemas.openxmlformats.org/drawingml/2006/main" xmlns:r="http://schemas.openxmlformats.org/officeDocument/2006/relationships" xmlns:p="http://schemas.openxmlformats.org/presentationml/2006/main">
+  <p:cSld>
+    <p:spTree>
+      <p:nvGrpSpPr>
+        <p:cNvPr id="1" name=""/>
+        <p:cNvGrpSpPr/>
+        <p:nvPr/>
+      </p:nvGrpSpPr>
+      <p:grpSpPr>
+        <a:xfrm>
+          <a:off x="0" y="0"/>
+          <a:ext cx="0" cy="0"/>
+          <a:chOff x="0" y="0"/>
+          <a:chExt cx="0" cy="0"/>
+        </a:xfrm>
+      </p:grpSpPr>
+      <p:sp>
+        <p:nvSpPr>
+          <p:cNvPr id="2" name="Заголовок 1"/>
+          <p:cNvSpPr>
+            <a:spLocks noGrp="1"/>
+          </p:cNvSpPr>
+          <p:nvPr>
+            <p:ph type="title"/>
+          </p:nvPr>
+        </p:nvSpPr>
+        <p:spPr/>
+        <p:txBody>
+          <a:bodyPr/>
+          <a:lstStyle/>
+          <a:p>
+            <a:r>
+              <a:rPr lang="en-US" dirty="0" smtClean="0"/>
+              <a:t>Brand implementation chart</a:t>
+            </a:r>
+            <a:endParaRPr lang="ru-RU" dirty="0"/>
+          </a:p>
+        </p:txBody>
+      </p:sp>
+      <p:sp>
+        <p:nvSpPr>
+          <p:cNvPr id="4" name="Номер слайда 3"/>
+          <p:cNvSpPr>
+            <a:spLocks noGrp="1"/>
+          </p:cNvSpPr>
+          <p:nvPr>
+            <p:ph type="sldNum" sz="quarter" idx="12"/>
+          </p:nvPr>
+        </p:nvSpPr>
+        <p:spPr/>
+        <p:txBody>
+          <a:bodyPr/>
+          <a:lstStyle/>
+          <a:p>
+            <a:fld id="{2254AEE2-4CF1-4452-9990-F7D689DA22F0}" type="slidenum">
+              <a:rPr lang="ru-RU" smtClean="0"/>
+              <a:t>16</a:t>
+            </a:fld>
+            <a:endParaRPr lang="ru-RU"/>
+          </a:p>
+        </p:txBody>
+      </p:sp>
+      <p:pic>
+        <p:nvPicPr>
+          <p:cNvPr id="7" name="Объект 6"/>
+          <p:cNvPicPr>
+            <a:picLocks noGrp="1" noChangeAspect="1"/>
+          </p:cNvPicPr>
+          <p:nvPr>
+            <p:ph idx="1"/>
+          </p:nvPr>
+        </p:nvPicPr>
+        <p:blipFill>
+          <a:blip r:embed="rId2">
+            <a:extLst>
+              <a:ext uri="{28A0092B-C50C-407E-A947-70E740481C1C}">
+                <a14:useLocalDpi xmlns:a14="http://schemas.microsoft.com/office/drawing/2010/main" val="0"/>
+              </a:ext>
+            </a:extLst>
+          </a:blip>
+          <a:stretch>
+            <a:fillRect/>
+          </a:stretch>
+        </p:blipFill>
+        <p:spPr>
+          <a:xfrm>
+            <a:off x="838200" y="1690688"/>
+            <a:ext cx="10920663" cy="4151312"/>
+          </a:xfrm>
+        </p:spPr>
+      </p:pic>
+    </p:spTree>
+    <p:extLst>
+      <p:ext uri="{BB962C8B-B14F-4D97-AF65-F5344CB8AC3E}">
+        <p14:creationId xmlns:p14="http://schemas.microsoft.com/office/powerpoint/2010/main" val="4024749310"/>
       </p:ext>
     </p:extLst>
   </p:cSld>
@@ -6407,7 +7610,7 @@
             <p:ph idx="1"/>
             <p:extLst>
               <p:ext uri="{D42A27DB-BD31-4B8C-83A1-F6EECF244321}">
-                <p14:modId xmlns:p14="http://schemas.microsoft.com/office/powerpoint/2010/main" val="3747317530"/>
+                <p14:modId xmlns:p14="http://schemas.microsoft.com/office/powerpoint/2010/main" val="2262233670"/>
               </p:ext>
             </p:extLst>
           </p:nvPr>
@@ -6432,6 +7635,7 @@
                     <a:bodyPr/>
                     <a:lstStyle/>
                     <a:p>
+                      <a:pPr algn="ctr"/>
                       <a:r>
                         <a:rPr lang="ru-RU" dirty="0" smtClean="0"/>
                         <a:t>Параметр</a:t>
@@ -6439,13 +7643,14 @@
                       <a:endParaRPr lang="ru-RU" dirty="0"/>
                     </a:p>
                   </a:txBody>
-                  <a:tcPr/>
-                </a:tc>
-                <a:tc>
-                  <a:txBody>
-                    <a:bodyPr/>
-                    <a:lstStyle/>
-                    <a:p>
+                  <a:tcPr anchor="ctr"/>
+                </a:tc>
+                <a:tc>
+                  <a:txBody>
+                    <a:bodyPr/>
+                    <a:lstStyle/>
+                    <a:p>
+                      <a:pPr algn="ctr"/>
                       <a:r>
                         <a:rPr lang="ru-RU" dirty="0" smtClean="0"/>
                         <a:t>Значение</a:t>
@@ -6453,7 +7658,7 @@
                       <a:endParaRPr lang="ru-RU" dirty="0"/>
                     </a:p>
                   </a:txBody>
-                  <a:tcPr/>
+                  <a:tcPr anchor="ctr"/>
                 </a:tc>
               </a:tr>
               <a:tr h="370840">
@@ -6462,6 +7667,7 @@
                     <a:bodyPr/>
                     <a:lstStyle/>
                     <a:p>
+                      <a:pPr algn="ctr"/>
                       <a:r>
                         <a:rPr lang="en-US" dirty="0" smtClean="0"/>
                         <a:t>Specific</a:t>
@@ -6481,33 +7687,26 @@
                       <a:endParaRPr lang="ru-RU" dirty="0"/>
                     </a:p>
                   </a:txBody>
-                  <a:tcPr/>
-                </a:tc>
-                <a:tc>
-                  <a:txBody>
-                    <a:bodyPr/>
-                    <a:lstStyle/>
-                    <a:p>
+                  <a:tcPr anchor="ctr"/>
+                </a:tc>
+                <a:tc>
+                  <a:txBody>
+                    <a:bodyPr/>
+                    <a:lstStyle/>
+                    <a:p>
+                      <a:pPr algn="ctr"/>
                       <a:r>
                         <a:rPr lang="ru-RU" dirty="0" smtClean="0"/>
                         <a:t>Разработать веб-приложение</a:t>
                       </a:r>
                       <a:r>
                         <a:rPr lang="ru-RU" baseline="0" dirty="0" smtClean="0"/>
-                        <a:t> </a:t>
-                      </a:r>
-                      <a:r>
-                        <a:rPr lang="ru-RU" baseline="0" dirty="0" smtClean="0"/>
-                        <a:t>и мобильное приложение для </a:t>
-                      </a:r>
-                      <a:r>
-                        <a:rPr lang="ru-RU" baseline="0" dirty="0" smtClean="0"/>
-                        <a:t>управления задачами доставки в несколько указанных на карте точек.</a:t>
+                        <a:t> и мобильное приложение для управления задачами доставки в несколько указанных на карте точек.</a:t>
                       </a:r>
                       <a:endParaRPr lang="ru-RU" dirty="0"/>
                     </a:p>
                   </a:txBody>
-                  <a:tcPr/>
+                  <a:tcPr anchor="ctr"/>
                 </a:tc>
               </a:tr>
               <a:tr h="370840">
@@ -6516,6 +7715,7 @@
                     <a:bodyPr/>
                     <a:lstStyle/>
                     <a:p>
+                      <a:pPr algn="ctr"/>
                       <a:r>
                         <a:rPr lang="en-US" dirty="0" smtClean="0"/>
                         <a:t>Measurable</a:t>
@@ -6535,13 +7735,14 @@
                       <a:endParaRPr lang="ru-RU" dirty="0"/>
                     </a:p>
                   </a:txBody>
-                  <a:tcPr/>
-                </a:tc>
-                <a:tc>
-                  <a:txBody>
-                    <a:bodyPr/>
-                    <a:lstStyle/>
-                    <a:p>
+                  <a:tcPr anchor="ctr"/>
+                </a:tc>
+                <a:tc>
+                  <a:txBody>
+                    <a:bodyPr/>
+                    <a:lstStyle/>
+                    <a:p>
+                      <a:pPr algn="ctr"/>
                       <a:r>
                         <a:rPr lang="ru-RU" dirty="0" smtClean="0"/>
                         <a:t>Приложение должно запускаться</a:t>
@@ -6593,7 +7794,7 @@
                       <a:endParaRPr lang="ru-RU" dirty="0"/>
                     </a:p>
                   </a:txBody>
-                  <a:tcPr/>
+                  <a:tcPr anchor="ctr"/>
                 </a:tc>
               </a:tr>
               <a:tr h="370840">
@@ -6602,6 +7803,7 @@
                     <a:bodyPr/>
                     <a:lstStyle/>
                     <a:p>
+                      <a:pPr algn="ctr"/>
                       <a:r>
                         <a:rPr lang="en-US" dirty="0" smtClean="0"/>
                         <a:t>Attainable</a:t>
@@ -6621,13 +7823,14 @@
                       <a:endParaRPr lang="ru-RU" dirty="0"/>
                     </a:p>
                   </a:txBody>
-                  <a:tcPr/>
-                </a:tc>
-                <a:tc>
-                  <a:txBody>
-                    <a:bodyPr/>
-                    <a:lstStyle/>
-                    <a:p>
+                  <a:tcPr anchor="ctr"/>
+                </a:tc>
+                <a:tc>
+                  <a:txBody>
+                    <a:bodyPr/>
+                    <a:lstStyle/>
+                    <a:p>
+                      <a:pPr algn="ctr"/>
                       <a:r>
                         <a:rPr lang="ru-RU" dirty="0" smtClean="0"/>
                         <a:t>Разработка</a:t>
@@ -6655,7 +7858,7 @@
                       <a:endParaRPr lang="ru-RU" dirty="0"/>
                     </a:p>
                   </a:txBody>
-                  <a:tcPr/>
+                  <a:tcPr anchor="ctr"/>
                 </a:tc>
               </a:tr>
               <a:tr h="370840">
@@ -6664,6 +7867,7 @@
                     <a:bodyPr/>
                     <a:lstStyle/>
                     <a:p>
+                      <a:pPr algn="ctr"/>
                       <a:r>
                         <a:rPr lang="en-US" dirty="0" smtClean="0"/>
                         <a:t>Relevant </a:t>
@@ -6675,13 +7879,14 @@
                       <a:endParaRPr lang="ru-RU" dirty="0"/>
                     </a:p>
                   </a:txBody>
-                  <a:tcPr/>
-                </a:tc>
-                <a:tc>
-                  <a:txBody>
-                    <a:bodyPr/>
-                    <a:lstStyle/>
-                    <a:p>
+                  <a:tcPr anchor="ctr"/>
+                </a:tc>
+                <a:tc>
+                  <a:txBody>
+                    <a:bodyPr/>
+                    <a:lstStyle/>
+                    <a:p>
+                      <a:pPr algn="ctr"/>
                       <a:r>
                         <a:rPr lang="ru-RU" dirty="0" smtClean="0"/>
                         <a:t>Приложение разрабатывается в</a:t>
@@ -6701,7 +7906,7 @@
                       <a:endParaRPr lang="ru-RU" dirty="0"/>
                     </a:p>
                   </a:txBody>
-                  <a:tcPr/>
+                  <a:tcPr anchor="ctr"/>
                 </a:tc>
               </a:tr>
               <a:tr h="370840">
@@ -6710,6 +7915,7 @@
                     <a:bodyPr/>
                     <a:lstStyle/>
                     <a:p>
+                      <a:pPr algn="ctr"/>
                       <a:r>
                         <a:rPr lang="en-US" dirty="0" smtClean="0"/>
                         <a:t>Time-bound</a:t>
@@ -6729,13 +7935,14 @@
                       <a:endParaRPr lang="ru-RU" dirty="0"/>
                     </a:p>
                   </a:txBody>
-                  <a:tcPr/>
-                </a:tc>
-                <a:tc>
-                  <a:txBody>
-                    <a:bodyPr/>
-                    <a:lstStyle/>
-                    <a:p>
+                  <a:tcPr anchor="ctr"/>
+                </a:tc>
+                <a:tc>
+                  <a:txBody>
+                    <a:bodyPr/>
+                    <a:lstStyle/>
+                    <a:p>
+                      <a:pPr algn="ctr"/>
                       <a:r>
                         <a:rPr lang="ru-RU" dirty="0" smtClean="0"/>
                         <a:t>Приложение</a:t>
@@ -6763,7 +7970,7 @@
                       <a:endParaRPr lang="ru-RU" dirty="0"/>
                     </a:p>
                   </a:txBody>
-                  <a:tcPr/>
+                  <a:tcPr anchor="ctr"/>
                 </a:tc>
               </a:tr>
             </a:tbl>
@@ -6911,11 +8118,7 @@
             </a:r>
             <a:r>
               <a:rPr lang="en-US" dirty="0" smtClean="0"/>
-              <a:t>Imagine </a:t>
-            </a:r>
-            <a:r>
-              <a:rPr lang="en-US" dirty="0" smtClean="0"/>
-              <a:t>Cup</a:t>
+              <a:t>Imagine Cup</a:t>
             </a:r>
             <a:endParaRPr lang="ru-RU" dirty="0" smtClean="0"/>
           </a:p>
@@ -6924,7 +8127,6 @@
               <a:rPr lang="ru-RU" dirty="0" smtClean="0"/>
               <a:t>30 уникальных посетителей в месяц</a:t>
             </a:r>
-            <a:endParaRPr lang="ru-RU" dirty="0" smtClean="0"/>
           </a:p>
         </p:txBody>
       </p:sp>
@@ -7030,7 +8232,7 @@
             <p:ph idx="1"/>
             <p:extLst>
               <p:ext uri="{D42A27DB-BD31-4B8C-83A1-F6EECF244321}">
-                <p14:modId xmlns:p14="http://schemas.microsoft.com/office/powerpoint/2010/main" val="1197168331"/>
+                <p14:modId xmlns:p14="http://schemas.microsoft.com/office/powerpoint/2010/main" val="233622437"/>
               </p:ext>
             </p:extLst>
           </p:nvPr>
@@ -7056,6 +8258,7 @@
                     <a:bodyPr/>
                     <a:lstStyle/>
                     <a:p>
+                      <a:pPr algn="ctr"/>
                       <a:r>
                         <a:rPr lang="ru-RU" dirty="0" err="1" smtClean="0"/>
                         <a:t>Стейкхолдер</a:t>
@@ -7063,13 +8266,14 @@
                       <a:endParaRPr lang="ru-RU" dirty="0"/>
                     </a:p>
                   </a:txBody>
-                  <a:tcPr/>
-                </a:tc>
-                <a:tc>
-                  <a:txBody>
-                    <a:bodyPr/>
-                    <a:lstStyle/>
-                    <a:p>
+                  <a:tcPr anchor="ctr"/>
+                </a:tc>
+                <a:tc>
+                  <a:txBody>
+                    <a:bodyPr/>
+                    <a:lstStyle/>
+                    <a:p>
+                      <a:pPr algn="ctr"/>
                       <a:r>
                         <a:rPr lang="ru-RU" dirty="0" smtClean="0"/>
                         <a:t>Что он может дать проекту</a:t>
@@ -7077,13 +8281,14 @@
                       <a:endParaRPr lang="ru-RU" dirty="0"/>
                     </a:p>
                   </a:txBody>
-                  <a:tcPr/>
-                </a:tc>
-                <a:tc>
-                  <a:txBody>
-                    <a:bodyPr/>
-                    <a:lstStyle/>
-                    <a:p>
+                  <a:tcPr anchor="ctr"/>
+                </a:tc>
+                <a:tc>
+                  <a:txBody>
+                    <a:bodyPr/>
+                    <a:lstStyle/>
+                    <a:p>
+                      <a:pPr algn="ctr"/>
                       <a:r>
                         <a:rPr lang="ru-RU" dirty="0" smtClean="0"/>
                         <a:t>Что ему может</a:t>
@@ -7095,7 +8300,7 @@
                       <a:endParaRPr lang="ru-RU" dirty="0"/>
                     </a:p>
                   </a:txBody>
-                  <a:tcPr/>
+                  <a:tcPr anchor="ctr"/>
                 </a:tc>
               </a:tr>
               <a:tr h="417000">
@@ -7104,6 +8309,7 @@
                     <a:bodyPr/>
                     <a:lstStyle/>
                     <a:p>
+                      <a:pPr algn="ctr"/>
                       <a:r>
                         <a:rPr lang="ru-RU" dirty="0" smtClean="0"/>
                         <a:t>Потребители</a:t>
@@ -7111,13 +8317,14 @@
                       <a:endParaRPr lang="ru-RU" dirty="0"/>
                     </a:p>
                   </a:txBody>
-                  <a:tcPr/>
-                </a:tc>
-                <a:tc>
-                  <a:txBody>
-                    <a:bodyPr/>
-                    <a:lstStyle/>
-                    <a:p>
+                  <a:tcPr anchor="ctr"/>
+                </a:tc>
+                <a:tc>
+                  <a:txBody>
+                    <a:bodyPr/>
+                    <a:lstStyle/>
+                    <a:p>
+                      <a:pPr algn="ctr"/>
                       <a:r>
                         <a:rPr lang="ru-RU" dirty="0" smtClean="0"/>
                         <a:t>Критика,</a:t>
@@ -7129,13 +8336,14 @@
                       <a:endParaRPr lang="ru-RU" dirty="0"/>
                     </a:p>
                   </a:txBody>
-                  <a:tcPr/>
-                </a:tc>
-                <a:tc>
-                  <a:txBody>
-                    <a:bodyPr/>
-                    <a:lstStyle/>
-                    <a:p>
+                  <a:tcPr anchor="ctr"/>
+                </a:tc>
+                <a:tc>
+                  <a:txBody>
+                    <a:bodyPr/>
+                    <a:lstStyle/>
+                    <a:p>
+                      <a:pPr algn="ctr"/>
                       <a:r>
                         <a:rPr lang="ru-RU" dirty="0" smtClean="0"/>
                         <a:t>Решение</a:t>
@@ -7147,7 +8355,7 @@
                       <a:endParaRPr lang="ru-RU" dirty="0"/>
                     </a:p>
                   </a:txBody>
-                  <a:tcPr/>
+                  <a:tcPr anchor="ctr"/>
                 </a:tc>
               </a:tr>
               <a:tr h="1030519">
@@ -7156,6 +8364,7 @@
                     <a:bodyPr/>
                     <a:lstStyle/>
                     <a:p>
+                      <a:pPr algn="ctr"/>
                       <a:r>
                         <a:rPr lang="ru-RU" dirty="0" smtClean="0"/>
                         <a:t>Команда</a:t>
@@ -7167,13 +8376,14 @@
                       <a:endParaRPr lang="ru-RU" dirty="0"/>
                     </a:p>
                   </a:txBody>
-                  <a:tcPr/>
-                </a:tc>
-                <a:tc>
-                  <a:txBody>
-                    <a:bodyPr/>
-                    <a:lstStyle/>
-                    <a:p>
+                  <a:tcPr anchor="ctr"/>
+                </a:tc>
+                <a:tc>
+                  <a:txBody>
+                    <a:bodyPr/>
+                    <a:lstStyle/>
+                    <a:p>
+                      <a:pPr algn="ctr"/>
                       <a:r>
                         <a:rPr lang="ru-RU" dirty="0" smtClean="0"/>
                         <a:t>Реализация проекта, идеи</a:t>
@@ -7185,13 +8395,14 @@
                       <a:endParaRPr lang="ru-RU" dirty="0"/>
                     </a:p>
                   </a:txBody>
-                  <a:tcPr/>
-                </a:tc>
-                <a:tc>
-                  <a:txBody>
-                    <a:bodyPr/>
-                    <a:lstStyle/>
-                    <a:p>
+                  <a:tcPr anchor="ctr"/>
+                </a:tc>
+                <a:tc>
+                  <a:txBody>
+                    <a:bodyPr/>
+                    <a:lstStyle/>
+                    <a:p>
+                      <a:pPr algn="ctr"/>
                       <a:r>
                         <a:rPr lang="ru-RU" dirty="0" smtClean="0"/>
                         <a:t>+ 1 к портфолио,</a:t>
@@ -7211,7 +8422,7 @@
                       <a:endParaRPr lang="ru-RU" dirty="0"/>
                     </a:p>
                   </a:txBody>
-                  <a:tcPr/>
+                  <a:tcPr anchor="ctr"/>
                 </a:tc>
               </a:tr>
               <a:tr h="721364">
@@ -7220,6 +8431,7 @@
                     <a:bodyPr/>
                     <a:lstStyle/>
                     <a:p>
+                      <a:pPr algn="ctr"/>
                       <a:r>
                         <a:rPr lang="ru-RU" dirty="0" smtClean="0"/>
                         <a:t>Конкуренты</a:t>
@@ -7227,13 +8439,14 @@
                       <a:endParaRPr lang="ru-RU" dirty="0"/>
                     </a:p>
                   </a:txBody>
-                  <a:tcPr/>
-                </a:tc>
-                <a:tc>
-                  <a:txBody>
-                    <a:bodyPr/>
-                    <a:lstStyle/>
-                    <a:p>
+                  <a:tcPr anchor="ctr"/>
+                </a:tc>
+                <a:tc>
+                  <a:txBody>
+                    <a:bodyPr/>
+                    <a:lstStyle/>
+                    <a:p>
+                      <a:pPr algn="ctr"/>
                       <a:r>
                         <a:rPr lang="ru-RU" dirty="0" smtClean="0"/>
                         <a:t>Стимул к развитию, идеи</a:t>
@@ -7245,13 +8458,14 @@
                       <a:endParaRPr lang="ru-RU" dirty="0"/>
                     </a:p>
                   </a:txBody>
-                  <a:tcPr/>
-                </a:tc>
-                <a:tc>
-                  <a:txBody>
-                    <a:bodyPr/>
-                    <a:lstStyle/>
-                    <a:p>
+                  <a:tcPr anchor="ctr"/>
+                </a:tc>
+                <a:tc>
+                  <a:txBody>
+                    <a:bodyPr/>
+                    <a:lstStyle/>
+                    <a:p>
+                      <a:pPr algn="ctr"/>
                       <a:r>
                         <a:rPr lang="ru-RU" dirty="0" smtClean="0"/>
                         <a:t>Идеи для своих проектов.</a:t>
@@ -7259,7 +8473,7 @@
                       <a:endParaRPr lang="ru-RU" dirty="0"/>
                     </a:p>
                   </a:txBody>
-                  <a:tcPr/>
+                  <a:tcPr anchor="ctr"/>
                 </a:tc>
               </a:tr>
               <a:tr h="1030519">
@@ -7268,6 +8482,7 @@
                     <a:bodyPr/>
                     <a:lstStyle/>
                     <a:p>
+                      <a:pPr algn="ctr"/>
                       <a:r>
                         <a:rPr lang="ru-RU" dirty="0" smtClean="0"/>
                         <a:t>Преподаватели курса</a:t>
@@ -7279,13 +8494,14 @@
                       <a:endParaRPr lang="ru-RU" dirty="0"/>
                     </a:p>
                   </a:txBody>
-                  <a:tcPr/>
-                </a:tc>
-                <a:tc>
-                  <a:txBody>
-                    <a:bodyPr/>
-                    <a:lstStyle/>
-                    <a:p>
+                  <a:tcPr anchor="ctr"/>
+                </a:tc>
+                <a:tc>
+                  <a:txBody>
+                    <a:bodyPr/>
+                    <a:lstStyle/>
+                    <a:p>
+                      <a:pPr algn="ctr"/>
                       <a:r>
                         <a:rPr lang="ru-RU" dirty="0" smtClean="0"/>
                         <a:t>Советы по улучшению и продвижению проекта, критика, советы по планированию.</a:t>
@@ -7293,13 +8509,14 @@
                       <a:endParaRPr lang="ru-RU" dirty="0"/>
                     </a:p>
                   </a:txBody>
-                  <a:tcPr/>
-                </a:tc>
-                <a:tc>
-                  <a:txBody>
-                    <a:bodyPr/>
-                    <a:lstStyle/>
-                    <a:p>
+                  <a:tcPr anchor="ctr"/>
+                </a:tc>
+                <a:tc>
+                  <a:txBody>
+                    <a:bodyPr/>
+                    <a:lstStyle/>
+                    <a:p>
+                      <a:pPr algn="ctr"/>
                       <a:r>
                         <a:rPr lang="ru-RU" dirty="0" smtClean="0"/>
                         <a:t>Знания</a:t>
@@ -7311,7 +8528,7 @@
                       <a:endParaRPr lang="ru-RU" dirty="0"/>
                     </a:p>
                   </a:txBody>
-                  <a:tcPr/>
+                  <a:tcPr anchor="ctr"/>
                 </a:tc>
               </a:tr>
               <a:tr h="721364">
@@ -7320,6 +8537,7 @@
                     <a:bodyPr/>
                     <a:lstStyle/>
                     <a:p>
+                      <a:pPr algn="ctr"/>
                       <a:r>
                         <a:rPr lang="ru-RU" dirty="0" smtClean="0"/>
                         <a:t>Студенты магистратуры ЭТО</a:t>
@@ -7327,13 +8545,14 @@
                       <a:endParaRPr lang="ru-RU" dirty="0"/>
                     </a:p>
                   </a:txBody>
-                  <a:tcPr/>
-                </a:tc>
-                <a:tc>
-                  <a:txBody>
-                    <a:bodyPr/>
-                    <a:lstStyle/>
-                    <a:p>
+                  <a:tcPr anchor="ctr"/>
+                </a:tc>
+                <a:tc>
+                  <a:txBody>
+                    <a:bodyPr/>
+                    <a:lstStyle/>
+                    <a:p>
+                      <a:pPr algn="ctr"/>
                       <a:r>
                         <a:rPr lang="ru-RU" dirty="0" smtClean="0"/>
                         <a:t>Критика, советы, указание</a:t>
@@ -7345,13 +8564,14 @@
                       <a:endParaRPr lang="ru-RU" dirty="0"/>
                     </a:p>
                   </a:txBody>
-                  <a:tcPr/>
-                </a:tc>
-                <a:tc>
-                  <a:txBody>
-                    <a:bodyPr/>
-                    <a:lstStyle/>
-                    <a:p>
+                  <a:tcPr anchor="ctr"/>
+                </a:tc>
+                <a:tc>
+                  <a:txBody>
+                    <a:bodyPr/>
+                    <a:lstStyle/>
+                    <a:p>
+                      <a:pPr algn="ctr"/>
                       <a:r>
                         <a:rPr lang="ru-RU" baseline="0" dirty="0" smtClean="0"/>
                         <a:t>Как нужно или не нужно вести проекты, пример проекта.</a:t>
@@ -7359,7 +8579,7 @@
                       <a:endParaRPr lang="ru-RU" dirty="0"/>
                     </a:p>
                   </a:txBody>
-                  <a:tcPr/>
+                  <a:tcPr anchor="ctr"/>
                 </a:tc>
               </a:tr>
               <a:tr h="417000">
@@ -7368,6 +8588,7 @@
                     <a:bodyPr/>
                     <a:lstStyle/>
                     <a:p>
+                      <a:pPr algn="ctr"/>
                       <a:r>
                         <a:rPr lang="ru-RU" dirty="0" smtClean="0"/>
                         <a:t>ТПУ</a:t>
@@ -7375,13 +8596,14 @@
                       <a:endParaRPr lang="ru-RU" dirty="0"/>
                     </a:p>
                   </a:txBody>
-                  <a:tcPr/>
-                </a:tc>
-                <a:tc>
-                  <a:txBody>
-                    <a:bodyPr/>
-                    <a:lstStyle/>
-                    <a:p>
+                  <a:tcPr anchor="ctr"/>
+                </a:tc>
+                <a:tc>
+                  <a:txBody>
+                    <a:bodyPr/>
+                    <a:lstStyle/>
+                    <a:p>
+                      <a:pPr algn="ctr"/>
                       <a:r>
                         <a:rPr lang="ru-RU" dirty="0" smtClean="0"/>
                         <a:t>Лицензия на</a:t>
@@ -7393,13 +8615,14 @@
                       <a:endParaRPr lang="ru-RU" dirty="0"/>
                     </a:p>
                   </a:txBody>
-                  <a:tcPr/>
-                </a:tc>
-                <a:tc>
-                  <a:txBody>
-                    <a:bodyPr/>
-                    <a:lstStyle/>
-                    <a:p>
+                  <a:tcPr anchor="ctr"/>
+                </a:tc>
+                <a:tc>
+                  <a:txBody>
+                    <a:bodyPr/>
+                    <a:lstStyle/>
+                    <a:p>
+                      <a:pPr algn="ctr"/>
                       <a:r>
                         <a:rPr lang="ru-RU" dirty="0" smtClean="0"/>
                         <a:t>Рейтинги.</a:t>
@@ -7407,7 +8630,7 @@
                       <a:endParaRPr lang="ru-RU" dirty="0"/>
                     </a:p>
                   </a:txBody>
-                  <a:tcPr/>
+                  <a:tcPr anchor="ctr"/>
                 </a:tc>
               </a:tr>
             </a:tbl>
@@ -7515,7 +8738,7 @@
             <p:ph idx="1"/>
             <p:extLst>
               <p:ext uri="{D42A27DB-BD31-4B8C-83A1-F6EECF244321}">
-                <p14:modId xmlns:p14="http://schemas.microsoft.com/office/powerpoint/2010/main" val="2554869067"/>
+                <p14:modId xmlns:p14="http://schemas.microsoft.com/office/powerpoint/2010/main" val="4050515788"/>
               </p:ext>
             </p:extLst>
           </p:nvPr>
@@ -7541,6 +8764,7 @@
                     <a:bodyPr/>
                     <a:lstStyle/>
                     <a:p>
+                      <a:pPr algn="ctr"/>
                       <a:r>
                         <a:rPr lang="ru-RU" dirty="0" err="1" smtClean="0"/>
                         <a:t>Стейкхолдер</a:t>
@@ -7548,13 +8772,14 @@
                       <a:endParaRPr lang="ru-RU" dirty="0"/>
                     </a:p>
                   </a:txBody>
-                  <a:tcPr/>
-                </a:tc>
-                <a:tc>
-                  <a:txBody>
-                    <a:bodyPr/>
-                    <a:lstStyle/>
-                    <a:p>
+                  <a:tcPr anchor="ctr"/>
+                </a:tc>
+                <a:tc>
+                  <a:txBody>
+                    <a:bodyPr/>
+                    <a:lstStyle/>
+                    <a:p>
+                      <a:pPr algn="ctr"/>
                       <a:r>
                         <a:rPr lang="ru-RU" dirty="0" smtClean="0"/>
                         <a:t>Что он может дать проекту</a:t>
@@ -7562,13 +8787,14 @@
                       <a:endParaRPr lang="ru-RU" dirty="0"/>
                     </a:p>
                   </a:txBody>
-                  <a:tcPr/>
-                </a:tc>
-                <a:tc>
-                  <a:txBody>
-                    <a:bodyPr/>
-                    <a:lstStyle/>
-                    <a:p>
+                  <a:tcPr anchor="ctr"/>
+                </a:tc>
+                <a:tc>
+                  <a:txBody>
+                    <a:bodyPr/>
+                    <a:lstStyle/>
+                    <a:p>
+                      <a:pPr algn="ctr"/>
                       <a:r>
                         <a:rPr lang="ru-RU" dirty="0" smtClean="0"/>
                         <a:t>Что ему может</a:t>
@@ -7580,7 +8806,7 @@
                       <a:endParaRPr lang="ru-RU" dirty="0"/>
                     </a:p>
                   </a:txBody>
-                  <a:tcPr/>
+                  <a:tcPr anchor="ctr"/>
                 </a:tc>
               </a:tr>
               <a:tr h="674152">
@@ -7589,6 +8815,7 @@
                     <a:bodyPr/>
                     <a:lstStyle/>
                     <a:p>
+                      <a:pPr algn="ctr"/>
                       <a:r>
                         <a:rPr lang="ru-RU" dirty="0" smtClean="0"/>
                         <a:t>Службы</a:t>
@@ -7600,13 +8827,14 @@
                       <a:endParaRPr lang="ru-RU" dirty="0"/>
                     </a:p>
                   </a:txBody>
-                  <a:tcPr/>
-                </a:tc>
-                <a:tc>
-                  <a:txBody>
-                    <a:bodyPr/>
-                    <a:lstStyle/>
-                    <a:p>
+                  <a:tcPr anchor="ctr"/>
+                </a:tc>
+                <a:tc>
+                  <a:txBody>
+                    <a:bodyPr/>
+                    <a:lstStyle/>
+                    <a:p>
+                      <a:pPr algn="ctr"/>
                       <a:r>
                         <a:rPr lang="ru-RU" dirty="0" smtClean="0"/>
                         <a:t>Конструктивная</a:t>
@@ -7618,13 +8846,14 @@
                       <a:endParaRPr lang="ru-RU" dirty="0"/>
                     </a:p>
                   </a:txBody>
-                  <a:tcPr/>
-                </a:tc>
-                <a:tc>
-                  <a:txBody>
-                    <a:bodyPr/>
-                    <a:lstStyle/>
-                    <a:p>
+                  <a:tcPr anchor="ctr"/>
+                </a:tc>
+                <a:tc>
+                  <a:txBody>
+                    <a:bodyPr/>
+                    <a:lstStyle/>
+                    <a:p>
+                      <a:pPr algn="ctr"/>
                       <a:r>
                         <a:rPr lang="ru-RU" dirty="0" smtClean="0"/>
                         <a:t>Инструмент для планирования</a:t>
@@ -7636,7 +8865,7 @@
                       <a:endParaRPr lang="ru-RU" dirty="0"/>
                     </a:p>
                   </a:txBody>
-                  <a:tcPr/>
+                  <a:tcPr anchor="ctr"/>
                 </a:tc>
               </a:tr>
               <a:tr h="674152">
@@ -7645,6 +8874,7 @@
                     <a:bodyPr/>
                     <a:lstStyle/>
                     <a:p>
+                      <a:pPr algn="ctr"/>
                       <a:r>
                         <a:rPr lang="ru-RU" dirty="0" smtClean="0"/>
                         <a:t>Участники </a:t>
@@ -7668,13 +8898,14 @@
                       <a:endParaRPr lang="ru-RU" dirty="0"/>
                     </a:p>
                   </a:txBody>
-                  <a:tcPr/>
-                </a:tc>
-                <a:tc>
-                  <a:txBody>
-                    <a:bodyPr/>
-                    <a:lstStyle/>
-                    <a:p>
+                  <a:tcPr anchor="ctr"/>
+                </a:tc>
+                <a:tc>
+                  <a:txBody>
+                    <a:bodyPr/>
+                    <a:lstStyle/>
+                    <a:p>
+                      <a:pPr algn="ctr"/>
                       <a:r>
                         <a:rPr lang="ru-RU" dirty="0" smtClean="0"/>
                         <a:t>Идеи</a:t>
@@ -7686,13 +8917,14 @@
                       <a:endParaRPr lang="ru-RU" dirty="0"/>
                     </a:p>
                   </a:txBody>
-                  <a:tcPr/>
-                </a:tc>
-                <a:tc>
-                  <a:txBody>
-                    <a:bodyPr/>
-                    <a:lstStyle/>
-                    <a:p>
+                  <a:tcPr anchor="ctr"/>
+                </a:tc>
+                <a:tc>
+                  <a:txBody>
+                    <a:bodyPr/>
+                    <a:lstStyle/>
+                    <a:p>
+                      <a:pPr algn="ctr"/>
                       <a:r>
                         <a:rPr lang="ru-RU" dirty="0" smtClean="0"/>
                         <a:t>Идеи для собственных</a:t>
@@ -7704,7 +8936,7 @@
                       <a:endParaRPr lang="ru-RU" dirty="0"/>
                     </a:p>
                   </a:txBody>
-                  <a:tcPr/>
+                  <a:tcPr anchor="ctr"/>
                 </a:tc>
               </a:tr>
               <a:tr h="390580">
@@ -7713,6 +8945,7 @@
                     <a:bodyPr/>
                     <a:lstStyle/>
                     <a:p>
+                      <a:pPr algn="ctr"/>
                       <a:r>
                         <a:rPr lang="ru-RU" dirty="0" smtClean="0"/>
                         <a:t>Комиссия </a:t>
@@ -7732,13 +8965,14 @@
                       <a:endParaRPr lang="ru-RU" dirty="0"/>
                     </a:p>
                   </a:txBody>
-                  <a:tcPr/>
-                </a:tc>
-                <a:tc>
-                  <a:txBody>
-                    <a:bodyPr/>
-                    <a:lstStyle/>
-                    <a:p>
+                  <a:tcPr anchor="ctr"/>
+                </a:tc>
+                <a:tc>
+                  <a:txBody>
+                    <a:bodyPr/>
+                    <a:lstStyle/>
+                    <a:p>
+                      <a:pPr algn="ctr"/>
                       <a:r>
                         <a:rPr lang="ru-RU" dirty="0" smtClean="0"/>
                         <a:t>Ошибки приложения</a:t>
@@ -7750,13 +8984,14 @@
                       <a:endParaRPr lang="ru-RU" dirty="0"/>
                     </a:p>
                   </a:txBody>
-                  <a:tcPr/>
-                </a:tc>
-                <a:tc>
-                  <a:txBody>
-                    <a:bodyPr/>
-                    <a:lstStyle/>
-                    <a:p>
+                  <a:tcPr anchor="ctr"/>
+                </a:tc>
+                <a:tc>
+                  <a:txBody>
+                    <a:bodyPr/>
+                    <a:lstStyle/>
+                    <a:p>
+                      <a:pPr algn="ctr"/>
                       <a:r>
                         <a:rPr lang="ru-RU" dirty="0" smtClean="0"/>
                         <a:t>Новое приложение в магазине,</a:t>
@@ -7768,7 +9003,7 @@
                       <a:endParaRPr lang="ru-RU" dirty="0"/>
                     </a:p>
                   </a:txBody>
-                  <a:tcPr/>
+                  <a:tcPr anchor="ctr"/>
                 </a:tc>
               </a:tr>
               <a:tr h="390580">
@@ -7777,6 +9012,7 @@
                     <a:bodyPr/>
                     <a:lstStyle/>
                     <a:p>
+                      <a:pPr algn="ctr"/>
                       <a:r>
                         <a:rPr lang="ru-RU" dirty="0" smtClean="0"/>
                         <a:t>Судьи конкурса </a:t>
@@ -7792,13 +9028,14 @@
                       <a:endParaRPr lang="ru-RU" dirty="0"/>
                     </a:p>
                   </a:txBody>
-                  <a:tcPr/>
-                </a:tc>
-                <a:tc>
-                  <a:txBody>
-                    <a:bodyPr/>
-                    <a:lstStyle/>
-                    <a:p>
+                  <a:tcPr anchor="ctr"/>
+                </a:tc>
+                <a:tc>
+                  <a:txBody>
+                    <a:bodyPr/>
+                    <a:lstStyle/>
+                    <a:p>
+                      <a:pPr algn="ctr"/>
                       <a:r>
                         <a:rPr lang="ru-RU" dirty="0" smtClean="0"/>
                         <a:t>Критика, советы,</a:t>
@@ -7810,13 +9047,14 @@
                       <a:endParaRPr lang="ru-RU" dirty="0"/>
                     </a:p>
                   </a:txBody>
-                  <a:tcPr/>
-                </a:tc>
-                <a:tc>
-                  <a:txBody>
-                    <a:bodyPr/>
-                    <a:lstStyle/>
-                    <a:p>
+                  <a:tcPr anchor="ctr"/>
+                </a:tc>
+                <a:tc>
+                  <a:txBody>
+                    <a:bodyPr/>
+                    <a:lstStyle/>
+                    <a:p>
+                      <a:pPr algn="ctr"/>
                       <a:r>
                         <a:rPr lang="ru-RU" dirty="0" smtClean="0"/>
                         <a:t>Опыт</a:t>
@@ -7828,7 +9066,7 @@
                       <a:endParaRPr lang="ru-RU" dirty="0"/>
                     </a:p>
                   </a:txBody>
-                  <a:tcPr/>
+                  <a:tcPr anchor="ctr"/>
                 </a:tc>
               </a:tr>
               <a:tr h="390580">
@@ -7837,6 +9075,7 @@
                     <a:bodyPr/>
                     <a:lstStyle/>
                     <a:p>
+                      <a:pPr algn="ctr"/>
                       <a:r>
                         <a:rPr lang="ru-RU" dirty="0" smtClean="0"/>
                         <a:t>Участники конкурса </a:t>
@@ -7848,13 +9087,14 @@
                       <a:endParaRPr lang="ru-RU" dirty="0"/>
                     </a:p>
                   </a:txBody>
-                  <a:tcPr/>
-                </a:tc>
-                <a:tc>
-                  <a:txBody>
-                    <a:bodyPr/>
-                    <a:lstStyle/>
-                    <a:p>
+                  <a:tcPr anchor="ctr"/>
+                </a:tc>
+                <a:tc>
+                  <a:txBody>
+                    <a:bodyPr/>
+                    <a:lstStyle/>
+                    <a:p>
+                      <a:pPr algn="ctr"/>
                       <a:r>
                         <a:rPr lang="ru-RU" dirty="0" smtClean="0"/>
                         <a:t>Критика, знания</a:t>
@@ -7866,13 +9106,14 @@
                       <a:endParaRPr lang="ru-RU" dirty="0"/>
                     </a:p>
                   </a:txBody>
-                  <a:tcPr/>
-                </a:tc>
-                <a:tc>
-                  <a:txBody>
-                    <a:bodyPr/>
-                    <a:lstStyle/>
-                    <a:p>
+                  <a:tcPr anchor="ctr"/>
+                </a:tc>
+                <a:tc>
+                  <a:txBody>
+                    <a:bodyPr/>
+                    <a:lstStyle/>
+                    <a:p>
+                      <a:pPr algn="ctr"/>
                       <a:r>
                         <a:rPr lang="ru-RU" dirty="0" smtClean="0"/>
                         <a:t>Знания об ошибках</a:t>
@@ -7883,7 +9124,7 @@
                       </a:r>
                     </a:p>
                   </a:txBody>
-                  <a:tcPr/>
+                  <a:tcPr anchor="ctr"/>
                 </a:tc>
               </a:tr>
             </a:tbl>
@@ -8202,7 +9443,7 @@
             <p:ph idx="1"/>
             <p:extLst>
               <p:ext uri="{D42A27DB-BD31-4B8C-83A1-F6EECF244321}">
-                <p14:modId xmlns:p14="http://schemas.microsoft.com/office/powerpoint/2010/main" val="3181386337"/>
+                <p14:modId xmlns:p14="http://schemas.microsoft.com/office/powerpoint/2010/main" val="2470313237"/>
               </p:ext>
             </p:extLst>
           </p:nvPr>
@@ -8228,6 +9469,7 @@
                     <a:bodyPr/>
                     <a:lstStyle/>
                     <a:p>
+                      <a:pPr algn="ctr"/>
                       <a:r>
                         <a:rPr lang="ru-RU" dirty="0" smtClean="0"/>
                         <a:t>Веха</a:t>
@@ -8235,7 +9477,7 @@
                       <a:endParaRPr lang="ru-RU" dirty="0"/>
                     </a:p>
                   </a:txBody>
-                  <a:tcPr/>
+                  <a:tcPr anchor="ctr"/>
                 </a:tc>
                 <a:tc>
                   <a:txBody>
@@ -8250,7 +9492,7 @@
                       <a:endParaRPr lang="ru-RU" dirty="0"/>
                     </a:p>
                   </a:txBody>
-                  <a:tcPr/>
+                  <a:tcPr anchor="ctr"/>
                 </a:tc>
                 <a:tc>
                   <a:txBody>
@@ -8265,7 +9507,7 @@
                       <a:endParaRPr lang="ru-RU" dirty="0"/>
                     </a:p>
                   </a:txBody>
-                  <a:tcPr/>
+                  <a:tcPr anchor="ctr"/>
                 </a:tc>
               </a:tr>
               <a:tr h="377484">
@@ -8274,6 +9516,7 @@
                     <a:bodyPr/>
                     <a:lstStyle/>
                     <a:p>
+                      <a:pPr algn="ctr"/>
                       <a:r>
                         <a:rPr lang="ru-RU" dirty="0" smtClean="0"/>
                         <a:t>Маркетинг</a:t>
@@ -8285,7 +9528,7 @@
                       <a:endParaRPr lang="ru-RU" dirty="0"/>
                     </a:p>
                   </a:txBody>
-                  <a:tcPr/>
+                  <a:tcPr anchor="ctr"/>
                 </a:tc>
                 <a:tc>
                   <a:txBody>
@@ -8300,7 +9543,7 @@
                       <a:endParaRPr lang="ru-RU" dirty="0"/>
                     </a:p>
                   </a:txBody>
-                  <a:tcPr/>
+                  <a:tcPr anchor="ctr"/>
                 </a:tc>
                 <a:tc>
                   <a:txBody>
@@ -8315,7 +9558,7 @@
                       <a:endParaRPr lang="ru-RU" dirty="0"/>
                     </a:p>
                   </a:txBody>
-                  <a:tcPr/>
+                  <a:tcPr anchor="ctr"/>
                 </a:tc>
               </a:tr>
               <a:tr h="651549">
@@ -8324,6 +9567,7 @@
                     <a:bodyPr/>
                     <a:lstStyle/>
                     <a:p>
+                      <a:pPr algn="ctr"/>
                       <a:r>
                         <a:rPr lang="ru-RU" dirty="0" smtClean="0"/>
                         <a:t>Проектирование и анализ средств разработки</a:t>
@@ -8331,7 +9575,7 @@
                       <a:endParaRPr lang="ru-RU" dirty="0"/>
                     </a:p>
                   </a:txBody>
-                  <a:tcPr/>
+                  <a:tcPr anchor="ctr"/>
                 </a:tc>
                 <a:tc>
                   <a:txBody>
@@ -8346,7 +9590,7 @@
                       <a:endParaRPr lang="ru-RU" dirty="0"/>
                     </a:p>
                   </a:txBody>
-                  <a:tcPr/>
+                  <a:tcPr anchor="ctr"/>
                 </a:tc>
                 <a:tc>
                   <a:txBody>
@@ -8361,7 +9605,7 @@
                       <a:endParaRPr lang="ru-RU" dirty="0"/>
                     </a:p>
                   </a:txBody>
-                  <a:tcPr/>
+                  <a:tcPr anchor="ctr"/>
                 </a:tc>
               </a:tr>
               <a:tr h="651549">
@@ -8370,6 +9614,7 @@
                     <a:bodyPr/>
                     <a:lstStyle/>
                     <a:p>
+                      <a:pPr algn="ctr"/>
                       <a:r>
                         <a:rPr lang="ru-RU" dirty="0" smtClean="0"/>
                         <a:t>Реализация базовых составляющих</a:t>
@@ -8381,7 +9626,7 @@
                       <a:endParaRPr lang="ru-RU" dirty="0"/>
                     </a:p>
                   </a:txBody>
-                  <a:tcPr/>
+                  <a:tcPr anchor="ctr"/>
                 </a:tc>
                 <a:tc>
                   <a:txBody>
@@ -8396,7 +9641,7 @@
                       <a:endParaRPr lang="ru-RU" dirty="0"/>
                     </a:p>
                   </a:txBody>
-                  <a:tcPr/>
+                  <a:tcPr anchor="ctr"/>
                 </a:tc>
                 <a:tc>
                   <a:txBody>
@@ -8411,7 +9656,7 @@
                       <a:endParaRPr lang="ru-RU" dirty="0"/>
                     </a:p>
                   </a:txBody>
-                  <a:tcPr/>
+                  <a:tcPr anchor="ctr"/>
                 </a:tc>
               </a:tr>
               <a:tr h="651549">
@@ -8420,6 +9665,7 @@
                     <a:bodyPr/>
                     <a:lstStyle/>
                     <a:p>
+                      <a:pPr algn="ctr"/>
                       <a:r>
                         <a:rPr lang="ru-RU" dirty="0" smtClean="0"/>
                         <a:t>Реализация моделей и представлений</a:t>
@@ -8427,7 +9673,7 @@
                       <a:endParaRPr lang="ru-RU" dirty="0"/>
                     </a:p>
                   </a:txBody>
-                  <a:tcPr/>
+                  <a:tcPr anchor="ctr"/>
                 </a:tc>
                 <a:tc>
                   <a:txBody>
@@ -8442,7 +9688,7 @@
                       <a:endParaRPr lang="ru-RU" dirty="0"/>
                     </a:p>
                   </a:txBody>
-                  <a:tcPr/>
+                  <a:tcPr anchor="ctr"/>
                 </a:tc>
                 <a:tc>
                   <a:txBody>
@@ -8457,7 +9703,7 @@
                       <a:endParaRPr lang="ru-RU" dirty="0"/>
                     </a:p>
                   </a:txBody>
-                  <a:tcPr/>
+                  <a:tcPr anchor="ctr"/>
                 </a:tc>
               </a:tr>
               <a:tr h="377484">
@@ -8466,6 +9712,7 @@
                     <a:bodyPr/>
                     <a:lstStyle/>
                     <a:p>
+                      <a:pPr algn="ctr"/>
                       <a:r>
                         <a:rPr lang="ru-RU" dirty="0" smtClean="0"/>
                         <a:t>Работа с </a:t>
@@ -8481,7 +9728,7 @@
                       <a:endParaRPr lang="ru-RU" dirty="0"/>
                     </a:p>
                   </a:txBody>
-                  <a:tcPr/>
+                  <a:tcPr anchor="ctr"/>
                 </a:tc>
                 <a:tc>
                   <a:txBody>
@@ -8496,7 +9743,7 @@
                       <a:endParaRPr lang="ru-RU" dirty="0"/>
                     </a:p>
                   </a:txBody>
-                  <a:tcPr/>
+                  <a:tcPr anchor="ctr"/>
                 </a:tc>
                 <a:tc>
                   <a:txBody>
@@ -8526,7 +9773,7 @@
                       </a:r>
                     </a:p>
                   </a:txBody>
-                  <a:tcPr/>
+                  <a:tcPr anchor="ctr"/>
                 </a:tc>
               </a:tr>
               <a:tr h="377484">
@@ -8535,6 +9782,7 @@
                     <a:bodyPr/>
                     <a:lstStyle/>
                     <a:p>
+                      <a:pPr algn="ctr"/>
                       <a:r>
                         <a:rPr lang="ru-RU" dirty="0" smtClean="0"/>
                         <a:t>Навигация и уведомления</a:t>
@@ -8542,7 +9790,7 @@
                       <a:endParaRPr lang="ru-RU" dirty="0"/>
                     </a:p>
                   </a:txBody>
-                  <a:tcPr/>
+                  <a:tcPr anchor="ctr"/>
                 </a:tc>
                 <a:tc>
                   <a:txBody>
@@ -8557,7 +9805,7 @@
                       <a:endParaRPr lang="ru-RU" dirty="0"/>
                     </a:p>
                   </a:txBody>
-                  <a:tcPr/>
+                  <a:tcPr anchor="ctr"/>
                 </a:tc>
                 <a:tc>
                   <a:txBody>
@@ -8572,7 +9820,7 @@
                       <a:endParaRPr lang="ru-RU" dirty="0"/>
                     </a:p>
                   </a:txBody>
-                  <a:tcPr/>
+                  <a:tcPr anchor="ctr"/>
                 </a:tc>
               </a:tr>
               <a:tr h="377484">
@@ -8581,6 +9829,7 @@
                     <a:bodyPr/>
                     <a:lstStyle/>
                     <a:p>
+                      <a:pPr algn="ctr"/>
                       <a:r>
                         <a:rPr lang="ru-RU" dirty="0" smtClean="0"/>
                         <a:t>Тестирование разработчиками</a:t>
@@ -8588,7 +9837,7 @@
                       <a:endParaRPr lang="ru-RU" dirty="0"/>
                     </a:p>
                   </a:txBody>
-                  <a:tcPr/>
+                  <a:tcPr anchor="ctr"/>
                 </a:tc>
                 <a:tc>
                   <a:txBody>
@@ -8603,7 +9852,7 @@
                       <a:endParaRPr lang="ru-RU" dirty="0"/>
                     </a:p>
                   </a:txBody>
-                  <a:tcPr/>
+                  <a:tcPr anchor="ctr"/>
                 </a:tc>
                 <a:tc>
                   <a:txBody>
@@ -8618,7 +9867,7 @@
                       <a:endParaRPr lang="ru-RU" dirty="0"/>
                     </a:p>
                   </a:txBody>
-                  <a:tcPr/>
+                  <a:tcPr anchor="ctr"/>
                 </a:tc>
               </a:tr>
               <a:tr h="651549">
@@ -8627,6 +9876,7 @@
                     <a:bodyPr/>
                     <a:lstStyle/>
                     <a:p>
+                      <a:pPr algn="ctr"/>
                       <a:r>
                         <a:rPr lang="ru-RU" dirty="0" smtClean="0"/>
                         <a:t>Тестирование пользователями и </a:t>
@@ -8638,7 +9888,7 @@
                       <a:endParaRPr lang="ru-RU" dirty="0"/>
                     </a:p>
                   </a:txBody>
-                  <a:tcPr/>
+                  <a:tcPr anchor="ctr"/>
                 </a:tc>
                 <a:tc>
                   <a:txBody>
@@ -8653,7 +9903,7 @@
                       <a:endParaRPr lang="ru-RU" dirty="0"/>
                     </a:p>
                   </a:txBody>
-                  <a:tcPr/>
+                  <a:tcPr anchor="ctr"/>
                 </a:tc>
                 <a:tc>
                   <a:txBody>
@@ -8668,7 +9918,7 @@
                       <a:endParaRPr lang="ru-RU" dirty="0"/>
                     </a:p>
                   </a:txBody>
-                  <a:tcPr/>
+                  <a:tcPr anchor="ctr"/>
                 </a:tc>
               </a:tr>
               <a:tr h="377484">
@@ -8677,6 +9927,7 @@
                     <a:bodyPr/>
                     <a:lstStyle/>
                     <a:p>
+                      <a:pPr algn="ctr"/>
                       <a:r>
                         <a:rPr lang="ru-RU" dirty="0" smtClean="0"/>
                         <a:t>Развертывание</a:t>
@@ -8684,7 +9935,7 @@
                       <a:endParaRPr lang="ru-RU" dirty="0"/>
                     </a:p>
                   </a:txBody>
-                  <a:tcPr/>
+                  <a:tcPr anchor="ctr"/>
                 </a:tc>
                 <a:tc>
                   <a:txBody>
@@ -8699,7 +9950,7 @@
                       <a:endParaRPr lang="ru-RU" dirty="0"/>
                     </a:p>
                   </a:txBody>
-                  <a:tcPr/>
+                  <a:tcPr anchor="ctr"/>
                 </a:tc>
                 <a:tc>
                   <a:txBody>
@@ -8714,7 +9965,7 @@
                       <a:endParaRPr lang="ru-RU" dirty="0"/>
                     </a:p>
                   </a:txBody>
-                  <a:tcPr/>
+                  <a:tcPr anchor="ctr"/>
                 </a:tc>
               </a:tr>
             </a:tbl>

--- a/Документы/GeoTimePresentation-remake.pptx
+++ b/Документы/GeoTimePresentation-remake.pptx
@@ -5,7 +5,7 @@
     <p:sldMasterId id="2147483648" r:id="rId1"/>
   </p:sldMasterIdLst>
   <p:notesMasterIdLst>
-    <p:notesMasterId r:id="rId18"/>
+    <p:notesMasterId r:id="rId19"/>
   </p:notesMasterIdLst>
   <p:sldIdLst>
     <p:sldId id="256" r:id="rId2"/>
@@ -14,16 +14,17 @@
     <p:sldId id="259" r:id="rId5"/>
     <p:sldId id="261" r:id="rId6"/>
     <p:sldId id="262" r:id="rId7"/>
-    <p:sldId id="263" r:id="rId8"/>
-    <p:sldId id="264" r:id="rId9"/>
-    <p:sldId id="265" r:id="rId10"/>
-    <p:sldId id="266" r:id="rId11"/>
-    <p:sldId id="267" r:id="rId12"/>
-    <p:sldId id="270" r:id="rId13"/>
-    <p:sldId id="269" r:id="rId14"/>
-    <p:sldId id="268" r:id="rId15"/>
-    <p:sldId id="271" r:id="rId16"/>
-    <p:sldId id="272" r:id="rId17"/>
+    <p:sldId id="273" r:id="rId8"/>
+    <p:sldId id="274" r:id="rId9"/>
+    <p:sldId id="263" r:id="rId10"/>
+    <p:sldId id="264" r:id="rId11"/>
+    <p:sldId id="265" r:id="rId12"/>
+    <p:sldId id="266" r:id="rId13"/>
+    <p:sldId id="267" r:id="rId14"/>
+    <p:sldId id="270" r:id="rId15"/>
+    <p:sldId id="269" r:id="rId16"/>
+    <p:sldId id="268" r:id="rId17"/>
+    <p:sldId id="275" r:id="rId18"/>
   </p:sldIdLst>
   <p:sldSz cx="12192000" cy="6858000"/>
   <p:notesSz cx="6858000" cy="9144000"/>
@@ -3444,14 +3445,16 @@
         </p:nvSpPr>
         <p:spPr/>
         <p:txBody>
-          <a:bodyPr/>
+          <a:bodyPr>
+            <a:normAutofit/>
+          </a:bodyPr>
           <a:lstStyle/>
           <a:p>
             <a:r>
-              <a:rPr lang="en-US" dirty="0" err="1" smtClean="0"/>
+              <a:rPr lang="en-US" sz="7200" dirty="0" err="1" smtClean="0"/>
               <a:t>GeoTime</a:t>
             </a:r>
-            <a:endParaRPr lang="ru-RU" dirty="0"/>
+            <a:endParaRPr lang="ru-RU" sz="7200" dirty="0"/>
           </a:p>
         </p:txBody>
       </p:sp>
@@ -3467,14 +3470,138 @@
         </p:nvSpPr>
         <p:spPr/>
         <p:txBody>
-          <a:bodyPr/>
+          <a:bodyPr>
+            <a:normAutofit/>
+          </a:bodyPr>
           <a:lstStyle/>
           <a:p>
             <a:r>
-              <a:rPr lang="ru-RU" dirty="0" smtClean="0"/>
+              <a:rPr lang="ru-RU" sz="2800" dirty="0" smtClean="0"/>
               <a:t>Менеджер логистики Вашего бизнеса</a:t>
             </a:r>
-            <a:endParaRPr lang="ru-RU" dirty="0"/>
+            <a:endParaRPr lang="ru-RU" sz="2800" dirty="0"/>
+          </a:p>
+        </p:txBody>
+      </p:sp>
+      <p:sp>
+        <p:nvSpPr>
+          <p:cNvPr id="4" name="TextBox 3"/>
+          <p:cNvSpPr txBox="1"/>
+          <p:nvPr/>
+        </p:nvSpPr>
+        <p:spPr>
+          <a:xfrm>
+            <a:off x="3437306" y="476032"/>
+            <a:ext cx="5317418" cy="830997"/>
+          </a:xfrm>
+          <a:prstGeom prst="rect">
+            <a:avLst/>
+          </a:prstGeom>
+          <a:noFill/>
+        </p:spPr>
+        <p:txBody>
+          <a:bodyPr wrap="none" rtlCol="0">
+            <a:spAutoFit/>
+          </a:bodyPr>
+          <a:lstStyle/>
+          <a:p>
+            <a:pPr algn="ctr"/>
+            <a:r>
+              <a:rPr lang="ru-RU" sz="2400" dirty="0" smtClean="0"/>
+              <a:t>Национальный исследовательский</a:t>
+            </a:r>
+          </a:p>
+          <a:p>
+            <a:pPr algn="ctr"/>
+            <a:r>
+              <a:rPr lang="ru-RU" sz="2400" dirty="0" smtClean="0"/>
+              <a:t>Томский политехнический университет</a:t>
+            </a:r>
+            <a:endParaRPr lang="ru-RU" sz="2400" dirty="0"/>
+          </a:p>
+        </p:txBody>
+      </p:sp>
+      <p:sp>
+        <p:nvSpPr>
+          <p:cNvPr id="5" name="TextBox 4"/>
+          <p:cNvSpPr txBox="1"/>
+          <p:nvPr/>
+        </p:nvSpPr>
+        <p:spPr>
+          <a:xfrm>
+            <a:off x="8008025" y="4429919"/>
+            <a:ext cx="2442592" cy="1384995"/>
+          </a:xfrm>
+          <a:prstGeom prst="rect">
+            <a:avLst/>
+          </a:prstGeom>
+          <a:noFill/>
+        </p:spPr>
+        <p:txBody>
+          <a:bodyPr wrap="none" rtlCol="0">
+            <a:spAutoFit/>
+          </a:bodyPr>
+          <a:lstStyle/>
+          <a:p>
+            <a:pPr algn="r"/>
+            <a:r>
+              <a:rPr lang="ru-RU" sz="2800" dirty="0" smtClean="0"/>
+              <a:t>А.Ю. </a:t>
+            </a:r>
+            <a:r>
+              <a:rPr lang="ru-RU" sz="2800" dirty="0" err="1" smtClean="0"/>
+              <a:t>Пилецкая</a:t>
+            </a:r>
+            <a:endParaRPr lang="ru-RU" sz="2800" dirty="0" smtClean="0"/>
+          </a:p>
+          <a:p>
+            <a:pPr algn="r"/>
+            <a:r>
+              <a:rPr lang="ru-RU" sz="2800" dirty="0" smtClean="0"/>
+              <a:t>К.А. Костин</a:t>
+            </a:r>
+          </a:p>
+          <a:p>
+            <a:pPr algn="r"/>
+            <a:r>
+              <a:rPr lang="ru-RU" sz="2800" dirty="0" smtClean="0"/>
+              <a:t>ЭТОМ14</a:t>
+            </a:r>
+            <a:endParaRPr lang="ru-RU" sz="2800" dirty="0"/>
+          </a:p>
+        </p:txBody>
+      </p:sp>
+      <p:sp>
+        <p:nvSpPr>
+          <p:cNvPr id="6" name="TextBox 5"/>
+          <p:cNvSpPr txBox="1"/>
+          <p:nvPr/>
+        </p:nvSpPr>
+        <p:spPr>
+          <a:xfrm>
+            <a:off x="5275455" y="5888052"/>
+            <a:ext cx="1641090" cy="461665"/>
+          </a:xfrm>
+          <a:prstGeom prst="rect">
+            <a:avLst/>
+          </a:prstGeom>
+          <a:noFill/>
+        </p:spPr>
+        <p:txBody>
+          <a:bodyPr wrap="none" rtlCol="0">
+            <a:spAutoFit/>
+          </a:bodyPr>
+          <a:lstStyle/>
+          <a:p>
+            <a:r>
+              <a:rPr lang="ru-RU" sz="2400" dirty="0" smtClean="0"/>
+              <a:t>Томск </a:t>
+            </a:r>
+            <a:r>
+              <a:rPr lang="en-US" sz="2400" dirty="0" smtClean="0"/>
+              <a:t>2014</a:t>
+            </a:r>
+            <a:endParaRPr lang="ru-RU" sz="2400" dirty="0"/>
           </a:p>
         </p:txBody>
       </p:sp>
@@ -3525,6 +3652,735 @@
             <p:ph type="title"/>
           </p:nvPr>
         </p:nvSpPr>
+        <p:spPr/>
+        <p:txBody>
+          <a:bodyPr/>
+          <a:lstStyle/>
+          <a:p>
+            <a:r>
+              <a:rPr lang="ru-RU" dirty="0" smtClean="0"/>
+              <a:t>Сетевой график</a:t>
+            </a:r>
+            <a:endParaRPr lang="ru-RU" dirty="0"/>
+          </a:p>
+        </p:txBody>
+      </p:sp>
+      <p:sp>
+        <p:nvSpPr>
+          <p:cNvPr id="4" name="Номер слайда 3"/>
+          <p:cNvSpPr>
+            <a:spLocks noGrp="1"/>
+          </p:cNvSpPr>
+          <p:nvPr>
+            <p:ph type="sldNum" sz="quarter" idx="12"/>
+          </p:nvPr>
+        </p:nvSpPr>
+        <p:spPr/>
+        <p:txBody>
+          <a:bodyPr/>
+          <a:lstStyle/>
+          <a:p>
+            <a:fld id="{2254AEE2-4CF1-4452-9990-F7D689DA22F0}" type="slidenum">
+              <a:rPr lang="ru-RU" smtClean="0"/>
+              <a:t>10</a:t>
+            </a:fld>
+            <a:endParaRPr lang="ru-RU"/>
+          </a:p>
+        </p:txBody>
+      </p:sp>
+      <p:pic>
+        <p:nvPicPr>
+          <p:cNvPr id="23" name="Рисунок 22"/>
+          <p:cNvPicPr>
+            <a:picLocks noChangeAspect="1"/>
+          </p:cNvPicPr>
+          <p:nvPr/>
+        </p:nvPicPr>
+        <p:blipFill>
+          <a:blip r:embed="rId2"/>
+          <a:stretch>
+            <a:fillRect/>
+          </a:stretch>
+        </p:blipFill>
+        <p:spPr>
+          <a:xfrm>
+            <a:off x="496505" y="1837346"/>
+            <a:ext cx="11065955" cy="4332718"/>
+          </a:xfrm>
+          <a:prstGeom prst="rect">
+            <a:avLst/>
+          </a:prstGeom>
+        </p:spPr>
+      </p:pic>
+    </p:spTree>
+    <p:extLst>
+      <p:ext uri="{BB962C8B-B14F-4D97-AF65-F5344CB8AC3E}">
+        <p14:creationId xmlns:p14="http://schemas.microsoft.com/office/powerpoint/2010/main" val="1641884503"/>
+      </p:ext>
+    </p:extLst>
+  </p:cSld>
+  <p:clrMapOvr>
+    <a:masterClrMapping/>
+  </p:clrMapOvr>
+  <p:timing>
+    <p:tnLst>
+      <p:par>
+        <p:cTn id="1" dur="indefinite" restart="never" nodeType="tmRoot"/>
+      </p:par>
+    </p:tnLst>
+  </p:timing>
+</p:sld>
+</file>
+
+<file path=ppt/slides/slide11.xml><?xml version="1.0" encoding="utf-8"?>
+<p:sld xmlns:a="http://schemas.openxmlformats.org/drawingml/2006/main" xmlns:r="http://schemas.openxmlformats.org/officeDocument/2006/relationships" xmlns:p="http://schemas.openxmlformats.org/presentationml/2006/main">
+  <p:cSld>
+    <p:spTree>
+      <p:nvGrpSpPr>
+        <p:cNvPr id="1" name=""/>
+        <p:cNvGrpSpPr/>
+        <p:nvPr/>
+      </p:nvGrpSpPr>
+      <p:grpSpPr>
+        <a:xfrm>
+          <a:off x="0" y="0"/>
+          <a:ext cx="0" cy="0"/>
+          <a:chOff x="0" y="0"/>
+          <a:chExt cx="0" cy="0"/>
+        </a:xfrm>
+      </p:grpSpPr>
+      <p:sp>
+        <p:nvSpPr>
+          <p:cNvPr id="2" name="Заголовок 1"/>
+          <p:cNvSpPr>
+            <a:spLocks noGrp="1"/>
+          </p:cNvSpPr>
+          <p:nvPr>
+            <p:ph type="title"/>
+          </p:nvPr>
+        </p:nvSpPr>
+        <p:spPr/>
+        <p:txBody>
+          <a:bodyPr/>
+          <a:lstStyle/>
+          <a:p>
+            <a:r>
+              <a:rPr lang="ru-RU" dirty="0" smtClean="0"/>
+              <a:t>Вехи</a:t>
+            </a:r>
+            <a:endParaRPr lang="ru-RU" dirty="0"/>
+          </a:p>
+        </p:txBody>
+      </p:sp>
+      <p:graphicFrame>
+        <p:nvGraphicFramePr>
+          <p:cNvPr id="5" name="Объект 4"/>
+          <p:cNvGraphicFramePr>
+            <a:graphicFrameLocks noGrp="1"/>
+          </p:cNvGraphicFramePr>
+          <p:nvPr>
+            <p:ph idx="1"/>
+            <p:extLst>
+              <p:ext uri="{D42A27DB-BD31-4B8C-83A1-F6EECF244321}">
+                <p14:modId xmlns:p14="http://schemas.microsoft.com/office/powerpoint/2010/main" val="2470313237"/>
+              </p:ext>
+            </p:extLst>
+          </p:nvPr>
+        </p:nvGraphicFramePr>
+        <p:xfrm>
+          <a:off x="838200" y="1410058"/>
+          <a:ext cx="10515600" cy="5133696"/>
+        </p:xfrm>
+        <a:graphic>
+          <a:graphicData uri="http://schemas.openxmlformats.org/drawingml/2006/table">
+            <a:tbl>
+              <a:tblPr firstRow="1" bandRow="1">
+                <a:tableStyleId>{93296810-A885-4BE3-A3E7-6D5BEEA58F35}</a:tableStyleId>
+              </a:tblPr>
+              <a:tblGrid>
+                <a:gridCol w="3505200"/>
+                <a:gridCol w="3505200"/>
+                <a:gridCol w="3505200"/>
+              </a:tblGrid>
+              <a:tr h="377484">
+                <a:tc>
+                  <a:txBody>
+                    <a:bodyPr/>
+                    <a:lstStyle/>
+                    <a:p>
+                      <a:pPr algn="ctr"/>
+                      <a:r>
+                        <a:rPr lang="ru-RU" dirty="0" smtClean="0"/>
+                        <a:t>Веха</a:t>
+                      </a:r>
+                      <a:endParaRPr lang="ru-RU" dirty="0"/>
+                    </a:p>
+                  </a:txBody>
+                  <a:tcPr anchor="ctr"/>
+                </a:tc>
+                <a:tc>
+                  <a:txBody>
+                    <a:bodyPr/>
+                    <a:lstStyle/>
+                    <a:p>
+                      <a:pPr algn="ctr"/>
+                      <a:r>
+                        <a:rPr lang="ru-RU" dirty="0" smtClean="0"/>
+                        <a:t>Начало</a:t>
+                      </a:r>
+                      <a:endParaRPr lang="ru-RU" dirty="0"/>
+                    </a:p>
+                  </a:txBody>
+                  <a:tcPr anchor="ctr"/>
+                </a:tc>
+                <a:tc>
+                  <a:txBody>
+                    <a:bodyPr/>
+                    <a:lstStyle/>
+                    <a:p>
+                      <a:pPr algn="ctr"/>
+                      <a:r>
+                        <a:rPr lang="ru-RU" dirty="0" smtClean="0"/>
+                        <a:t>Конец</a:t>
+                      </a:r>
+                      <a:endParaRPr lang="ru-RU" dirty="0"/>
+                    </a:p>
+                  </a:txBody>
+                  <a:tcPr anchor="ctr"/>
+                </a:tc>
+              </a:tr>
+              <a:tr h="377484">
+                <a:tc>
+                  <a:txBody>
+                    <a:bodyPr/>
+                    <a:lstStyle/>
+                    <a:p>
+                      <a:pPr algn="ctr"/>
+                      <a:r>
+                        <a:rPr lang="ru-RU" dirty="0" smtClean="0"/>
+                        <a:t>Маркетинг</a:t>
+                      </a:r>
+                      <a:r>
+                        <a:rPr lang="ru-RU" baseline="0" dirty="0" smtClean="0"/>
+                        <a:t> и анализ предметной области</a:t>
+                      </a:r>
+                      <a:endParaRPr lang="ru-RU" dirty="0"/>
+                    </a:p>
+                  </a:txBody>
+                  <a:tcPr anchor="ctr"/>
+                </a:tc>
+                <a:tc>
+                  <a:txBody>
+                    <a:bodyPr/>
+                    <a:lstStyle/>
+                    <a:p>
+                      <a:pPr algn="ctr"/>
+                      <a:r>
+                        <a:rPr lang="ru-RU" dirty="0" smtClean="0"/>
+                        <a:t>11.10.14</a:t>
+                      </a:r>
+                      <a:endParaRPr lang="ru-RU" dirty="0"/>
+                    </a:p>
+                  </a:txBody>
+                  <a:tcPr anchor="ctr"/>
+                </a:tc>
+                <a:tc>
+                  <a:txBody>
+                    <a:bodyPr/>
+                    <a:lstStyle/>
+                    <a:p>
+                      <a:pPr algn="ctr"/>
+                      <a:r>
+                        <a:rPr lang="ru-RU" dirty="0" smtClean="0"/>
+                        <a:t>06.12.14</a:t>
+                      </a:r>
+                      <a:endParaRPr lang="ru-RU" dirty="0"/>
+                    </a:p>
+                  </a:txBody>
+                  <a:tcPr anchor="ctr"/>
+                </a:tc>
+              </a:tr>
+              <a:tr h="651549">
+                <a:tc>
+                  <a:txBody>
+                    <a:bodyPr/>
+                    <a:lstStyle/>
+                    <a:p>
+                      <a:pPr algn="ctr"/>
+                      <a:r>
+                        <a:rPr lang="ru-RU" dirty="0" smtClean="0"/>
+                        <a:t>Проектирование и анализ средств разработки</a:t>
+                      </a:r>
+                      <a:endParaRPr lang="ru-RU" dirty="0"/>
+                    </a:p>
+                  </a:txBody>
+                  <a:tcPr anchor="ctr"/>
+                </a:tc>
+                <a:tc>
+                  <a:txBody>
+                    <a:bodyPr/>
+                    <a:lstStyle/>
+                    <a:p>
+                      <a:pPr algn="ctr"/>
+                      <a:r>
+                        <a:rPr lang="ru-RU" dirty="0" smtClean="0"/>
+                        <a:t>08.12.14</a:t>
+                      </a:r>
+                      <a:endParaRPr lang="ru-RU" dirty="0"/>
+                    </a:p>
+                  </a:txBody>
+                  <a:tcPr anchor="ctr"/>
+                </a:tc>
+                <a:tc>
+                  <a:txBody>
+                    <a:bodyPr/>
+                    <a:lstStyle/>
+                    <a:p>
+                      <a:pPr algn="ctr"/>
+                      <a:r>
+                        <a:rPr lang="ru-RU" dirty="0" smtClean="0"/>
+                        <a:t>16.12.14</a:t>
+                      </a:r>
+                      <a:endParaRPr lang="ru-RU" dirty="0"/>
+                    </a:p>
+                  </a:txBody>
+                  <a:tcPr anchor="ctr"/>
+                </a:tc>
+              </a:tr>
+              <a:tr h="651549">
+                <a:tc>
+                  <a:txBody>
+                    <a:bodyPr/>
+                    <a:lstStyle/>
+                    <a:p>
+                      <a:pPr algn="ctr"/>
+                      <a:r>
+                        <a:rPr lang="ru-RU" dirty="0" smtClean="0"/>
+                        <a:t>Реализация базовых составляющих</a:t>
+                      </a:r>
+                      <a:r>
+                        <a:rPr lang="ru-RU" baseline="0" dirty="0" smtClean="0"/>
+                        <a:t> БД и интерфейса</a:t>
+                      </a:r>
+                      <a:endParaRPr lang="ru-RU" dirty="0"/>
+                    </a:p>
+                  </a:txBody>
+                  <a:tcPr anchor="ctr"/>
+                </a:tc>
+                <a:tc>
+                  <a:txBody>
+                    <a:bodyPr/>
+                    <a:lstStyle/>
+                    <a:p>
+                      <a:pPr algn="ctr"/>
+                      <a:r>
+                        <a:rPr lang="ru-RU" dirty="0" smtClean="0"/>
+                        <a:t>17.12.14</a:t>
+                      </a:r>
+                      <a:endParaRPr lang="ru-RU" dirty="0"/>
+                    </a:p>
+                  </a:txBody>
+                  <a:tcPr anchor="ctr"/>
+                </a:tc>
+                <a:tc>
+                  <a:txBody>
+                    <a:bodyPr/>
+                    <a:lstStyle/>
+                    <a:p>
+                      <a:pPr algn="ctr"/>
+                      <a:r>
+                        <a:rPr lang="ru-RU" dirty="0" smtClean="0"/>
+                        <a:t>25.12.14</a:t>
+                      </a:r>
+                      <a:endParaRPr lang="ru-RU" dirty="0"/>
+                    </a:p>
+                  </a:txBody>
+                  <a:tcPr anchor="ctr"/>
+                </a:tc>
+              </a:tr>
+              <a:tr h="651549">
+                <a:tc>
+                  <a:txBody>
+                    <a:bodyPr/>
+                    <a:lstStyle/>
+                    <a:p>
+                      <a:pPr algn="ctr"/>
+                      <a:r>
+                        <a:rPr lang="ru-RU" dirty="0" smtClean="0"/>
+                        <a:t>Реализация моделей и представлений</a:t>
+                      </a:r>
+                      <a:endParaRPr lang="ru-RU" dirty="0"/>
+                    </a:p>
+                  </a:txBody>
+                  <a:tcPr anchor="ctr"/>
+                </a:tc>
+                <a:tc>
+                  <a:txBody>
+                    <a:bodyPr/>
+                    <a:lstStyle/>
+                    <a:p>
+                      <a:pPr algn="ctr"/>
+                      <a:r>
+                        <a:rPr lang="ru-RU" dirty="0" smtClean="0"/>
+                        <a:t>26.12.14</a:t>
+                      </a:r>
+                      <a:endParaRPr lang="ru-RU" dirty="0"/>
+                    </a:p>
+                  </a:txBody>
+                  <a:tcPr anchor="ctr"/>
+                </a:tc>
+                <a:tc>
+                  <a:txBody>
+                    <a:bodyPr/>
+                    <a:lstStyle/>
+                    <a:p>
+                      <a:pPr algn="ctr"/>
+                      <a:r>
+                        <a:rPr lang="ru-RU" dirty="0" smtClean="0"/>
+                        <a:t>29.01.14</a:t>
+                      </a:r>
+                      <a:endParaRPr lang="ru-RU" dirty="0"/>
+                    </a:p>
+                  </a:txBody>
+                  <a:tcPr anchor="ctr"/>
+                </a:tc>
+              </a:tr>
+              <a:tr h="377484">
+                <a:tc>
+                  <a:txBody>
+                    <a:bodyPr/>
+                    <a:lstStyle/>
+                    <a:p>
+                      <a:pPr algn="ctr"/>
+                      <a:r>
+                        <a:rPr lang="ru-RU" dirty="0" smtClean="0"/>
+                        <a:t>Работа с </a:t>
+                      </a:r>
+                      <a:r>
+                        <a:rPr lang="en-US" dirty="0" smtClean="0"/>
+                        <a:t>API </a:t>
+                      </a:r>
+                      <a:r>
+                        <a:rPr lang="ru-RU" dirty="0" smtClean="0"/>
+                        <a:t>и пользователями</a:t>
+                      </a:r>
+                      <a:endParaRPr lang="ru-RU" dirty="0"/>
+                    </a:p>
+                  </a:txBody>
+                  <a:tcPr anchor="ctr"/>
+                </a:tc>
+                <a:tc>
+                  <a:txBody>
+                    <a:bodyPr/>
+                    <a:lstStyle/>
+                    <a:p>
+                      <a:pPr algn="ctr"/>
+                      <a:r>
+                        <a:rPr lang="ru-RU" dirty="0" smtClean="0"/>
+                        <a:t>30.01.15</a:t>
+                      </a:r>
+                      <a:endParaRPr lang="ru-RU" dirty="0"/>
+                    </a:p>
+                  </a:txBody>
+                  <a:tcPr anchor="ctr"/>
+                </a:tc>
+                <a:tc>
+                  <a:txBody>
+                    <a:bodyPr/>
+                    <a:lstStyle/>
+                    <a:p>
+                      <a:pPr marL="0" marR="0" indent="0" algn="ctr" defTabSz="914400" rtl="0" eaLnBrk="1" fontAlgn="auto" latinLnBrk="0" hangingPunct="1">
+                        <a:lnSpc>
+                          <a:spcPct val="100000"/>
+                        </a:lnSpc>
+                        <a:spcBef>
+                          <a:spcPts val="0"/>
+                        </a:spcBef>
+                        <a:spcAft>
+                          <a:spcPts val="0"/>
+                        </a:spcAft>
+                        <a:buClrTx/>
+                        <a:buSzTx/>
+                        <a:buFontTx/>
+                        <a:buNone/>
+                        <a:tabLst/>
+                        <a:defRPr/>
+                      </a:pPr>
+                      <a:r>
+                        <a:rPr lang="ru-RU" dirty="0" smtClean="0"/>
+                        <a:t>19.02.15</a:t>
+                      </a:r>
+                    </a:p>
+                  </a:txBody>
+                  <a:tcPr anchor="ctr"/>
+                </a:tc>
+              </a:tr>
+              <a:tr h="377484">
+                <a:tc>
+                  <a:txBody>
+                    <a:bodyPr/>
+                    <a:lstStyle/>
+                    <a:p>
+                      <a:pPr algn="ctr"/>
+                      <a:r>
+                        <a:rPr lang="ru-RU" dirty="0" smtClean="0"/>
+                        <a:t>Навигация и уведомления</a:t>
+                      </a:r>
+                      <a:endParaRPr lang="ru-RU" dirty="0"/>
+                    </a:p>
+                  </a:txBody>
+                  <a:tcPr anchor="ctr"/>
+                </a:tc>
+                <a:tc>
+                  <a:txBody>
+                    <a:bodyPr/>
+                    <a:lstStyle/>
+                    <a:p>
+                      <a:pPr algn="ctr"/>
+                      <a:r>
+                        <a:rPr lang="ru-RU" dirty="0" smtClean="0"/>
+                        <a:t>20.02.15</a:t>
+                      </a:r>
+                      <a:endParaRPr lang="ru-RU" dirty="0"/>
+                    </a:p>
+                  </a:txBody>
+                  <a:tcPr anchor="ctr"/>
+                </a:tc>
+                <a:tc>
+                  <a:txBody>
+                    <a:bodyPr/>
+                    <a:lstStyle/>
+                    <a:p>
+                      <a:pPr algn="ctr"/>
+                      <a:r>
+                        <a:rPr lang="ru-RU" dirty="0" smtClean="0"/>
+                        <a:t>28.02.15</a:t>
+                      </a:r>
+                      <a:endParaRPr lang="ru-RU" dirty="0"/>
+                    </a:p>
+                  </a:txBody>
+                  <a:tcPr anchor="ctr"/>
+                </a:tc>
+              </a:tr>
+              <a:tr h="377484">
+                <a:tc>
+                  <a:txBody>
+                    <a:bodyPr/>
+                    <a:lstStyle/>
+                    <a:p>
+                      <a:pPr algn="ctr"/>
+                      <a:r>
+                        <a:rPr lang="ru-RU" dirty="0" smtClean="0"/>
+                        <a:t>Тестирование разработчиками</a:t>
+                      </a:r>
+                      <a:endParaRPr lang="ru-RU" dirty="0"/>
+                    </a:p>
+                  </a:txBody>
+                  <a:tcPr anchor="ctr"/>
+                </a:tc>
+                <a:tc>
+                  <a:txBody>
+                    <a:bodyPr/>
+                    <a:lstStyle/>
+                    <a:p>
+                      <a:pPr algn="ctr"/>
+                      <a:r>
+                        <a:rPr lang="ru-RU" dirty="0" smtClean="0"/>
+                        <a:t>02.03.15</a:t>
+                      </a:r>
+                      <a:endParaRPr lang="ru-RU" dirty="0"/>
+                    </a:p>
+                  </a:txBody>
+                  <a:tcPr anchor="ctr"/>
+                </a:tc>
+                <a:tc>
+                  <a:txBody>
+                    <a:bodyPr/>
+                    <a:lstStyle/>
+                    <a:p>
+                      <a:pPr algn="ctr"/>
+                      <a:r>
+                        <a:rPr lang="ru-RU" dirty="0" smtClean="0"/>
+                        <a:t>07.03.15</a:t>
+                      </a:r>
+                      <a:endParaRPr lang="ru-RU" dirty="0"/>
+                    </a:p>
+                  </a:txBody>
+                  <a:tcPr anchor="ctr"/>
+                </a:tc>
+              </a:tr>
+              <a:tr h="651549">
+                <a:tc>
+                  <a:txBody>
+                    <a:bodyPr/>
+                    <a:lstStyle/>
+                    <a:p>
+                      <a:pPr algn="ctr"/>
+                      <a:r>
+                        <a:rPr lang="ru-RU" dirty="0" smtClean="0"/>
+                        <a:t>Тестирование пользователями и </a:t>
+                      </a:r>
+                      <a:r>
+                        <a:rPr lang="en-US" dirty="0" smtClean="0"/>
+                        <a:t>bug fix</a:t>
+                      </a:r>
+                      <a:endParaRPr lang="ru-RU" dirty="0"/>
+                    </a:p>
+                  </a:txBody>
+                  <a:tcPr anchor="ctr"/>
+                </a:tc>
+                <a:tc>
+                  <a:txBody>
+                    <a:bodyPr/>
+                    <a:lstStyle/>
+                    <a:p>
+                      <a:pPr algn="ctr"/>
+                      <a:r>
+                        <a:rPr lang="ru-RU" dirty="0" smtClean="0"/>
+                        <a:t>09.03.15</a:t>
+                      </a:r>
+                      <a:endParaRPr lang="ru-RU" dirty="0"/>
+                    </a:p>
+                  </a:txBody>
+                  <a:tcPr anchor="ctr"/>
+                </a:tc>
+                <a:tc>
+                  <a:txBody>
+                    <a:bodyPr/>
+                    <a:lstStyle/>
+                    <a:p>
+                      <a:pPr algn="ctr"/>
+                      <a:r>
+                        <a:rPr lang="ru-RU" dirty="0" smtClean="0"/>
+                        <a:t>19.03.15</a:t>
+                      </a:r>
+                      <a:endParaRPr lang="ru-RU" dirty="0"/>
+                    </a:p>
+                  </a:txBody>
+                  <a:tcPr anchor="ctr"/>
+                </a:tc>
+              </a:tr>
+              <a:tr h="377484">
+                <a:tc>
+                  <a:txBody>
+                    <a:bodyPr/>
+                    <a:lstStyle/>
+                    <a:p>
+                      <a:pPr algn="ctr"/>
+                      <a:r>
+                        <a:rPr lang="ru-RU" dirty="0" smtClean="0"/>
+                        <a:t>Развертывание</a:t>
+                      </a:r>
+                      <a:endParaRPr lang="ru-RU" dirty="0"/>
+                    </a:p>
+                  </a:txBody>
+                  <a:tcPr anchor="ctr"/>
+                </a:tc>
+                <a:tc>
+                  <a:txBody>
+                    <a:bodyPr/>
+                    <a:lstStyle/>
+                    <a:p>
+                      <a:pPr algn="ctr"/>
+                      <a:r>
+                        <a:rPr lang="ru-RU" dirty="0" smtClean="0"/>
+                        <a:t>20.03.15</a:t>
+                      </a:r>
+                      <a:endParaRPr lang="ru-RU" dirty="0"/>
+                    </a:p>
+                  </a:txBody>
+                  <a:tcPr anchor="ctr"/>
+                </a:tc>
+                <a:tc>
+                  <a:txBody>
+                    <a:bodyPr/>
+                    <a:lstStyle/>
+                    <a:p>
+                      <a:pPr algn="ctr"/>
+                      <a:r>
+                        <a:rPr lang="ru-RU" dirty="0" smtClean="0"/>
+                        <a:t>27.03.15</a:t>
+                      </a:r>
+                      <a:endParaRPr lang="ru-RU" dirty="0"/>
+                    </a:p>
+                  </a:txBody>
+                  <a:tcPr anchor="ctr"/>
+                </a:tc>
+              </a:tr>
+            </a:tbl>
+          </a:graphicData>
+        </a:graphic>
+      </p:graphicFrame>
+      <p:sp>
+        <p:nvSpPr>
+          <p:cNvPr id="4" name="Номер слайда 3"/>
+          <p:cNvSpPr>
+            <a:spLocks noGrp="1"/>
+          </p:cNvSpPr>
+          <p:nvPr>
+            <p:ph type="sldNum" sz="quarter" idx="12"/>
+          </p:nvPr>
+        </p:nvSpPr>
+        <p:spPr/>
+        <p:txBody>
+          <a:bodyPr/>
+          <a:lstStyle/>
+          <a:p>
+            <a:fld id="{2254AEE2-4CF1-4452-9990-F7D689DA22F0}" type="slidenum">
+              <a:rPr lang="ru-RU" smtClean="0"/>
+              <a:t>11</a:t>
+            </a:fld>
+            <a:endParaRPr lang="ru-RU"/>
+          </a:p>
+        </p:txBody>
+      </p:sp>
+    </p:spTree>
+    <p:extLst>
+      <p:ext uri="{BB962C8B-B14F-4D97-AF65-F5344CB8AC3E}">
+        <p14:creationId xmlns:p14="http://schemas.microsoft.com/office/powerpoint/2010/main" val="2378418785"/>
+      </p:ext>
+    </p:extLst>
+  </p:cSld>
+  <p:clrMapOvr>
+    <a:masterClrMapping/>
+  </p:clrMapOvr>
+  <p:timing>
+    <p:tnLst>
+      <p:par>
+        <p:cTn id="1" dur="indefinite" restart="never" nodeType="tmRoot"/>
+      </p:par>
+    </p:tnLst>
+  </p:timing>
+</p:sld>
+</file>
+
+<file path=ppt/slides/slide12.xml><?xml version="1.0" encoding="utf-8"?>
+<p:sld xmlns:a="http://schemas.openxmlformats.org/drawingml/2006/main" xmlns:r="http://schemas.openxmlformats.org/officeDocument/2006/relationships" xmlns:p="http://schemas.openxmlformats.org/presentationml/2006/main">
+  <p:cSld>
+    <p:spTree>
+      <p:nvGrpSpPr>
+        <p:cNvPr id="1" name=""/>
+        <p:cNvGrpSpPr/>
+        <p:nvPr/>
+      </p:nvGrpSpPr>
+      <p:grpSpPr>
+        <a:xfrm>
+          <a:off x="0" y="0"/>
+          <a:ext cx="0" cy="0"/>
+          <a:chOff x="0" y="0"/>
+          <a:chExt cx="0" cy="0"/>
+        </a:xfrm>
+      </p:grpSpPr>
+      <p:sp>
+        <p:nvSpPr>
+          <p:cNvPr id="2" name="Заголовок 1"/>
+          <p:cNvSpPr>
+            <a:spLocks noGrp="1"/>
+          </p:cNvSpPr>
+          <p:nvPr>
+            <p:ph type="title"/>
+          </p:nvPr>
+        </p:nvSpPr>
         <p:spPr>
           <a:xfrm>
             <a:off x="838200" y="365126"/>
@@ -3560,7 +4416,7 @@
           <a:p>
             <a:fld id="{2254AEE2-4CF1-4452-9990-F7D689DA22F0}" type="slidenum">
               <a:rPr lang="ru-RU" smtClean="0"/>
-              <a:t>10</a:t>
+              <a:t>12</a:t>
             </a:fld>
             <a:endParaRPr lang="ru-RU"/>
           </a:p>
@@ -3610,7 +4466,7 @@
 </p:sld>
 </file>
 
-<file path=ppt/slides/slide11.xml><?xml version="1.0" encoding="utf-8"?>
+<file path=ppt/slides/slide13.xml><?xml version="1.0" encoding="utf-8"?>
 <p:sld xmlns:a="http://schemas.openxmlformats.org/drawingml/2006/main" xmlns:r="http://schemas.openxmlformats.org/officeDocument/2006/relationships" xmlns:p="http://schemas.openxmlformats.org/presentationml/2006/main">
   <p:cSld>
     <p:spTree>
@@ -3672,7 +4528,7 @@
           <a:p>
             <a:fld id="{2254AEE2-4CF1-4452-9990-F7D689DA22F0}" type="slidenum">
               <a:rPr lang="ru-RU" smtClean="0"/>
-              <a:t>11</a:t>
+              <a:t>13</a:t>
             </a:fld>
             <a:endParaRPr lang="ru-RU"/>
           </a:p>
@@ -4783,7 +5639,7 @@
 </p:sld>
 </file>
 
-<file path=ppt/slides/slide12.xml><?xml version="1.0" encoding="utf-8"?>
+<file path=ppt/slides/slide14.xml><?xml version="1.0" encoding="utf-8"?>
 <p:sld xmlns:a="http://schemas.openxmlformats.org/drawingml/2006/main" xmlns:r="http://schemas.openxmlformats.org/officeDocument/2006/relationships" xmlns:p="http://schemas.openxmlformats.org/presentationml/2006/main">
   <p:cSld>
     <p:spTree>
@@ -5877,7 +6733,7 @@
           <a:p>
             <a:fld id="{2254AEE2-4CF1-4452-9990-F7D689DA22F0}" type="slidenum">
               <a:rPr lang="ru-RU" smtClean="0"/>
-              <a:t>12</a:t>
+              <a:t>14</a:t>
             </a:fld>
             <a:endParaRPr lang="ru-RU"/>
           </a:p>
@@ -5896,7 +6752,7 @@
 </p:sld>
 </file>
 
-<file path=ppt/slides/slide13.xml><?xml version="1.0" encoding="utf-8"?>
+<file path=ppt/slides/slide15.xml><?xml version="1.0" encoding="utf-8"?>
 <p:sld xmlns:a="http://schemas.openxmlformats.org/drawingml/2006/main" xmlns:r="http://schemas.openxmlformats.org/officeDocument/2006/relationships" xmlns:p="http://schemas.openxmlformats.org/presentationml/2006/main">
   <p:cSld>
     <p:spTree>
@@ -5964,7 +6820,7 @@
           <a:p>
             <a:fld id="{2254AEE2-4CF1-4452-9990-F7D689DA22F0}" type="slidenum">
               <a:rPr lang="ru-RU" smtClean="0"/>
-              <a:t>13</a:t>
+              <a:t>15</a:t>
             </a:fld>
             <a:endParaRPr lang="ru-RU"/>
           </a:p>
@@ -6020,7 +6876,7 @@
 </p:sld>
 </file>
 
-<file path=ppt/slides/slide14.xml><?xml version="1.0" encoding="utf-8"?>
+<file path=ppt/slides/slide16.xml><?xml version="1.0" encoding="utf-8"?>
 <p:sld xmlns:a="http://schemas.openxmlformats.org/drawingml/2006/main" xmlns:r="http://schemas.openxmlformats.org/officeDocument/2006/relationships" xmlns:p="http://schemas.openxmlformats.org/presentationml/2006/main">
   <p:cSld>
     <p:spTree>
@@ -6395,7 +7251,7 @@
           <a:p>
             <a:fld id="{2254AEE2-4CF1-4452-9990-F7D689DA22F0}" type="slidenum">
               <a:rPr lang="ru-RU" smtClean="0"/>
-              <a:t>14</a:t>
+              <a:t>16</a:t>
             </a:fld>
             <a:endParaRPr lang="ru-RU"/>
           </a:p>
@@ -6421,7 +7277,7 @@
 </p:sld>
 </file>
 
-<file path=ppt/slides/slide15.xml><?xml version="1.0" encoding="utf-8"?>
+<file path=ppt/slides/slide17.xml><?xml version="1.0" encoding="utf-8"?>
 <p:sld xmlns:a="http://schemas.openxmlformats.org/drawingml/2006/main" xmlns:r="http://schemas.openxmlformats.org/officeDocument/2006/relationships" xmlns:p="http://schemas.openxmlformats.org/presentationml/2006/main">
   <p:cSld>
     <p:spTree>
@@ -6445,876 +7301,177 @@
             <a:spLocks noGrp="1"/>
           </p:cNvSpPr>
           <p:nvPr>
-            <p:ph type="title"/>
+            <p:ph type="ctrTitle"/>
           </p:nvPr>
         </p:nvSpPr>
         <p:spPr/>
         <p:txBody>
-          <a:bodyPr/>
+          <a:bodyPr>
+            <a:normAutofit/>
+          </a:bodyPr>
           <a:lstStyle/>
           <a:p>
             <a:r>
-              <a:rPr lang="ru-RU" dirty="0" smtClean="0"/>
-              <a:t>Анализ рынка. Кодовый замок</a:t>
-            </a:r>
-            <a:endParaRPr lang="ru-RU" dirty="0"/>
-          </a:p>
-        </p:txBody>
-      </p:sp>
-      <p:sp>
-        <p:nvSpPr>
-          <p:cNvPr id="4" name="Номер слайда 3"/>
+              <a:rPr lang="en-US" sz="7200" dirty="0" err="1" smtClean="0"/>
+              <a:t>GeoTime</a:t>
+            </a:r>
+            <a:endParaRPr lang="ru-RU" sz="7200" dirty="0"/>
+          </a:p>
+        </p:txBody>
+      </p:sp>
+      <p:sp>
+        <p:nvSpPr>
+          <p:cNvPr id="3" name="Подзаголовок 2"/>
           <p:cNvSpPr>
             <a:spLocks noGrp="1"/>
           </p:cNvSpPr>
           <p:nvPr>
-            <p:ph type="sldNum" sz="quarter" idx="12"/>
+            <p:ph type="subTitle" idx="1"/>
           </p:nvPr>
         </p:nvSpPr>
         <p:spPr/>
         <p:txBody>
-          <a:bodyPr/>
+          <a:bodyPr>
+            <a:normAutofit/>
+          </a:bodyPr>
           <a:lstStyle/>
           <a:p>
-            <a:fld id="{2254AEE2-4CF1-4452-9990-F7D689DA22F0}" type="slidenum">
-              <a:rPr lang="ru-RU" smtClean="0"/>
-              <a:t>15</a:t>
-            </a:fld>
-            <a:endParaRPr lang="ru-RU"/>
-          </a:p>
-        </p:txBody>
-      </p:sp>
-      <p:graphicFrame>
-        <p:nvGraphicFramePr>
-          <p:cNvPr id="7" name="Объект 6"/>
-          <p:cNvGraphicFramePr>
-            <a:graphicFrameLocks noGrp="1"/>
-          </p:cNvGraphicFramePr>
-          <p:nvPr>
-            <p:ph idx="1"/>
-            <p:extLst>
-              <p:ext uri="{D42A27DB-BD31-4B8C-83A1-F6EECF244321}">
-                <p14:modId xmlns:p14="http://schemas.microsoft.com/office/powerpoint/2010/main" val="3513405892"/>
-              </p:ext>
-            </p:extLst>
-          </p:nvPr>
-        </p:nvGraphicFramePr>
-        <p:xfrm>
-          <a:off x="380999" y="1447799"/>
-          <a:ext cx="11303002" cy="4800602"/>
-        </p:xfrm>
-        <a:graphic>
-          <a:graphicData uri="http://schemas.openxmlformats.org/drawingml/2006/table">
-            <a:tbl>
-              <a:tblPr firstRow="1" firstCol="1" bandRow="1">
-                <a:tableStyleId>{93296810-A885-4BE3-A3E7-6D5BEEA58F35}</a:tableStyleId>
-              </a:tblPr>
-              <a:tblGrid>
-                <a:gridCol w="1841812"/>
-                <a:gridCol w="2018989"/>
-                <a:gridCol w="1873128"/>
-                <a:gridCol w="1893762"/>
-                <a:gridCol w="1893762"/>
-                <a:gridCol w="1781549"/>
-              </a:tblGrid>
-              <a:tr h="895640">
-                <a:tc>
-                  <a:txBody>
-                    <a:bodyPr/>
-                    <a:lstStyle/>
-                    <a:p>
-                      <a:pPr algn="ctr">
-                        <a:lnSpc>
-                          <a:spcPct val="115000"/>
-                        </a:lnSpc>
-                        <a:spcAft>
-                          <a:spcPts val="0"/>
-                        </a:spcAft>
-                      </a:pPr>
-                      <a:r>
-                        <a:rPr lang="ru-RU" sz="1600" dirty="0">
-                          <a:effectLst/>
-                        </a:rPr>
-                        <a:t>Целевая аудитория</a:t>
-                      </a:r>
-                      <a:endParaRPr lang="ru-RU" sz="1200" dirty="0">
-                        <a:effectLst/>
-                        <a:latin typeface="Calibri" panose="020F0502020204030204" pitchFamily="34" charset="0"/>
-                        <a:ea typeface="Calibri" panose="020F0502020204030204" pitchFamily="34" charset="0"/>
-                        <a:cs typeface="Times New Roman" panose="02020603050405020304" pitchFamily="18" charset="0"/>
-                      </a:endParaRPr>
-                    </a:p>
-                  </a:txBody>
-                  <a:tcPr marL="68580" marR="68580" marT="0" marB="0" anchor="ctr"/>
-                </a:tc>
-                <a:tc>
-                  <a:txBody>
-                    <a:bodyPr/>
-                    <a:lstStyle/>
-                    <a:p>
-                      <a:pPr algn="ctr">
-                        <a:lnSpc>
-                          <a:spcPct val="115000"/>
-                        </a:lnSpc>
-                        <a:spcAft>
-                          <a:spcPts val="0"/>
-                        </a:spcAft>
-                      </a:pPr>
-                      <a:r>
-                        <a:rPr lang="ru-RU" sz="1600">
-                          <a:effectLst/>
-                        </a:rPr>
-                        <a:t>Мотивы</a:t>
-                      </a:r>
-                      <a:endParaRPr lang="ru-RU" sz="1200">
-                        <a:effectLst/>
-                        <a:latin typeface="Calibri" panose="020F0502020204030204" pitchFamily="34" charset="0"/>
-                        <a:ea typeface="Calibri" panose="020F0502020204030204" pitchFamily="34" charset="0"/>
-                        <a:cs typeface="Times New Roman" panose="02020603050405020304" pitchFamily="18" charset="0"/>
-                      </a:endParaRPr>
-                    </a:p>
-                  </a:txBody>
-                  <a:tcPr marL="68580" marR="68580" marT="0" marB="0" anchor="ctr"/>
-                </a:tc>
-                <a:tc>
-                  <a:txBody>
-                    <a:bodyPr/>
-                    <a:lstStyle/>
-                    <a:p>
-                      <a:pPr algn="ctr">
-                        <a:lnSpc>
-                          <a:spcPct val="115000"/>
-                        </a:lnSpc>
-                        <a:spcAft>
-                          <a:spcPts val="0"/>
-                        </a:spcAft>
-                      </a:pPr>
-                      <a:r>
-                        <a:rPr lang="ru-RU" sz="1600">
-                          <a:effectLst/>
-                        </a:rPr>
-                        <a:t>Критерий выбора</a:t>
-                      </a:r>
-                      <a:endParaRPr lang="ru-RU" sz="1200">
-                        <a:effectLst/>
-                        <a:latin typeface="Calibri" panose="020F0502020204030204" pitchFamily="34" charset="0"/>
-                        <a:ea typeface="Calibri" panose="020F0502020204030204" pitchFamily="34" charset="0"/>
-                        <a:cs typeface="Times New Roman" panose="02020603050405020304" pitchFamily="18" charset="0"/>
-                      </a:endParaRPr>
-                    </a:p>
-                  </a:txBody>
-                  <a:tcPr marL="68580" marR="68580" marT="0" marB="0" anchor="ctr"/>
-                </a:tc>
-                <a:tc>
-                  <a:txBody>
-                    <a:bodyPr/>
-                    <a:lstStyle/>
-                    <a:p>
-                      <a:pPr algn="ctr">
-                        <a:lnSpc>
-                          <a:spcPct val="115000"/>
-                        </a:lnSpc>
-                        <a:spcAft>
-                          <a:spcPts val="0"/>
-                        </a:spcAft>
-                      </a:pPr>
-                      <a:r>
-                        <a:rPr lang="ru-RU" sz="1600">
-                          <a:effectLst/>
-                        </a:rPr>
-                        <a:t>Качественная характеристика</a:t>
-                      </a:r>
-                      <a:endParaRPr lang="ru-RU" sz="1200">
-                        <a:effectLst/>
-                        <a:latin typeface="Calibri" panose="020F0502020204030204" pitchFamily="34" charset="0"/>
-                        <a:ea typeface="Calibri" panose="020F0502020204030204" pitchFamily="34" charset="0"/>
-                        <a:cs typeface="Times New Roman" panose="02020603050405020304" pitchFamily="18" charset="0"/>
-                      </a:endParaRPr>
-                    </a:p>
-                  </a:txBody>
-                  <a:tcPr marL="68580" marR="68580" marT="0" marB="0" anchor="ctr"/>
-                </a:tc>
-                <a:tc>
-                  <a:txBody>
-                    <a:bodyPr/>
-                    <a:lstStyle/>
-                    <a:p>
-                      <a:pPr algn="ctr">
-                        <a:lnSpc>
-                          <a:spcPct val="115000"/>
-                        </a:lnSpc>
-                        <a:spcAft>
-                          <a:spcPts val="0"/>
-                        </a:spcAft>
-                      </a:pPr>
-                      <a:r>
-                        <a:rPr lang="ru-RU" sz="1600">
-                          <a:effectLst/>
-                        </a:rPr>
-                        <a:t>Уникальное торговое предложение</a:t>
-                      </a:r>
-                      <a:endParaRPr lang="ru-RU" sz="1200">
-                        <a:effectLst/>
-                        <a:latin typeface="Calibri" panose="020F0502020204030204" pitchFamily="34" charset="0"/>
-                        <a:ea typeface="Calibri" panose="020F0502020204030204" pitchFamily="34" charset="0"/>
-                        <a:cs typeface="Times New Roman" panose="02020603050405020304" pitchFamily="18" charset="0"/>
-                      </a:endParaRPr>
-                    </a:p>
-                  </a:txBody>
-                  <a:tcPr marL="68580" marR="68580" marT="0" marB="0" anchor="ctr"/>
-                </a:tc>
-                <a:tc>
-                  <a:txBody>
-                    <a:bodyPr/>
-                    <a:lstStyle/>
-                    <a:p>
-                      <a:pPr algn="ctr">
-                        <a:lnSpc>
-                          <a:spcPct val="115000"/>
-                        </a:lnSpc>
-                        <a:spcAft>
-                          <a:spcPts val="0"/>
-                        </a:spcAft>
-                      </a:pPr>
-                      <a:r>
-                        <a:rPr lang="ru-RU" sz="1600">
-                          <a:effectLst/>
-                        </a:rPr>
-                        <a:t>Ресурсы</a:t>
-                      </a:r>
-                      <a:endParaRPr lang="ru-RU" sz="1200">
-                        <a:effectLst/>
-                        <a:latin typeface="Calibri" panose="020F0502020204030204" pitchFamily="34" charset="0"/>
-                        <a:ea typeface="Calibri" panose="020F0502020204030204" pitchFamily="34" charset="0"/>
-                        <a:cs typeface="Times New Roman" panose="02020603050405020304" pitchFamily="18" charset="0"/>
-                      </a:endParaRPr>
-                    </a:p>
-                  </a:txBody>
-                  <a:tcPr marL="68580" marR="68580" marT="0" marB="0" anchor="ctr"/>
-                </a:tc>
-              </a:tr>
-              <a:tr h="1504660">
-                <a:tc>
-                  <a:txBody>
-                    <a:bodyPr/>
-                    <a:lstStyle/>
-                    <a:p>
-                      <a:pPr algn="ctr">
-                        <a:lnSpc>
-                          <a:spcPct val="115000"/>
-                        </a:lnSpc>
-                        <a:spcAft>
-                          <a:spcPts val="0"/>
-                        </a:spcAft>
-                      </a:pPr>
-                      <a:r>
-                        <a:rPr lang="ru-RU" sz="1600">
-                          <a:effectLst/>
-                        </a:rPr>
-                        <a:t>Молодой руководитель тех. отдела</a:t>
-                      </a:r>
-                      <a:endParaRPr lang="ru-RU" sz="1200">
-                        <a:effectLst/>
-                        <a:latin typeface="Calibri" panose="020F0502020204030204" pitchFamily="34" charset="0"/>
-                        <a:ea typeface="Calibri" panose="020F0502020204030204" pitchFamily="34" charset="0"/>
-                        <a:cs typeface="Times New Roman" panose="02020603050405020304" pitchFamily="18" charset="0"/>
-                      </a:endParaRPr>
-                    </a:p>
-                  </a:txBody>
-                  <a:tcPr marL="68580" marR="68580" marT="0" marB="0" anchor="ctr"/>
-                </a:tc>
-                <a:tc>
-                  <a:txBody>
-                    <a:bodyPr/>
-                    <a:lstStyle/>
-                    <a:p>
-                      <a:pPr algn="ctr">
-                        <a:lnSpc>
-                          <a:spcPct val="115000"/>
-                        </a:lnSpc>
-                        <a:spcAft>
-                          <a:spcPts val="0"/>
-                        </a:spcAft>
-                      </a:pPr>
-                      <a:r>
-                        <a:rPr lang="ru-RU" sz="1600">
-                          <a:effectLst/>
-                        </a:rPr>
-                        <a:t>Благосклонность начальства из-за рационализаторских предложений</a:t>
-                      </a:r>
-                      <a:endParaRPr lang="ru-RU" sz="1200">
-                        <a:effectLst/>
-                        <a:latin typeface="Calibri" panose="020F0502020204030204" pitchFamily="34" charset="0"/>
-                        <a:ea typeface="Calibri" panose="020F0502020204030204" pitchFamily="34" charset="0"/>
-                        <a:cs typeface="Times New Roman" panose="02020603050405020304" pitchFamily="18" charset="0"/>
-                      </a:endParaRPr>
-                    </a:p>
-                  </a:txBody>
-                  <a:tcPr marL="68580" marR="68580" marT="0" marB="0" anchor="ctr"/>
-                </a:tc>
-                <a:tc>
-                  <a:txBody>
-                    <a:bodyPr/>
-                    <a:lstStyle/>
-                    <a:p>
-                      <a:pPr algn="ctr">
-                        <a:lnSpc>
-                          <a:spcPct val="115000"/>
-                        </a:lnSpc>
-                        <a:spcAft>
-                          <a:spcPts val="0"/>
-                        </a:spcAft>
-                      </a:pPr>
-                      <a:r>
-                        <a:rPr lang="ru-RU" sz="1600">
-                          <a:effectLst/>
-                        </a:rPr>
-                        <a:t>Автоматизировать процесс</a:t>
-                      </a:r>
-                      <a:endParaRPr lang="ru-RU" sz="1200">
-                        <a:effectLst/>
-                        <a:latin typeface="Calibri" panose="020F0502020204030204" pitchFamily="34" charset="0"/>
-                        <a:ea typeface="Calibri" panose="020F0502020204030204" pitchFamily="34" charset="0"/>
-                        <a:cs typeface="Times New Roman" panose="02020603050405020304" pitchFamily="18" charset="0"/>
-                      </a:endParaRPr>
-                    </a:p>
-                  </a:txBody>
-                  <a:tcPr marL="68580" marR="68580" marT="0" marB="0" anchor="ctr"/>
-                </a:tc>
-                <a:tc>
-                  <a:txBody>
-                    <a:bodyPr/>
-                    <a:lstStyle/>
-                    <a:p>
-                      <a:pPr algn="ctr">
-                        <a:lnSpc>
-                          <a:spcPct val="115000"/>
-                        </a:lnSpc>
-                        <a:spcAft>
-                          <a:spcPts val="0"/>
-                        </a:spcAft>
-                      </a:pPr>
-                      <a:r>
-                        <a:rPr lang="ru-RU" sz="1600">
-                          <a:effectLst/>
-                        </a:rPr>
-                        <a:t>Составление маршрутов перекладывается на программную систему</a:t>
-                      </a:r>
-                      <a:endParaRPr lang="ru-RU" sz="1200">
-                        <a:effectLst/>
-                        <a:latin typeface="Calibri" panose="020F0502020204030204" pitchFamily="34" charset="0"/>
-                        <a:ea typeface="Calibri" panose="020F0502020204030204" pitchFamily="34" charset="0"/>
-                        <a:cs typeface="Times New Roman" panose="02020603050405020304" pitchFamily="18" charset="0"/>
-                      </a:endParaRPr>
-                    </a:p>
-                  </a:txBody>
-                  <a:tcPr marL="68580" marR="68580" marT="0" marB="0" anchor="ctr"/>
-                </a:tc>
-                <a:tc>
-                  <a:txBody>
-                    <a:bodyPr/>
-                    <a:lstStyle/>
-                    <a:p>
-                      <a:pPr algn="ctr">
-                        <a:lnSpc>
-                          <a:spcPct val="115000"/>
-                        </a:lnSpc>
-                        <a:spcAft>
-                          <a:spcPts val="0"/>
-                        </a:spcAft>
-                      </a:pPr>
-                      <a:r>
-                        <a:rPr lang="ru-RU" sz="1600">
-                          <a:effectLst/>
-                        </a:rPr>
-                        <a:t>Предоставь эту работу нам</a:t>
-                      </a:r>
-                      <a:endParaRPr lang="ru-RU" sz="1200">
-                        <a:effectLst/>
-                        <a:latin typeface="Calibri" panose="020F0502020204030204" pitchFamily="34" charset="0"/>
-                        <a:ea typeface="Calibri" panose="020F0502020204030204" pitchFamily="34" charset="0"/>
-                        <a:cs typeface="Times New Roman" panose="02020603050405020304" pitchFamily="18" charset="0"/>
-                      </a:endParaRPr>
-                    </a:p>
-                  </a:txBody>
-                  <a:tcPr marL="68580" marR="68580" marT="0" marB="0" anchor="ctr"/>
-                </a:tc>
-                <a:tc>
-                  <a:txBody>
-                    <a:bodyPr/>
-                    <a:lstStyle/>
-                    <a:p>
-                      <a:pPr algn="ctr">
-                        <a:lnSpc>
-                          <a:spcPct val="115000"/>
-                        </a:lnSpc>
-                        <a:spcAft>
-                          <a:spcPts val="0"/>
-                        </a:spcAft>
-                      </a:pPr>
-                      <a:r>
-                        <a:rPr lang="ru-RU" sz="1600">
-                          <a:effectLst/>
-                        </a:rPr>
-                        <a:t>Алгоритмы, разработчики</a:t>
-                      </a:r>
-                      <a:endParaRPr lang="ru-RU" sz="1200">
-                        <a:effectLst/>
-                        <a:latin typeface="Calibri" panose="020F0502020204030204" pitchFamily="34" charset="0"/>
-                        <a:ea typeface="Calibri" panose="020F0502020204030204" pitchFamily="34" charset="0"/>
-                        <a:cs typeface="Times New Roman" panose="02020603050405020304" pitchFamily="18" charset="0"/>
-                      </a:endParaRPr>
-                    </a:p>
-                  </a:txBody>
-                  <a:tcPr marL="68580" marR="68580" marT="0" marB="0" anchor="ctr"/>
-                </a:tc>
-              </a:tr>
-              <a:tr h="1200151">
-                <a:tc rowSpan="2">
-                  <a:txBody>
-                    <a:bodyPr/>
-                    <a:lstStyle/>
-                    <a:p>
-                      <a:pPr algn="ctr">
-                        <a:lnSpc>
-                          <a:spcPct val="115000"/>
-                        </a:lnSpc>
-                        <a:spcAft>
-                          <a:spcPts val="0"/>
-                        </a:spcAft>
-                      </a:pPr>
-                      <a:r>
-                        <a:rPr lang="ru-RU" sz="1600">
-                          <a:effectLst/>
-                        </a:rPr>
-                        <a:t>Руководитель отдела логистики</a:t>
-                      </a:r>
-                      <a:endParaRPr lang="ru-RU" sz="1200">
-                        <a:effectLst/>
-                        <a:latin typeface="Calibri" panose="020F0502020204030204" pitchFamily="34" charset="0"/>
-                        <a:ea typeface="Calibri" panose="020F0502020204030204" pitchFamily="34" charset="0"/>
-                        <a:cs typeface="Times New Roman" panose="02020603050405020304" pitchFamily="18" charset="0"/>
-                      </a:endParaRPr>
-                    </a:p>
-                  </a:txBody>
-                  <a:tcPr marL="68580" marR="68580" marT="0" marB="0" anchor="ctr"/>
-                </a:tc>
-                <a:tc rowSpan="2">
-                  <a:txBody>
-                    <a:bodyPr/>
-                    <a:lstStyle/>
-                    <a:p>
-                      <a:pPr algn="ctr">
-                        <a:lnSpc>
-                          <a:spcPct val="107000"/>
-                        </a:lnSpc>
-                        <a:spcAft>
-                          <a:spcPts val="0"/>
-                        </a:spcAft>
-                      </a:pPr>
-                      <a:r>
-                        <a:rPr lang="ru-RU" sz="1600">
-                          <a:effectLst/>
-                        </a:rPr>
-                        <a:t>Желание все контролировать</a:t>
-                      </a:r>
-                      <a:endParaRPr lang="ru-RU" sz="1200">
-                        <a:effectLst/>
-                        <a:latin typeface="Calibri" panose="020F0502020204030204" pitchFamily="34" charset="0"/>
-                        <a:ea typeface="Calibri" panose="020F0502020204030204" pitchFamily="34" charset="0"/>
-                        <a:cs typeface="Times New Roman" panose="02020603050405020304" pitchFamily="18" charset="0"/>
-                      </a:endParaRPr>
-                    </a:p>
-                  </a:txBody>
-                  <a:tcPr marL="68580" marR="68580" marT="0" marB="0" anchor="ctr"/>
-                </a:tc>
-                <a:tc>
-                  <a:txBody>
-                    <a:bodyPr/>
-                    <a:lstStyle/>
-                    <a:p>
-                      <a:pPr algn="ctr">
-                        <a:lnSpc>
-                          <a:spcPct val="115000"/>
-                        </a:lnSpc>
-                        <a:spcAft>
-                          <a:spcPts val="0"/>
-                        </a:spcAft>
-                      </a:pPr>
-                      <a:r>
-                        <a:rPr lang="ru-RU" sz="1600">
-                          <a:effectLst/>
-                        </a:rPr>
-                        <a:t>Централизованное управление доставкой</a:t>
-                      </a:r>
-                      <a:endParaRPr lang="ru-RU" sz="1200">
-                        <a:effectLst/>
-                        <a:latin typeface="Calibri" panose="020F0502020204030204" pitchFamily="34" charset="0"/>
-                        <a:ea typeface="Calibri" panose="020F0502020204030204" pitchFamily="34" charset="0"/>
-                        <a:cs typeface="Times New Roman" panose="02020603050405020304" pitchFamily="18" charset="0"/>
-                      </a:endParaRPr>
-                    </a:p>
-                  </a:txBody>
-                  <a:tcPr marL="68580" marR="68580" marT="0" marB="0" anchor="ctr"/>
-                </a:tc>
-                <a:tc>
-                  <a:txBody>
-                    <a:bodyPr/>
-                    <a:lstStyle/>
-                    <a:p>
-                      <a:pPr algn="ctr">
-                        <a:lnSpc>
-                          <a:spcPct val="115000"/>
-                        </a:lnSpc>
-                        <a:spcAft>
-                          <a:spcPts val="0"/>
-                        </a:spcAft>
-                      </a:pPr>
-                      <a:r>
-                        <a:rPr lang="ru-RU" sz="1600">
-                          <a:effectLst/>
-                        </a:rPr>
-                        <a:t>Разделение ролей в системе на менеджеров и исполнителей </a:t>
-                      </a:r>
-                      <a:endParaRPr lang="ru-RU" sz="1200">
-                        <a:effectLst/>
-                        <a:latin typeface="Calibri" panose="020F0502020204030204" pitchFamily="34" charset="0"/>
-                        <a:ea typeface="Calibri" panose="020F0502020204030204" pitchFamily="34" charset="0"/>
-                        <a:cs typeface="Times New Roman" panose="02020603050405020304" pitchFamily="18" charset="0"/>
-                      </a:endParaRPr>
-                    </a:p>
-                  </a:txBody>
-                  <a:tcPr marL="68580" marR="68580" marT="0" marB="0" anchor="ctr"/>
-                </a:tc>
-                <a:tc>
-                  <a:txBody>
-                    <a:bodyPr/>
-                    <a:lstStyle/>
-                    <a:p>
-                      <a:pPr algn="ctr">
-                        <a:lnSpc>
-                          <a:spcPct val="115000"/>
-                        </a:lnSpc>
-                        <a:spcAft>
-                          <a:spcPts val="0"/>
-                        </a:spcAft>
-                      </a:pPr>
-                      <a:r>
-                        <a:rPr lang="ru-RU" sz="1600">
-                          <a:effectLst/>
-                        </a:rPr>
-                        <a:t>Разделяй и властвуй </a:t>
-                      </a:r>
-                      <a:endParaRPr lang="ru-RU" sz="1200">
-                        <a:effectLst/>
-                        <a:latin typeface="Calibri" panose="020F0502020204030204" pitchFamily="34" charset="0"/>
-                        <a:ea typeface="Calibri" panose="020F0502020204030204" pitchFamily="34" charset="0"/>
-                        <a:cs typeface="Times New Roman" panose="02020603050405020304" pitchFamily="18" charset="0"/>
-                      </a:endParaRPr>
-                    </a:p>
-                  </a:txBody>
-                  <a:tcPr marL="68580" marR="68580" marT="0" marB="0" anchor="ctr"/>
-                </a:tc>
-                <a:tc>
-                  <a:txBody>
-                    <a:bodyPr/>
-                    <a:lstStyle/>
-                    <a:p>
-                      <a:pPr algn="ctr">
-                        <a:lnSpc>
-                          <a:spcPct val="115000"/>
-                        </a:lnSpc>
-                        <a:spcAft>
-                          <a:spcPts val="0"/>
-                        </a:spcAft>
-                      </a:pPr>
-                      <a:r>
-                        <a:rPr lang="en-US" sz="1600">
-                          <a:effectLst/>
-                        </a:rPr>
-                        <a:t>BizSpark, </a:t>
-                      </a:r>
-                      <a:r>
-                        <a:rPr lang="ru-RU" sz="1600">
-                          <a:effectLst/>
-                        </a:rPr>
-                        <a:t>разработчики</a:t>
-                      </a:r>
-                      <a:endParaRPr lang="ru-RU" sz="1200">
-                        <a:effectLst/>
-                        <a:latin typeface="Calibri" panose="020F0502020204030204" pitchFamily="34" charset="0"/>
-                        <a:ea typeface="Calibri" panose="020F0502020204030204" pitchFamily="34" charset="0"/>
-                        <a:cs typeface="Times New Roman" panose="02020603050405020304" pitchFamily="18" charset="0"/>
-                      </a:endParaRPr>
-                    </a:p>
-                  </a:txBody>
-                  <a:tcPr marL="68580" marR="68580" marT="0" marB="0" anchor="ctr"/>
-                </a:tc>
-              </a:tr>
-              <a:tr h="1200151">
-                <a:tc vMerge="1">
-                  <a:txBody>
-                    <a:bodyPr/>
-                    <a:lstStyle/>
-                    <a:p>
-                      <a:endParaRPr lang="ru-RU"/>
-                    </a:p>
-                  </a:txBody>
-                  <a:tcPr/>
-                </a:tc>
-                <a:tc vMerge="1">
-                  <a:txBody>
-                    <a:bodyPr/>
-                    <a:lstStyle/>
-                    <a:p>
-                      <a:endParaRPr lang="ru-RU"/>
-                    </a:p>
-                  </a:txBody>
-                  <a:tcPr/>
-                </a:tc>
-                <a:tc>
-                  <a:txBody>
-                    <a:bodyPr/>
-                    <a:lstStyle/>
-                    <a:p>
-                      <a:pPr algn="ctr">
-                        <a:lnSpc>
-                          <a:spcPct val="115000"/>
-                        </a:lnSpc>
-                        <a:spcAft>
-                          <a:spcPts val="0"/>
-                        </a:spcAft>
-                      </a:pPr>
-                      <a:r>
-                        <a:rPr lang="ru-RU" sz="1600">
-                          <a:effectLst/>
-                        </a:rPr>
-                        <a:t>Контроль за доставкой</a:t>
-                      </a:r>
-                      <a:endParaRPr lang="ru-RU" sz="1200">
-                        <a:effectLst/>
-                        <a:latin typeface="Calibri" panose="020F0502020204030204" pitchFamily="34" charset="0"/>
-                        <a:ea typeface="Calibri" panose="020F0502020204030204" pitchFamily="34" charset="0"/>
-                        <a:cs typeface="Times New Roman" panose="02020603050405020304" pitchFamily="18" charset="0"/>
-                      </a:endParaRPr>
-                    </a:p>
-                  </a:txBody>
-                  <a:tcPr marL="68580" marR="68580" marT="0" marB="0" anchor="ctr"/>
-                </a:tc>
-                <a:tc>
-                  <a:txBody>
-                    <a:bodyPr/>
-                    <a:lstStyle/>
-                    <a:p>
-                      <a:pPr algn="ctr">
-                        <a:lnSpc>
-                          <a:spcPct val="115000"/>
-                        </a:lnSpc>
-                        <a:spcAft>
-                          <a:spcPts val="0"/>
-                        </a:spcAft>
-                      </a:pPr>
-                      <a:r>
-                        <a:rPr lang="ru-RU" sz="1600">
-                          <a:effectLst/>
-                        </a:rPr>
-                        <a:t>Отслеживание местоположения с помощью ГЛОНАСС/</a:t>
-                      </a:r>
-                      <a:r>
-                        <a:rPr lang="en-US" sz="1600">
-                          <a:effectLst/>
-                        </a:rPr>
-                        <a:t>GPS</a:t>
-                      </a:r>
-                      <a:endParaRPr lang="ru-RU" sz="1200">
-                        <a:effectLst/>
-                        <a:latin typeface="Calibri" panose="020F0502020204030204" pitchFamily="34" charset="0"/>
-                        <a:ea typeface="Calibri" panose="020F0502020204030204" pitchFamily="34" charset="0"/>
-                        <a:cs typeface="Times New Roman" panose="02020603050405020304" pitchFamily="18" charset="0"/>
-                      </a:endParaRPr>
-                    </a:p>
-                  </a:txBody>
-                  <a:tcPr marL="68580" marR="68580" marT="0" marB="0" anchor="ctr"/>
-                </a:tc>
-                <a:tc>
-                  <a:txBody>
-                    <a:bodyPr/>
-                    <a:lstStyle/>
-                    <a:p>
-                      <a:pPr algn="ctr">
-                        <a:lnSpc>
-                          <a:spcPct val="115000"/>
-                        </a:lnSpc>
-                        <a:spcAft>
-                          <a:spcPts val="0"/>
-                        </a:spcAft>
-                      </a:pPr>
-                      <a:r>
-                        <a:rPr lang="ru-RU" sz="1600">
-                          <a:effectLst/>
-                        </a:rPr>
-                        <a:t>Геолокация на службе у бизнеса</a:t>
-                      </a:r>
-                      <a:endParaRPr lang="ru-RU" sz="1200">
-                        <a:effectLst/>
-                        <a:latin typeface="Calibri" panose="020F0502020204030204" pitchFamily="34" charset="0"/>
-                        <a:ea typeface="Calibri" panose="020F0502020204030204" pitchFamily="34" charset="0"/>
-                        <a:cs typeface="Times New Roman" panose="02020603050405020304" pitchFamily="18" charset="0"/>
-                      </a:endParaRPr>
-                    </a:p>
-                  </a:txBody>
-                  <a:tcPr marL="68580" marR="68580" marT="0" marB="0" anchor="ctr"/>
-                </a:tc>
-                <a:tc>
-                  <a:txBody>
-                    <a:bodyPr/>
-                    <a:lstStyle/>
-                    <a:p>
-                      <a:pPr algn="ctr">
-                        <a:lnSpc>
-                          <a:spcPct val="115000"/>
-                        </a:lnSpc>
-                        <a:spcAft>
-                          <a:spcPts val="0"/>
-                        </a:spcAft>
-                      </a:pPr>
-                      <a:r>
-                        <a:rPr lang="ru-RU" sz="1600" dirty="0">
-                          <a:effectLst/>
-                        </a:rPr>
-                        <a:t>Разработчики </a:t>
-                      </a:r>
-                      <a:endParaRPr lang="ru-RU" sz="1200" dirty="0">
-                        <a:effectLst/>
-                        <a:latin typeface="Calibri" panose="020F0502020204030204" pitchFamily="34" charset="0"/>
-                        <a:ea typeface="Calibri" panose="020F0502020204030204" pitchFamily="34" charset="0"/>
-                        <a:cs typeface="Times New Roman" panose="02020603050405020304" pitchFamily="18" charset="0"/>
-                      </a:endParaRPr>
-                    </a:p>
-                  </a:txBody>
-                  <a:tcPr marL="68580" marR="68580" marT="0" marB="0" anchor="ctr"/>
-                </a:tc>
-              </a:tr>
-            </a:tbl>
-          </a:graphicData>
-        </a:graphic>
-      </p:graphicFrame>
+            <a:r>
+              <a:rPr lang="ru-RU" sz="2800" dirty="0" smtClean="0"/>
+              <a:t>Менеджер логистики Вашего бизнеса</a:t>
+            </a:r>
+            <a:endParaRPr lang="ru-RU" sz="2800" dirty="0"/>
+          </a:p>
+        </p:txBody>
+      </p:sp>
+      <p:sp>
+        <p:nvSpPr>
+          <p:cNvPr id="4" name="TextBox 3"/>
+          <p:cNvSpPr txBox="1"/>
+          <p:nvPr/>
+        </p:nvSpPr>
+        <p:spPr>
+          <a:xfrm>
+            <a:off x="3437306" y="476032"/>
+            <a:ext cx="5317418" cy="830997"/>
+          </a:xfrm>
+          <a:prstGeom prst="rect">
+            <a:avLst/>
+          </a:prstGeom>
+          <a:noFill/>
+        </p:spPr>
+        <p:txBody>
+          <a:bodyPr wrap="none" rtlCol="0">
+            <a:spAutoFit/>
+          </a:bodyPr>
+          <a:lstStyle/>
+          <a:p>
+            <a:pPr algn="ctr"/>
+            <a:r>
+              <a:rPr lang="ru-RU" sz="2400" dirty="0" smtClean="0"/>
+              <a:t>Национальный исследовательский</a:t>
+            </a:r>
+          </a:p>
+          <a:p>
+            <a:pPr algn="ctr"/>
+            <a:r>
+              <a:rPr lang="ru-RU" sz="2400" dirty="0" smtClean="0"/>
+              <a:t>Томский политехнический университет</a:t>
+            </a:r>
+            <a:endParaRPr lang="ru-RU" sz="2400" dirty="0"/>
+          </a:p>
+        </p:txBody>
+      </p:sp>
+      <p:sp>
+        <p:nvSpPr>
+          <p:cNvPr id="5" name="TextBox 4"/>
+          <p:cNvSpPr txBox="1"/>
+          <p:nvPr/>
+        </p:nvSpPr>
+        <p:spPr>
+          <a:xfrm>
+            <a:off x="8008025" y="4429919"/>
+            <a:ext cx="2442592" cy="1384995"/>
+          </a:xfrm>
+          <a:prstGeom prst="rect">
+            <a:avLst/>
+          </a:prstGeom>
+          <a:noFill/>
+        </p:spPr>
+        <p:txBody>
+          <a:bodyPr wrap="none" rtlCol="0">
+            <a:spAutoFit/>
+          </a:bodyPr>
+          <a:lstStyle/>
+          <a:p>
+            <a:pPr algn="r"/>
+            <a:r>
+              <a:rPr lang="ru-RU" sz="2800" dirty="0" smtClean="0"/>
+              <a:t>А.Ю. </a:t>
+            </a:r>
+            <a:r>
+              <a:rPr lang="ru-RU" sz="2800" dirty="0" err="1" smtClean="0"/>
+              <a:t>Пилецкая</a:t>
+            </a:r>
+            <a:endParaRPr lang="ru-RU" sz="2800" dirty="0" smtClean="0"/>
+          </a:p>
+          <a:p>
+            <a:pPr algn="r"/>
+            <a:r>
+              <a:rPr lang="ru-RU" sz="2800" dirty="0" smtClean="0"/>
+              <a:t>К.А. Костин</a:t>
+            </a:r>
+          </a:p>
+          <a:p>
+            <a:pPr algn="r"/>
+            <a:r>
+              <a:rPr lang="en-US" sz="2800" dirty="0" smtClean="0">
+                <a:hlinkClick r:id="rId2"/>
+              </a:rPr>
+              <a:t>kak@tpu.ru</a:t>
+            </a:r>
+            <a:endParaRPr lang="ru-RU" sz="2800" dirty="0"/>
+          </a:p>
+        </p:txBody>
+      </p:sp>
+      <p:sp>
+        <p:nvSpPr>
+          <p:cNvPr id="6" name="TextBox 5"/>
+          <p:cNvSpPr txBox="1"/>
+          <p:nvPr/>
+        </p:nvSpPr>
+        <p:spPr>
+          <a:xfrm>
+            <a:off x="5275455" y="5888052"/>
+            <a:ext cx="1641090" cy="461665"/>
+          </a:xfrm>
+          <a:prstGeom prst="rect">
+            <a:avLst/>
+          </a:prstGeom>
+          <a:noFill/>
+        </p:spPr>
+        <p:txBody>
+          <a:bodyPr wrap="none" rtlCol="0">
+            <a:spAutoFit/>
+          </a:bodyPr>
+          <a:lstStyle/>
+          <a:p>
+            <a:r>
+              <a:rPr lang="ru-RU" sz="2400" dirty="0" smtClean="0"/>
+              <a:t>Томск </a:t>
+            </a:r>
+            <a:r>
+              <a:rPr lang="en-US" sz="2400" dirty="0" smtClean="0"/>
+              <a:t>2014</a:t>
+            </a:r>
+            <a:endParaRPr lang="ru-RU" sz="2400" dirty="0"/>
+          </a:p>
+        </p:txBody>
+      </p:sp>
     </p:spTree>
     <p:extLst>
       <p:ext uri="{BB962C8B-B14F-4D97-AF65-F5344CB8AC3E}">
-        <p14:creationId xmlns:p14="http://schemas.microsoft.com/office/powerpoint/2010/main" val="2126109120"/>
-      </p:ext>
-    </p:extLst>
-  </p:cSld>
-  <p:clrMapOvr>
-    <a:masterClrMapping/>
-  </p:clrMapOvr>
-  <p:timing>
-    <p:tnLst>
-      <p:par>
-        <p:cTn id="1" dur="indefinite" restart="never" nodeType="tmRoot"/>
-      </p:par>
-    </p:tnLst>
-  </p:timing>
-</p:sld>
-</file>
-
-<file path=ppt/slides/slide16.xml><?xml version="1.0" encoding="utf-8"?>
-<p:sld xmlns:a="http://schemas.openxmlformats.org/drawingml/2006/main" xmlns:r="http://schemas.openxmlformats.org/officeDocument/2006/relationships" xmlns:p="http://schemas.openxmlformats.org/presentationml/2006/main">
-  <p:cSld>
-    <p:spTree>
-      <p:nvGrpSpPr>
-        <p:cNvPr id="1" name=""/>
-        <p:cNvGrpSpPr/>
-        <p:nvPr/>
-      </p:nvGrpSpPr>
-      <p:grpSpPr>
-        <a:xfrm>
-          <a:off x="0" y="0"/>
-          <a:ext cx="0" cy="0"/>
-          <a:chOff x="0" y="0"/>
-          <a:chExt cx="0" cy="0"/>
-        </a:xfrm>
-      </p:grpSpPr>
-      <p:sp>
-        <p:nvSpPr>
-          <p:cNvPr id="2" name="Заголовок 1"/>
-          <p:cNvSpPr>
-            <a:spLocks noGrp="1"/>
-          </p:cNvSpPr>
-          <p:nvPr>
-            <p:ph type="title"/>
-          </p:nvPr>
-        </p:nvSpPr>
-        <p:spPr/>
-        <p:txBody>
-          <a:bodyPr/>
-          <a:lstStyle/>
-          <a:p>
-            <a:r>
-              <a:rPr lang="en-US" dirty="0" smtClean="0"/>
-              <a:t>Brand implementation chart</a:t>
-            </a:r>
-            <a:endParaRPr lang="ru-RU" dirty="0"/>
-          </a:p>
-        </p:txBody>
-      </p:sp>
-      <p:sp>
-        <p:nvSpPr>
-          <p:cNvPr id="4" name="Номер слайда 3"/>
-          <p:cNvSpPr>
-            <a:spLocks noGrp="1"/>
-          </p:cNvSpPr>
-          <p:nvPr>
-            <p:ph type="sldNum" sz="quarter" idx="12"/>
-          </p:nvPr>
-        </p:nvSpPr>
-        <p:spPr/>
-        <p:txBody>
-          <a:bodyPr/>
-          <a:lstStyle/>
-          <a:p>
-            <a:fld id="{2254AEE2-4CF1-4452-9990-F7D689DA22F0}" type="slidenum">
-              <a:rPr lang="ru-RU" smtClean="0"/>
-              <a:t>16</a:t>
-            </a:fld>
-            <a:endParaRPr lang="ru-RU"/>
-          </a:p>
-        </p:txBody>
-      </p:sp>
-      <p:pic>
-        <p:nvPicPr>
-          <p:cNvPr id="7" name="Объект 6"/>
-          <p:cNvPicPr>
-            <a:picLocks noGrp="1" noChangeAspect="1"/>
-          </p:cNvPicPr>
-          <p:nvPr>
-            <p:ph idx="1"/>
-          </p:nvPr>
-        </p:nvPicPr>
-        <p:blipFill>
-          <a:blip r:embed="rId2">
-            <a:extLst>
-              <a:ext uri="{28A0092B-C50C-407E-A947-70E740481C1C}">
-                <a14:useLocalDpi xmlns:a14="http://schemas.microsoft.com/office/drawing/2010/main" val="0"/>
-              </a:ext>
-            </a:extLst>
-          </a:blip>
-          <a:stretch>
-            <a:fillRect/>
-          </a:stretch>
-        </p:blipFill>
-        <p:spPr>
-          <a:xfrm>
-            <a:off x="838200" y="1690688"/>
-            <a:ext cx="10920663" cy="4151312"/>
-          </a:xfrm>
-        </p:spPr>
-      </p:pic>
-    </p:spTree>
-    <p:extLst>
-      <p:ext uri="{BB962C8B-B14F-4D97-AF65-F5344CB8AC3E}">
-        <p14:creationId xmlns:p14="http://schemas.microsoft.com/office/powerpoint/2010/main" val="4024749310"/>
+        <p14:creationId xmlns:p14="http://schemas.microsoft.com/office/powerpoint/2010/main" val="860801396"/>
       </p:ext>
     </p:extLst>
   </p:cSld>
@@ -7610,7 +7767,7 @@
             <p:ph idx="1"/>
             <p:extLst>
               <p:ext uri="{D42A27DB-BD31-4B8C-83A1-F6EECF244321}">
-                <p14:modId xmlns:p14="http://schemas.microsoft.com/office/powerpoint/2010/main" val="2262233670"/>
+                <p14:modId xmlns:p14="http://schemas.microsoft.com/office/powerpoint/2010/main" val="3147249862"/>
               </p:ext>
             </p:extLst>
           </p:nvPr>
@@ -7773,7 +7930,15 @@
                       </a:r>
                       <a:r>
                         <a:rPr lang="ru-RU" baseline="0" dirty="0" smtClean="0"/>
-                        <a:t>, включая мобильные версии. Должно быть разработано мобильное приложение на </a:t>
+                        <a:t>, включая мобильные версии. </a:t>
+                      </a:r>
+                      <a:r>
+                        <a:rPr lang="ru-RU" baseline="0" dirty="0" smtClean="0"/>
+                        <a:t>Разработанное </a:t>
+                      </a:r>
+                      <a:r>
+                        <a:rPr lang="ru-RU" baseline="0" dirty="0" smtClean="0"/>
+                        <a:t>приложение на </a:t>
                       </a:r>
                       <a:r>
                         <a:rPr lang="en-US" baseline="0" dirty="0" smtClean="0"/>
@@ -7781,7 +7946,15 @@
                       </a:r>
                       <a:r>
                         <a:rPr lang="ru-RU" baseline="0" dirty="0" smtClean="0"/>
-                        <a:t> и размещено в </a:t>
+                        <a:t> </a:t>
+                      </a:r>
+                      <a:r>
+                        <a:rPr lang="ru-RU" baseline="0" dirty="0" smtClean="0"/>
+                        <a:t>должно быть </a:t>
+                      </a:r>
+                      <a:r>
+                        <a:rPr lang="ru-RU" baseline="0" dirty="0" smtClean="0"/>
+                        <a:t>размещено в </a:t>
                       </a:r>
                       <a:r>
                         <a:rPr lang="en-US" baseline="0" dirty="0" smtClean="0"/>
@@ -7841,11 +8014,23 @@
                       </a:r>
                       <a:r>
                         <a:rPr lang="en-US" baseline="0" dirty="0" smtClean="0"/>
-                        <a:t>ASP.NET </a:t>
+                        <a:t>ASP.NET</a:t>
                       </a:r>
                       <a:r>
                         <a:rPr lang="ru-RU" baseline="0" dirty="0" smtClean="0"/>
-                        <a:t>мобильные приложений для </a:t>
+                        <a:t>,</a:t>
+                      </a:r>
+                      <a:r>
+                        <a:rPr lang="en-US" baseline="0" dirty="0" smtClean="0"/>
+                        <a:t> </a:t>
+                      </a:r>
+                      <a:r>
+                        <a:rPr lang="ru-RU" baseline="0" dirty="0" smtClean="0"/>
+                        <a:t>мобильных </a:t>
+                      </a:r>
+                      <a:r>
+                        <a:rPr lang="ru-RU" baseline="0" dirty="0" smtClean="0"/>
+                        <a:t>приложений для </a:t>
                       </a:r>
                       <a:r>
                         <a:rPr lang="en-US" baseline="0" dirty="0" smtClean="0"/>
@@ -8081,8 +8266,23 @@
           <a:lstStyle/>
           <a:p>
             <a:r>
+              <a:rPr lang="ru-RU" dirty="0"/>
+              <a:t>30 уникальных посетителей </a:t>
+            </a:r>
+            <a:r>
               <a:rPr lang="ru-RU" dirty="0" smtClean="0"/>
-              <a:t>Количество скачиваний приложения в первый месяц: 20-50</a:t>
+              <a:t>веб приложения в месяц</a:t>
+            </a:r>
+            <a:endParaRPr lang="ru-RU" dirty="0" smtClean="0"/>
+          </a:p>
+          <a:p>
+            <a:r>
+              <a:rPr lang="ru-RU" dirty="0" smtClean="0"/>
+              <a:t>Количество </a:t>
+            </a:r>
+            <a:r>
+              <a:rPr lang="ru-RU" dirty="0" smtClean="0"/>
+              <a:t>скачиваний приложения в первый месяц: 20-50</a:t>
             </a:r>
           </a:p>
           <a:p>
@@ -8118,15 +8318,13 @@
             </a:r>
             <a:r>
               <a:rPr lang="en-US" dirty="0" smtClean="0"/>
-              <a:t>Imagine Cup</a:t>
+              <a:t>Imagine </a:t>
+            </a:r>
+            <a:r>
+              <a:rPr lang="en-US" dirty="0" smtClean="0"/>
+              <a:t>Cup</a:t>
             </a:r>
             <a:endParaRPr lang="ru-RU" dirty="0" smtClean="0"/>
-          </a:p>
-          <a:p>
-            <a:r>
-              <a:rPr lang="ru-RU" dirty="0" smtClean="0"/>
-              <a:t>30 уникальных посетителей в месяц</a:t>
-            </a:r>
           </a:p>
         </p:txBody>
       </p:sp>
@@ -9201,19 +9399,14 @@
             <p:ph type="title"/>
           </p:nvPr>
         </p:nvSpPr>
-        <p:spPr>
-          <a:xfrm>
-            <a:off x="838199" y="265450"/>
-            <a:ext cx="10515600" cy="942382"/>
-          </a:xfrm>
-        </p:spPr>
+        <p:spPr/>
         <p:txBody>
           <a:bodyPr/>
           <a:lstStyle/>
           <a:p>
             <a:r>
-              <a:rPr lang="en-US" dirty="0" smtClean="0"/>
-              <a:t>Work Breakdown Structure</a:t>
+              <a:rPr lang="ru-RU" dirty="0" smtClean="0"/>
+              <a:t>Анализ рынка. Кодовый замок</a:t>
             </a:r>
             <a:endParaRPr lang="ru-RU" dirty="0"/>
           </a:p>
@@ -9242,34 +9435,721 @@
           </a:p>
         </p:txBody>
       </p:sp>
-      <p:pic>
-        <p:nvPicPr>
-          <p:cNvPr id="34" name="Рисунок 33"/>
-          <p:cNvPicPr>
-            <a:picLocks noChangeAspect="1"/>
-          </p:cNvPicPr>
-          <p:nvPr/>
-        </p:nvPicPr>
-        <p:blipFill>
-          <a:blip r:embed="rId2"/>
-          <a:stretch>
-            <a:fillRect/>
-          </a:stretch>
-        </p:blipFill>
-        <p:spPr>
-          <a:xfrm>
-            <a:off x="1011882" y="1084129"/>
-            <a:ext cx="9525082" cy="5272221"/>
-          </a:xfrm>
-          <a:prstGeom prst="rect">
-            <a:avLst/>
-          </a:prstGeom>
-        </p:spPr>
-      </p:pic>
+      <p:graphicFrame>
+        <p:nvGraphicFramePr>
+          <p:cNvPr id="7" name="Объект 6"/>
+          <p:cNvGraphicFramePr>
+            <a:graphicFrameLocks noGrp="1"/>
+          </p:cNvGraphicFramePr>
+          <p:nvPr>
+            <p:ph idx="1"/>
+            <p:extLst/>
+          </p:nvPr>
+        </p:nvGraphicFramePr>
+        <p:xfrm>
+          <a:off x="380999" y="1447799"/>
+          <a:ext cx="11303002" cy="4800602"/>
+        </p:xfrm>
+        <a:graphic>
+          <a:graphicData uri="http://schemas.openxmlformats.org/drawingml/2006/table">
+            <a:tbl>
+              <a:tblPr firstRow="1" firstCol="1" bandRow="1">
+                <a:tableStyleId>{93296810-A885-4BE3-A3E7-6D5BEEA58F35}</a:tableStyleId>
+              </a:tblPr>
+              <a:tblGrid>
+                <a:gridCol w="1841812"/>
+                <a:gridCol w="2018989"/>
+                <a:gridCol w="1873128"/>
+                <a:gridCol w="1893762"/>
+                <a:gridCol w="1893762"/>
+                <a:gridCol w="1781549"/>
+              </a:tblGrid>
+              <a:tr h="895640">
+                <a:tc>
+                  <a:txBody>
+                    <a:bodyPr/>
+                    <a:lstStyle/>
+                    <a:p>
+                      <a:pPr algn="ctr">
+                        <a:lnSpc>
+                          <a:spcPct val="115000"/>
+                        </a:lnSpc>
+                        <a:spcAft>
+                          <a:spcPts val="0"/>
+                        </a:spcAft>
+                      </a:pPr>
+                      <a:r>
+                        <a:rPr lang="ru-RU" sz="1600" dirty="0">
+                          <a:effectLst/>
+                        </a:rPr>
+                        <a:t>Целевая аудитория</a:t>
+                      </a:r>
+                      <a:endParaRPr lang="ru-RU" sz="1200" dirty="0">
+                        <a:effectLst/>
+                        <a:latin typeface="Calibri" panose="020F0502020204030204" pitchFamily="34" charset="0"/>
+                        <a:ea typeface="Calibri" panose="020F0502020204030204" pitchFamily="34" charset="0"/>
+                        <a:cs typeface="Times New Roman" panose="02020603050405020304" pitchFamily="18" charset="0"/>
+                      </a:endParaRPr>
+                    </a:p>
+                  </a:txBody>
+                  <a:tcPr marL="68580" marR="68580" marT="0" marB="0" anchor="ctr"/>
+                </a:tc>
+                <a:tc>
+                  <a:txBody>
+                    <a:bodyPr/>
+                    <a:lstStyle/>
+                    <a:p>
+                      <a:pPr algn="ctr">
+                        <a:lnSpc>
+                          <a:spcPct val="115000"/>
+                        </a:lnSpc>
+                        <a:spcAft>
+                          <a:spcPts val="0"/>
+                        </a:spcAft>
+                      </a:pPr>
+                      <a:r>
+                        <a:rPr lang="ru-RU" sz="1600">
+                          <a:effectLst/>
+                        </a:rPr>
+                        <a:t>Мотивы</a:t>
+                      </a:r>
+                      <a:endParaRPr lang="ru-RU" sz="1200">
+                        <a:effectLst/>
+                        <a:latin typeface="Calibri" panose="020F0502020204030204" pitchFamily="34" charset="0"/>
+                        <a:ea typeface="Calibri" panose="020F0502020204030204" pitchFamily="34" charset="0"/>
+                        <a:cs typeface="Times New Roman" panose="02020603050405020304" pitchFamily="18" charset="0"/>
+                      </a:endParaRPr>
+                    </a:p>
+                  </a:txBody>
+                  <a:tcPr marL="68580" marR="68580" marT="0" marB="0" anchor="ctr"/>
+                </a:tc>
+                <a:tc>
+                  <a:txBody>
+                    <a:bodyPr/>
+                    <a:lstStyle/>
+                    <a:p>
+                      <a:pPr algn="ctr">
+                        <a:lnSpc>
+                          <a:spcPct val="115000"/>
+                        </a:lnSpc>
+                        <a:spcAft>
+                          <a:spcPts val="0"/>
+                        </a:spcAft>
+                      </a:pPr>
+                      <a:r>
+                        <a:rPr lang="ru-RU" sz="1600">
+                          <a:effectLst/>
+                        </a:rPr>
+                        <a:t>Критерий выбора</a:t>
+                      </a:r>
+                      <a:endParaRPr lang="ru-RU" sz="1200">
+                        <a:effectLst/>
+                        <a:latin typeface="Calibri" panose="020F0502020204030204" pitchFamily="34" charset="0"/>
+                        <a:ea typeface="Calibri" panose="020F0502020204030204" pitchFamily="34" charset="0"/>
+                        <a:cs typeface="Times New Roman" panose="02020603050405020304" pitchFamily="18" charset="0"/>
+                      </a:endParaRPr>
+                    </a:p>
+                  </a:txBody>
+                  <a:tcPr marL="68580" marR="68580" marT="0" marB="0" anchor="ctr"/>
+                </a:tc>
+                <a:tc>
+                  <a:txBody>
+                    <a:bodyPr/>
+                    <a:lstStyle/>
+                    <a:p>
+                      <a:pPr algn="ctr">
+                        <a:lnSpc>
+                          <a:spcPct val="115000"/>
+                        </a:lnSpc>
+                        <a:spcAft>
+                          <a:spcPts val="0"/>
+                        </a:spcAft>
+                      </a:pPr>
+                      <a:r>
+                        <a:rPr lang="ru-RU" sz="1600">
+                          <a:effectLst/>
+                        </a:rPr>
+                        <a:t>Качественная характеристика</a:t>
+                      </a:r>
+                      <a:endParaRPr lang="ru-RU" sz="1200">
+                        <a:effectLst/>
+                        <a:latin typeface="Calibri" panose="020F0502020204030204" pitchFamily="34" charset="0"/>
+                        <a:ea typeface="Calibri" panose="020F0502020204030204" pitchFamily="34" charset="0"/>
+                        <a:cs typeface="Times New Roman" panose="02020603050405020304" pitchFamily="18" charset="0"/>
+                      </a:endParaRPr>
+                    </a:p>
+                  </a:txBody>
+                  <a:tcPr marL="68580" marR="68580" marT="0" marB="0" anchor="ctr"/>
+                </a:tc>
+                <a:tc>
+                  <a:txBody>
+                    <a:bodyPr/>
+                    <a:lstStyle/>
+                    <a:p>
+                      <a:pPr algn="ctr">
+                        <a:lnSpc>
+                          <a:spcPct val="115000"/>
+                        </a:lnSpc>
+                        <a:spcAft>
+                          <a:spcPts val="0"/>
+                        </a:spcAft>
+                      </a:pPr>
+                      <a:r>
+                        <a:rPr lang="ru-RU" sz="1600">
+                          <a:effectLst/>
+                        </a:rPr>
+                        <a:t>Уникальное торговое предложение</a:t>
+                      </a:r>
+                      <a:endParaRPr lang="ru-RU" sz="1200">
+                        <a:effectLst/>
+                        <a:latin typeface="Calibri" panose="020F0502020204030204" pitchFamily="34" charset="0"/>
+                        <a:ea typeface="Calibri" panose="020F0502020204030204" pitchFamily="34" charset="0"/>
+                        <a:cs typeface="Times New Roman" panose="02020603050405020304" pitchFamily="18" charset="0"/>
+                      </a:endParaRPr>
+                    </a:p>
+                  </a:txBody>
+                  <a:tcPr marL="68580" marR="68580" marT="0" marB="0" anchor="ctr"/>
+                </a:tc>
+                <a:tc>
+                  <a:txBody>
+                    <a:bodyPr/>
+                    <a:lstStyle/>
+                    <a:p>
+                      <a:pPr algn="ctr">
+                        <a:lnSpc>
+                          <a:spcPct val="115000"/>
+                        </a:lnSpc>
+                        <a:spcAft>
+                          <a:spcPts val="0"/>
+                        </a:spcAft>
+                      </a:pPr>
+                      <a:r>
+                        <a:rPr lang="ru-RU" sz="1600">
+                          <a:effectLst/>
+                        </a:rPr>
+                        <a:t>Ресурсы</a:t>
+                      </a:r>
+                      <a:endParaRPr lang="ru-RU" sz="1200">
+                        <a:effectLst/>
+                        <a:latin typeface="Calibri" panose="020F0502020204030204" pitchFamily="34" charset="0"/>
+                        <a:ea typeface="Calibri" panose="020F0502020204030204" pitchFamily="34" charset="0"/>
+                        <a:cs typeface="Times New Roman" panose="02020603050405020304" pitchFamily="18" charset="0"/>
+                      </a:endParaRPr>
+                    </a:p>
+                  </a:txBody>
+                  <a:tcPr marL="68580" marR="68580" marT="0" marB="0" anchor="ctr"/>
+                </a:tc>
+              </a:tr>
+              <a:tr h="1504660">
+                <a:tc>
+                  <a:txBody>
+                    <a:bodyPr/>
+                    <a:lstStyle/>
+                    <a:p>
+                      <a:pPr algn="ctr">
+                        <a:lnSpc>
+                          <a:spcPct val="115000"/>
+                        </a:lnSpc>
+                        <a:spcAft>
+                          <a:spcPts val="0"/>
+                        </a:spcAft>
+                      </a:pPr>
+                      <a:r>
+                        <a:rPr lang="ru-RU" sz="1600">
+                          <a:effectLst/>
+                        </a:rPr>
+                        <a:t>Молодой руководитель тех. отдела</a:t>
+                      </a:r>
+                      <a:endParaRPr lang="ru-RU" sz="1200">
+                        <a:effectLst/>
+                        <a:latin typeface="Calibri" panose="020F0502020204030204" pitchFamily="34" charset="0"/>
+                        <a:ea typeface="Calibri" panose="020F0502020204030204" pitchFamily="34" charset="0"/>
+                        <a:cs typeface="Times New Roman" panose="02020603050405020304" pitchFamily="18" charset="0"/>
+                      </a:endParaRPr>
+                    </a:p>
+                  </a:txBody>
+                  <a:tcPr marL="68580" marR="68580" marT="0" marB="0" anchor="ctr"/>
+                </a:tc>
+                <a:tc>
+                  <a:txBody>
+                    <a:bodyPr/>
+                    <a:lstStyle/>
+                    <a:p>
+                      <a:pPr algn="ctr">
+                        <a:lnSpc>
+                          <a:spcPct val="115000"/>
+                        </a:lnSpc>
+                        <a:spcAft>
+                          <a:spcPts val="0"/>
+                        </a:spcAft>
+                      </a:pPr>
+                      <a:r>
+                        <a:rPr lang="ru-RU" sz="1600">
+                          <a:effectLst/>
+                        </a:rPr>
+                        <a:t>Благосклонность начальства из-за рационализаторских предложений</a:t>
+                      </a:r>
+                      <a:endParaRPr lang="ru-RU" sz="1200">
+                        <a:effectLst/>
+                        <a:latin typeface="Calibri" panose="020F0502020204030204" pitchFamily="34" charset="0"/>
+                        <a:ea typeface="Calibri" panose="020F0502020204030204" pitchFamily="34" charset="0"/>
+                        <a:cs typeface="Times New Roman" panose="02020603050405020304" pitchFamily="18" charset="0"/>
+                      </a:endParaRPr>
+                    </a:p>
+                  </a:txBody>
+                  <a:tcPr marL="68580" marR="68580" marT="0" marB="0" anchor="ctr"/>
+                </a:tc>
+                <a:tc>
+                  <a:txBody>
+                    <a:bodyPr/>
+                    <a:lstStyle/>
+                    <a:p>
+                      <a:pPr algn="ctr">
+                        <a:lnSpc>
+                          <a:spcPct val="115000"/>
+                        </a:lnSpc>
+                        <a:spcAft>
+                          <a:spcPts val="0"/>
+                        </a:spcAft>
+                      </a:pPr>
+                      <a:r>
+                        <a:rPr lang="ru-RU" sz="1600">
+                          <a:effectLst/>
+                        </a:rPr>
+                        <a:t>Автоматизировать процесс</a:t>
+                      </a:r>
+                      <a:endParaRPr lang="ru-RU" sz="1200">
+                        <a:effectLst/>
+                        <a:latin typeface="Calibri" panose="020F0502020204030204" pitchFamily="34" charset="0"/>
+                        <a:ea typeface="Calibri" panose="020F0502020204030204" pitchFamily="34" charset="0"/>
+                        <a:cs typeface="Times New Roman" panose="02020603050405020304" pitchFamily="18" charset="0"/>
+                      </a:endParaRPr>
+                    </a:p>
+                  </a:txBody>
+                  <a:tcPr marL="68580" marR="68580" marT="0" marB="0" anchor="ctr"/>
+                </a:tc>
+                <a:tc>
+                  <a:txBody>
+                    <a:bodyPr/>
+                    <a:lstStyle/>
+                    <a:p>
+                      <a:pPr algn="ctr">
+                        <a:lnSpc>
+                          <a:spcPct val="115000"/>
+                        </a:lnSpc>
+                        <a:spcAft>
+                          <a:spcPts val="0"/>
+                        </a:spcAft>
+                      </a:pPr>
+                      <a:r>
+                        <a:rPr lang="ru-RU" sz="1600">
+                          <a:effectLst/>
+                        </a:rPr>
+                        <a:t>Составление маршрутов перекладывается на программную систему</a:t>
+                      </a:r>
+                      <a:endParaRPr lang="ru-RU" sz="1200">
+                        <a:effectLst/>
+                        <a:latin typeface="Calibri" panose="020F0502020204030204" pitchFamily="34" charset="0"/>
+                        <a:ea typeface="Calibri" panose="020F0502020204030204" pitchFamily="34" charset="0"/>
+                        <a:cs typeface="Times New Roman" panose="02020603050405020304" pitchFamily="18" charset="0"/>
+                      </a:endParaRPr>
+                    </a:p>
+                  </a:txBody>
+                  <a:tcPr marL="68580" marR="68580" marT="0" marB="0" anchor="ctr"/>
+                </a:tc>
+                <a:tc>
+                  <a:txBody>
+                    <a:bodyPr/>
+                    <a:lstStyle/>
+                    <a:p>
+                      <a:pPr algn="ctr">
+                        <a:lnSpc>
+                          <a:spcPct val="115000"/>
+                        </a:lnSpc>
+                        <a:spcAft>
+                          <a:spcPts val="0"/>
+                        </a:spcAft>
+                      </a:pPr>
+                      <a:r>
+                        <a:rPr lang="ru-RU" sz="1600">
+                          <a:effectLst/>
+                        </a:rPr>
+                        <a:t>Предоставь эту работу нам</a:t>
+                      </a:r>
+                      <a:endParaRPr lang="ru-RU" sz="1200">
+                        <a:effectLst/>
+                        <a:latin typeface="Calibri" panose="020F0502020204030204" pitchFamily="34" charset="0"/>
+                        <a:ea typeface="Calibri" panose="020F0502020204030204" pitchFamily="34" charset="0"/>
+                        <a:cs typeface="Times New Roman" panose="02020603050405020304" pitchFamily="18" charset="0"/>
+                      </a:endParaRPr>
+                    </a:p>
+                  </a:txBody>
+                  <a:tcPr marL="68580" marR="68580" marT="0" marB="0" anchor="ctr"/>
+                </a:tc>
+                <a:tc>
+                  <a:txBody>
+                    <a:bodyPr/>
+                    <a:lstStyle/>
+                    <a:p>
+                      <a:pPr algn="ctr">
+                        <a:lnSpc>
+                          <a:spcPct val="115000"/>
+                        </a:lnSpc>
+                        <a:spcAft>
+                          <a:spcPts val="0"/>
+                        </a:spcAft>
+                      </a:pPr>
+                      <a:r>
+                        <a:rPr lang="ru-RU" sz="1600">
+                          <a:effectLst/>
+                        </a:rPr>
+                        <a:t>Алгоритмы, разработчики</a:t>
+                      </a:r>
+                      <a:endParaRPr lang="ru-RU" sz="1200">
+                        <a:effectLst/>
+                        <a:latin typeface="Calibri" panose="020F0502020204030204" pitchFamily="34" charset="0"/>
+                        <a:ea typeface="Calibri" panose="020F0502020204030204" pitchFamily="34" charset="0"/>
+                        <a:cs typeface="Times New Roman" panose="02020603050405020304" pitchFamily="18" charset="0"/>
+                      </a:endParaRPr>
+                    </a:p>
+                  </a:txBody>
+                  <a:tcPr marL="68580" marR="68580" marT="0" marB="0" anchor="ctr"/>
+                </a:tc>
+              </a:tr>
+              <a:tr h="1200151">
+                <a:tc rowSpan="2">
+                  <a:txBody>
+                    <a:bodyPr/>
+                    <a:lstStyle/>
+                    <a:p>
+                      <a:pPr algn="ctr">
+                        <a:lnSpc>
+                          <a:spcPct val="115000"/>
+                        </a:lnSpc>
+                        <a:spcAft>
+                          <a:spcPts val="0"/>
+                        </a:spcAft>
+                      </a:pPr>
+                      <a:r>
+                        <a:rPr lang="ru-RU" sz="1600">
+                          <a:effectLst/>
+                        </a:rPr>
+                        <a:t>Руководитель отдела логистики</a:t>
+                      </a:r>
+                      <a:endParaRPr lang="ru-RU" sz="1200">
+                        <a:effectLst/>
+                        <a:latin typeface="Calibri" panose="020F0502020204030204" pitchFamily="34" charset="0"/>
+                        <a:ea typeface="Calibri" panose="020F0502020204030204" pitchFamily="34" charset="0"/>
+                        <a:cs typeface="Times New Roman" panose="02020603050405020304" pitchFamily="18" charset="0"/>
+                      </a:endParaRPr>
+                    </a:p>
+                  </a:txBody>
+                  <a:tcPr marL="68580" marR="68580" marT="0" marB="0" anchor="ctr"/>
+                </a:tc>
+                <a:tc rowSpan="2">
+                  <a:txBody>
+                    <a:bodyPr/>
+                    <a:lstStyle/>
+                    <a:p>
+                      <a:pPr algn="ctr">
+                        <a:lnSpc>
+                          <a:spcPct val="107000"/>
+                        </a:lnSpc>
+                        <a:spcAft>
+                          <a:spcPts val="0"/>
+                        </a:spcAft>
+                      </a:pPr>
+                      <a:r>
+                        <a:rPr lang="ru-RU" sz="1600">
+                          <a:effectLst/>
+                        </a:rPr>
+                        <a:t>Желание все контролировать</a:t>
+                      </a:r>
+                      <a:endParaRPr lang="ru-RU" sz="1200">
+                        <a:effectLst/>
+                        <a:latin typeface="Calibri" panose="020F0502020204030204" pitchFamily="34" charset="0"/>
+                        <a:ea typeface="Calibri" panose="020F0502020204030204" pitchFamily="34" charset="0"/>
+                        <a:cs typeface="Times New Roman" panose="02020603050405020304" pitchFamily="18" charset="0"/>
+                      </a:endParaRPr>
+                    </a:p>
+                  </a:txBody>
+                  <a:tcPr marL="68580" marR="68580" marT="0" marB="0" anchor="ctr"/>
+                </a:tc>
+                <a:tc>
+                  <a:txBody>
+                    <a:bodyPr/>
+                    <a:lstStyle/>
+                    <a:p>
+                      <a:pPr algn="ctr">
+                        <a:lnSpc>
+                          <a:spcPct val="115000"/>
+                        </a:lnSpc>
+                        <a:spcAft>
+                          <a:spcPts val="0"/>
+                        </a:spcAft>
+                      </a:pPr>
+                      <a:r>
+                        <a:rPr lang="ru-RU" sz="1600">
+                          <a:effectLst/>
+                        </a:rPr>
+                        <a:t>Централизованное управление доставкой</a:t>
+                      </a:r>
+                      <a:endParaRPr lang="ru-RU" sz="1200">
+                        <a:effectLst/>
+                        <a:latin typeface="Calibri" panose="020F0502020204030204" pitchFamily="34" charset="0"/>
+                        <a:ea typeface="Calibri" panose="020F0502020204030204" pitchFamily="34" charset="0"/>
+                        <a:cs typeface="Times New Roman" panose="02020603050405020304" pitchFamily="18" charset="0"/>
+                      </a:endParaRPr>
+                    </a:p>
+                  </a:txBody>
+                  <a:tcPr marL="68580" marR="68580" marT="0" marB="0" anchor="ctr"/>
+                </a:tc>
+                <a:tc>
+                  <a:txBody>
+                    <a:bodyPr/>
+                    <a:lstStyle/>
+                    <a:p>
+                      <a:pPr algn="ctr">
+                        <a:lnSpc>
+                          <a:spcPct val="115000"/>
+                        </a:lnSpc>
+                        <a:spcAft>
+                          <a:spcPts val="0"/>
+                        </a:spcAft>
+                      </a:pPr>
+                      <a:r>
+                        <a:rPr lang="ru-RU" sz="1600">
+                          <a:effectLst/>
+                        </a:rPr>
+                        <a:t>Разделение ролей в системе на менеджеров и исполнителей </a:t>
+                      </a:r>
+                      <a:endParaRPr lang="ru-RU" sz="1200">
+                        <a:effectLst/>
+                        <a:latin typeface="Calibri" panose="020F0502020204030204" pitchFamily="34" charset="0"/>
+                        <a:ea typeface="Calibri" panose="020F0502020204030204" pitchFamily="34" charset="0"/>
+                        <a:cs typeface="Times New Roman" panose="02020603050405020304" pitchFamily="18" charset="0"/>
+                      </a:endParaRPr>
+                    </a:p>
+                  </a:txBody>
+                  <a:tcPr marL="68580" marR="68580" marT="0" marB="0" anchor="ctr"/>
+                </a:tc>
+                <a:tc>
+                  <a:txBody>
+                    <a:bodyPr/>
+                    <a:lstStyle/>
+                    <a:p>
+                      <a:pPr algn="ctr">
+                        <a:lnSpc>
+                          <a:spcPct val="115000"/>
+                        </a:lnSpc>
+                        <a:spcAft>
+                          <a:spcPts val="0"/>
+                        </a:spcAft>
+                      </a:pPr>
+                      <a:r>
+                        <a:rPr lang="ru-RU" sz="1600">
+                          <a:effectLst/>
+                        </a:rPr>
+                        <a:t>Разделяй и властвуй </a:t>
+                      </a:r>
+                      <a:endParaRPr lang="ru-RU" sz="1200">
+                        <a:effectLst/>
+                        <a:latin typeface="Calibri" panose="020F0502020204030204" pitchFamily="34" charset="0"/>
+                        <a:ea typeface="Calibri" panose="020F0502020204030204" pitchFamily="34" charset="0"/>
+                        <a:cs typeface="Times New Roman" panose="02020603050405020304" pitchFamily="18" charset="0"/>
+                      </a:endParaRPr>
+                    </a:p>
+                  </a:txBody>
+                  <a:tcPr marL="68580" marR="68580" marT="0" marB="0" anchor="ctr"/>
+                </a:tc>
+                <a:tc>
+                  <a:txBody>
+                    <a:bodyPr/>
+                    <a:lstStyle/>
+                    <a:p>
+                      <a:pPr algn="ctr">
+                        <a:lnSpc>
+                          <a:spcPct val="115000"/>
+                        </a:lnSpc>
+                        <a:spcAft>
+                          <a:spcPts val="0"/>
+                        </a:spcAft>
+                      </a:pPr>
+                      <a:r>
+                        <a:rPr lang="en-US" sz="1600">
+                          <a:effectLst/>
+                        </a:rPr>
+                        <a:t>BizSpark, </a:t>
+                      </a:r>
+                      <a:r>
+                        <a:rPr lang="ru-RU" sz="1600">
+                          <a:effectLst/>
+                        </a:rPr>
+                        <a:t>разработчики</a:t>
+                      </a:r>
+                      <a:endParaRPr lang="ru-RU" sz="1200">
+                        <a:effectLst/>
+                        <a:latin typeface="Calibri" panose="020F0502020204030204" pitchFamily="34" charset="0"/>
+                        <a:ea typeface="Calibri" panose="020F0502020204030204" pitchFamily="34" charset="0"/>
+                        <a:cs typeface="Times New Roman" panose="02020603050405020304" pitchFamily="18" charset="0"/>
+                      </a:endParaRPr>
+                    </a:p>
+                  </a:txBody>
+                  <a:tcPr marL="68580" marR="68580" marT="0" marB="0" anchor="ctr"/>
+                </a:tc>
+              </a:tr>
+              <a:tr h="1200151">
+                <a:tc vMerge="1">
+                  <a:txBody>
+                    <a:bodyPr/>
+                    <a:lstStyle/>
+                    <a:p>
+                      <a:endParaRPr lang="ru-RU"/>
+                    </a:p>
+                  </a:txBody>
+                  <a:tcPr/>
+                </a:tc>
+                <a:tc vMerge="1">
+                  <a:txBody>
+                    <a:bodyPr/>
+                    <a:lstStyle/>
+                    <a:p>
+                      <a:endParaRPr lang="ru-RU"/>
+                    </a:p>
+                  </a:txBody>
+                  <a:tcPr/>
+                </a:tc>
+                <a:tc>
+                  <a:txBody>
+                    <a:bodyPr/>
+                    <a:lstStyle/>
+                    <a:p>
+                      <a:pPr algn="ctr">
+                        <a:lnSpc>
+                          <a:spcPct val="115000"/>
+                        </a:lnSpc>
+                        <a:spcAft>
+                          <a:spcPts val="0"/>
+                        </a:spcAft>
+                      </a:pPr>
+                      <a:r>
+                        <a:rPr lang="ru-RU" sz="1600">
+                          <a:effectLst/>
+                        </a:rPr>
+                        <a:t>Контроль за доставкой</a:t>
+                      </a:r>
+                      <a:endParaRPr lang="ru-RU" sz="1200">
+                        <a:effectLst/>
+                        <a:latin typeface="Calibri" panose="020F0502020204030204" pitchFamily="34" charset="0"/>
+                        <a:ea typeface="Calibri" panose="020F0502020204030204" pitchFamily="34" charset="0"/>
+                        <a:cs typeface="Times New Roman" panose="02020603050405020304" pitchFamily="18" charset="0"/>
+                      </a:endParaRPr>
+                    </a:p>
+                  </a:txBody>
+                  <a:tcPr marL="68580" marR="68580" marT="0" marB="0" anchor="ctr"/>
+                </a:tc>
+                <a:tc>
+                  <a:txBody>
+                    <a:bodyPr/>
+                    <a:lstStyle/>
+                    <a:p>
+                      <a:pPr algn="ctr">
+                        <a:lnSpc>
+                          <a:spcPct val="115000"/>
+                        </a:lnSpc>
+                        <a:spcAft>
+                          <a:spcPts val="0"/>
+                        </a:spcAft>
+                      </a:pPr>
+                      <a:r>
+                        <a:rPr lang="ru-RU" sz="1600">
+                          <a:effectLst/>
+                        </a:rPr>
+                        <a:t>Отслеживание местоположения с помощью ГЛОНАСС/</a:t>
+                      </a:r>
+                      <a:r>
+                        <a:rPr lang="en-US" sz="1600">
+                          <a:effectLst/>
+                        </a:rPr>
+                        <a:t>GPS</a:t>
+                      </a:r>
+                      <a:endParaRPr lang="ru-RU" sz="1200">
+                        <a:effectLst/>
+                        <a:latin typeface="Calibri" panose="020F0502020204030204" pitchFamily="34" charset="0"/>
+                        <a:ea typeface="Calibri" panose="020F0502020204030204" pitchFamily="34" charset="0"/>
+                        <a:cs typeface="Times New Roman" panose="02020603050405020304" pitchFamily="18" charset="0"/>
+                      </a:endParaRPr>
+                    </a:p>
+                  </a:txBody>
+                  <a:tcPr marL="68580" marR="68580" marT="0" marB="0" anchor="ctr"/>
+                </a:tc>
+                <a:tc>
+                  <a:txBody>
+                    <a:bodyPr/>
+                    <a:lstStyle/>
+                    <a:p>
+                      <a:pPr algn="ctr">
+                        <a:lnSpc>
+                          <a:spcPct val="115000"/>
+                        </a:lnSpc>
+                        <a:spcAft>
+                          <a:spcPts val="0"/>
+                        </a:spcAft>
+                      </a:pPr>
+                      <a:r>
+                        <a:rPr lang="ru-RU" sz="1600">
+                          <a:effectLst/>
+                        </a:rPr>
+                        <a:t>Геолокация на службе у бизнеса</a:t>
+                      </a:r>
+                      <a:endParaRPr lang="ru-RU" sz="1200">
+                        <a:effectLst/>
+                        <a:latin typeface="Calibri" panose="020F0502020204030204" pitchFamily="34" charset="0"/>
+                        <a:ea typeface="Calibri" panose="020F0502020204030204" pitchFamily="34" charset="0"/>
+                        <a:cs typeface="Times New Roman" panose="02020603050405020304" pitchFamily="18" charset="0"/>
+                      </a:endParaRPr>
+                    </a:p>
+                  </a:txBody>
+                  <a:tcPr marL="68580" marR="68580" marT="0" marB="0" anchor="ctr"/>
+                </a:tc>
+                <a:tc>
+                  <a:txBody>
+                    <a:bodyPr/>
+                    <a:lstStyle/>
+                    <a:p>
+                      <a:pPr algn="ctr">
+                        <a:lnSpc>
+                          <a:spcPct val="115000"/>
+                        </a:lnSpc>
+                        <a:spcAft>
+                          <a:spcPts val="0"/>
+                        </a:spcAft>
+                      </a:pPr>
+                      <a:r>
+                        <a:rPr lang="ru-RU" sz="1600" dirty="0">
+                          <a:effectLst/>
+                        </a:rPr>
+                        <a:t>Разработчики </a:t>
+                      </a:r>
+                      <a:endParaRPr lang="ru-RU" sz="1200" dirty="0">
+                        <a:effectLst/>
+                        <a:latin typeface="Calibri" panose="020F0502020204030204" pitchFamily="34" charset="0"/>
+                        <a:ea typeface="Calibri" panose="020F0502020204030204" pitchFamily="34" charset="0"/>
+                        <a:cs typeface="Times New Roman" panose="02020603050405020304" pitchFamily="18" charset="0"/>
+                      </a:endParaRPr>
+                    </a:p>
+                  </a:txBody>
+                  <a:tcPr marL="68580" marR="68580" marT="0" marB="0" anchor="ctr"/>
+                </a:tc>
+              </a:tr>
+            </a:tbl>
+          </a:graphicData>
+        </a:graphic>
+      </p:graphicFrame>
     </p:spTree>
     <p:extLst>
       <p:ext uri="{BB962C8B-B14F-4D97-AF65-F5344CB8AC3E}">
-        <p14:creationId xmlns:p14="http://schemas.microsoft.com/office/powerpoint/2010/main" val="4174881944"/>
+        <p14:creationId xmlns:p14="http://schemas.microsoft.com/office/powerpoint/2010/main" val="2906293413"/>
       </p:ext>
     </p:extLst>
   </p:cSld>
@@ -9319,8 +10199,8 @@
           <a:lstStyle/>
           <a:p>
             <a:r>
-              <a:rPr lang="ru-RU" dirty="0" smtClean="0"/>
-              <a:t>Сетевой график</a:t>
+              <a:rPr lang="en-US" dirty="0" smtClean="0"/>
+              <a:t>Brand implementation chart</a:t>
             </a:r>
             <a:endParaRPr lang="ru-RU" dirty="0"/>
           </a:p>
@@ -9351,32 +10231,37 @@
       </p:sp>
       <p:pic>
         <p:nvPicPr>
-          <p:cNvPr id="23" name="Рисунок 22"/>
+          <p:cNvPr id="7" name="Объект 6"/>
           <p:cNvPicPr>
-            <a:picLocks noChangeAspect="1"/>
+            <a:picLocks noGrp="1" noChangeAspect="1"/>
           </p:cNvPicPr>
-          <p:nvPr/>
+          <p:nvPr>
+            <p:ph idx="1"/>
+          </p:nvPr>
         </p:nvPicPr>
         <p:blipFill>
-          <a:blip r:embed="rId2"/>
+          <a:blip r:embed="rId2">
+            <a:extLst>
+              <a:ext uri="{28A0092B-C50C-407E-A947-70E740481C1C}">
+                <a14:useLocalDpi xmlns:a14="http://schemas.microsoft.com/office/drawing/2010/main" val="0"/>
+              </a:ext>
+            </a:extLst>
+          </a:blip>
           <a:stretch>
             <a:fillRect/>
           </a:stretch>
         </p:blipFill>
         <p:spPr>
           <a:xfrm>
-            <a:off x="496505" y="1837346"/>
-            <a:ext cx="11065955" cy="4332718"/>
+            <a:off x="838200" y="1690688"/>
+            <a:ext cx="10920663" cy="4151312"/>
           </a:xfrm>
-          <a:prstGeom prst="rect">
-            <a:avLst/>
-          </a:prstGeom>
         </p:spPr>
       </p:pic>
     </p:spTree>
     <p:extLst>
       <p:ext uri="{BB962C8B-B14F-4D97-AF65-F5344CB8AC3E}">
-        <p14:creationId xmlns:p14="http://schemas.microsoft.com/office/powerpoint/2010/main" val="1641884503"/>
+        <p14:creationId xmlns:p14="http://schemas.microsoft.com/office/powerpoint/2010/main" val="2152378324"/>
       </p:ext>
     </p:extLst>
   </p:cSld>
@@ -9420,558 +10305,24 @@
             <p:ph type="title"/>
           </p:nvPr>
         </p:nvSpPr>
-        <p:spPr/>
+        <p:spPr>
+          <a:xfrm>
+            <a:off x="838199" y="265450"/>
+            <a:ext cx="10515600" cy="942382"/>
+          </a:xfrm>
+        </p:spPr>
         <p:txBody>
           <a:bodyPr/>
           <a:lstStyle/>
           <a:p>
             <a:r>
-              <a:rPr lang="ru-RU" dirty="0" smtClean="0"/>
-              <a:t>Вехи</a:t>
+              <a:rPr lang="en-US" dirty="0" smtClean="0"/>
+              <a:t>Work Breakdown Structure</a:t>
             </a:r>
             <a:endParaRPr lang="ru-RU" dirty="0"/>
           </a:p>
         </p:txBody>
       </p:sp>
-      <p:graphicFrame>
-        <p:nvGraphicFramePr>
-          <p:cNvPr id="5" name="Объект 4"/>
-          <p:cNvGraphicFramePr>
-            <a:graphicFrameLocks noGrp="1"/>
-          </p:cNvGraphicFramePr>
-          <p:nvPr>
-            <p:ph idx="1"/>
-            <p:extLst>
-              <p:ext uri="{D42A27DB-BD31-4B8C-83A1-F6EECF244321}">
-                <p14:modId xmlns:p14="http://schemas.microsoft.com/office/powerpoint/2010/main" val="2470313237"/>
-              </p:ext>
-            </p:extLst>
-          </p:nvPr>
-        </p:nvGraphicFramePr>
-        <p:xfrm>
-          <a:off x="838200" y="1410058"/>
-          <a:ext cx="10515600" cy="5133696"/>
-        </p:xfrm>
-        <a:graphic>
-          <a:graphicData uri="http://schemas.openxmlformats.org/drawingml/2006/table">
-            <a:tbl>
-              <a:tblPr firstRow="1" bandRow="1">
-                <a:tableStyleId>{93296810-A885-4BE3-A3E7-6D5BEEA58F35}</a:tableStyleId>
-              </a:tblPr>
-              <a:tblGrid>
-                <a:gridCol w="3505200"/>
-                <a:gridCol w="3505200"/>
-                <a:gridCol w="3505200"/>
-              </a:tblGrid>
-              <a:tr h="377484">
-                <a:tc>
-                  <a:txBody>
-                    <a:bodyPr/>
-                    <a:lstStyle/>
-                    <a:p>
-                      <a:pPr algn="ctr"/>
-                      <a:r>
-                        <a:rPr lang="ru-RU" dirty="0" smtClean="0"/>
-                        <a:t>Веха</a:t>
-                      </a:r>
-                      <a:endParaRPr lang="ru-RU" dirty="0"/>
-                    </a:p>
-                  </a:txBody>
-                  <a:tcPr anchor="ctr"/>
-                </a:tc>
-                <a:tc>
-                  <a:txBody>
-                    <a:bodyPr/>
-                    <a:lstStyle/>
-                    <a:p>
-                      <a:pPr algn="ctr"/>
-                      <a:r>
-                        <a:rPr lang="ru-RU" dirty="0" smtClean="0"/>
-                        <a:t>Начало</a:t>
-                      </a:r>
-                      <a:endParaRPr lang="ru-RU" dirty="0"/>
-                    </a:p>
-                  </a:txBody>
-                  <a:tcPr anchor="ctr"/>
-                </a:tc>
-                <a:tc>
-                  <a:txBody>
-                    <a:bodyPr/>
-                    <a:lstStyle/>
-                    <a:p>
-                      <a:pPr algn="ctr"/>
-                      <a:r>
-                        <a:rPr lang="ru-RU" dirty="0" smtClean="0"/>
-                        <a:t>Конец</a:t>
-                      </a:r>
-                      <a:endParaRPr lang="ru-RU" dirty="0"/>
-                    </a:p>
-                  </a:txBody>
-                  <a:tcPr anchor="ctr"/>
-                </a:tc>
-              </a:tr>
-              <a:tr h="377484">
-                <a:tc>
-                  <a:txBody>
-                    <a:bodyPr/>
-                    <a:lstStyle/>
-                    <a:p>
-                      <a:pPr algn="ctr"/>
-                      <a:r>
-                        <a:rPr lang="ru-RU" dirty="0" smtClean="0"/>
-                        <a:t>Маркетинг</a:t>
-                      </a:r>
-                      <a:r>
-                        <a:rPr lang="ru-RU" baseline="0" dirty="0" smtClean="0"/>
-                        <a:t> и анализ предметной области</a:t>
-                      </a:r>
-                      <a:endParaRPr lang="ru-RU" dirty="0"/>
-                    </a:p>
-                  </a:txBody>
-                  <a:tcPr anchor="ctr"/>
-                </a:tc>
-                <a:tc>
-                  <a:txBody>
-                    <a:bodyPr/>
-                    <a:lstStyle/>
-                    <a:p>
-                      <a:pPr algn="ctr"/>
-                      <a:r>
-                        <a:rPr lang="ru-RU" dirty="0" smtClean="0"/>
-                        <a:t>11.10.14</a:t>
-                      </a:r>
-                      <a:endParaRPr lang="ru-RU" dirty="0"/>
-                    </a:p>
-                  </a:txBody>
-                  <a:tcPr anchor="ctr"/>
-                </a:tc>
-                <a:tc>
-                  <a:txBody>
-                    <a:bodyPr/>
-                    <a:lstStyle/>
-                    <a:p>
-                      <a:pPr algn="ctr"/>
-                      <a:r>
-                        <a:rPr lang="ru-RU" dirty="0" smtClean="0"/>
-                        <a:t>06.12.14</a:t>
-                      </a:r>
-                      <a:endParaRPr lang="ru-RU" dirty="0"/>
-                    </a:p>
-                  </a:txBody>
-                  <a:tcPr anchor="ctr"/>
-                </a:tc>
-              </a:tr>
-              <a:tr h="651549">
-                <a:tc>
-                  <a:txBody>
-                    <a:bodyPr/>
-                    <a:lstStyle/>
-                    <a:p>
-                      <a:pPr algn="ctr"/>
-                      <a:r>
-                        <a:rPr lang="ru-RU" dirty="0" smtClean="0"/>
-                        <a:t>Проектирование и анализ средств разработки</a:t>
-                      </a:r>
-                      <a:endParaRPr lang="ru-RU" dirty="0"/>
-                    </a:p>
-                  </a:txBody>
-                  <a:tcPr anchor="ctr"/>
-                </a:tc>
-                <a:tc>
-                  <a:txBody>
-                    <a:bodyPr/>
-                    <a:lstStyle/>
-                    <a:p>
-                      <a:pPr algn="ctr"/>
-                      <a:r>
-                        <a:rPr lang="ru-RU" dirty="0" smtClean="0"/>
-                        <a:t>08.12.14</a:t>
-                      </a:r>
-                      <a:endParaRPr lang="ru-RU" dirty="0"/>
-                    </a:p>
-                  </a:txBody>
-                  <a:tcPr anchor="ctr"/>
-                </a:tc>
-                <a:tc>
-                  <a:txBody>
-                    <a:bodyPr/>
-                    <a:lstStyle/>
-                    <a:p>
-                      <a:pPr algn="ctr"/>
-                      <a:r>
-                        <a:rPr lang="ru-RU" dirty="0" smtClean="0"/>
-                        <a:t>16.12.14</a:t>
-                      </a:r>
-                      <a:endParaRPr lang="ru-RU" dirty="0"/>
-                    </a:p>
-                  </a:txBody>
-                  <a:tcPr anchor="ctr"/>
-                </a:tc>
-              </a:tr>
-              <a:tr h="651549">
-                <a:tc>
-                  <a:txBody>
-                    <a:bodyPr/>
-                    <a:lstStyle/>
-                    <a:p>
-                      <a:pPr algn="ctr"/>
-                      <a:r>
-                        <a:rPr lang="ru-RU" dirty="0" smtClean="0"/>
-                        <a:t>Реализация базовых составляющих</a:t>
-                      </a:r>
-                      <a:r>
-                        <a:rPr lang="ru-RU" baseline="0" dirty="0" smtClean="0"/>
-                        <a:t> БД и интерфейса</a:t>
-                      </a:r>
-                      <a:endParaRPr lang="ru-RU" dirty="0"/>
-                    </a:p>
-                  </a:txBody>
-                  <a:tcPr anchor="ctr"/>
-                </a:tc>
-                <a:tc>
-                  <a:txBody>
-                    <a:bodyPr/>
-                    <a:lstStyle/>
-                    <a:p>
-                      <a:pPr algn="ctr"/>
-                      <a:r>
-                        <a:rPr lang="ru-RU" dirty="0" smtClean="0"/>
-                        <a:t>17.12.14</a:t>
-                      </a:r>
-                      <a:endParaRPr lang="ru-RU" dirty="0"/>
-                    </a:p>
-                  </a:txBody>
-                  <a:tcPr anchor="ctr"/>
-                </a:tc>
-                <a:tc>
-                  <a:txBody>
-                    <a:bodyPr/>
-                    <a:lstStyle/>
-                    <a:p>
-                      <a:pPr algn="ctr"/>
-                      <a:r>
-                        <a:rPr lang="ru-RU" dirty="0" smtClean="0"/>
-                        <a:t>25.12.14</a:t>
-                      </a:r>
-                      <a:endParaRPr lang="ru-RU" dirty="0"/>
-                    </a:p>
-                  </a:txBody>
-                  <a:tcPr anchor="ctr"/>
-                </a:tc>
-              </a:tr>
-              <a:tr h="651549">
-                <a:tc>
-                  <a:txBody>
-                    <a:bodyPr/>
-                    <a:lstStyle/>
-                    <a:p>
-                      <a:pPr algn="ctr"/>
-                      <a:r>
-                        <a:rPr lang="ru-RU" dirty="0" smtClean="0"/>
-                        <a:t>Реализация моделей и представлений</a:t>
-                      </a:r>
-                      <a:endParaRPr lang="ru-RU" dirty="0"/>
-                    </a:p>
-                  </a:txBody>
-                  <a:tcPr anchor="ctr"/>
-                </a:tc>
-                <a:tc>
-                  <a:txBody>
-                    <a:bodyPr/>
-                    <a:lstStyle/>
-                    <a:p>
-                      <a:pPr algn="ctr"/>
-                      <a:r>
-                        <a:rPr lang="ru-RU" dirty="0" smtClean="0"/>
-                        <a:t>26.12.14</a:t>
-                      </a:r>
-                      <a:endParaRPr lang="ru-RU" dirty="0"/>
-                    </a:p>
-                  </a:txBody>
-                  <a:tcPr anchor="ctr"/>
-                </a:tc>
-                <a:tc>
-                  <a:txBody>
-                    <a:bodyPr/>
-                    <a:lstStyle/>
-                    <a:p>
-                      <a:pPr algn="ctr"/>
-                      <a:r>
-                        <a:rPr lang="ru-RU" dirty="0" smtClean="0"/>
-                        <a:t>29.01.14</a:t>
-                      </a:r>
-                      <a:endParaRPr lang="ru-RU" dirty="0"/>
-                    </a:p>
-                  </a:txBody>
-                  <a:tcPr anchor="ctr"/>
-                </a:tc>
-              </a:tr>
-              <a:tr h="377484">
-                <a:tc>
-                  <a:txBody>
-                    <a:bodyPr/>
-                    <a:lstStyle/>
-                    <a:p>
-                      <a:pPr algn="ctr"/>
-                      <a:r>
-                        <a:rPr lang="ru-RU" dirty="0" smtClean="0"/>
-                        <a:t>Работа с </a:t>
-                      </a:r>
-                      <a:r>
-                        <a:rPr lang="en-US" dirty="0" smtClean="0"/>
-                        <a:t>API </a:t>
-                      </a:r>
-                      <a:r>
-                        <a:rPr lang="ru-RU" dirty="0" smtClean="0"/>
-                        <a:t>и пользователями</a:t>
-                      </a:r>
-                      <a:endParaRPr lang="ru-RU" dirty="0"/>
-                    </a:p>
-                  </a:txBody>
-                  <a:tcPr anchor="ctr"/>
-                </a:tc>
-                <a:tc>
-                  <a:txBody>
-                    <a:bodyPr/>
-                    <a:lstStyle/>
-                    <a:p>
-                      <a:pPr algn="ctr"/>
-                      <a:r>
-                        <a:rPr lang="ru-RU" dirty="0" smtClean="0"/>
-                        <a:t>30.01.15</a:t>
-                      </a:r>
-                      <a:endParaRPr lang="ru-RU" dirty="0"/>
-                    </a:p>
-                  </a:txBody>
-                  <a:tcPr anchor="ctr"/>
-                </a:tc>
-                <a:tc>
-                  <a:txBody>
-                    <a:bodyPr/>
-                    <a:lstStyle/>
-                    <a:p>
-                      <a:pPr marL="0" marR="0" indent="0" algn="ctr" defTabSz="914400" rtl="0" eaLnBrk="1" fontAlgn="auto" latinLnBrk="0" hangingPunct="1">
-                        <a:lnSpc>
-                          <a:spcPct val="100000"/>
-                        </a:lnSpc>
-                        <a:spcBef>
-                          <a:spcPts val="0"/>
-                        </a:spcBef>
-                        <a:spcAft>
-                          <a:spcPts val="0"/>
-                        </a:spcAft>
-                        <a:buClrTx/>
-                        <a:buSzTx/>
-                        <a:buFontTx/>
-                        <a:buNone/>
-                        <a:tabLst/>
-                        <a:defRPr/>
-                      </a:pPr>
-                      <a:r>
-                        <a:rPr lang="ru-RU" dirty="0" smtClean="0"/>
-                        <a:t>19.02.15</a:t>
-                      </a:r>
-                    </a:p>
-                  </a:txBody>
-                  <a:tcPr anchor="ctr"/>
-                </a:tc>
-              </a:tr>
-              <a:tr h="377484">
-                <a:tc>
-                  <a:txBody>
-                    <a:bodyPr/>
-                    <a:lstStyle/>
-                    <a:p>
-                      <a:pPr algn="ctr"/>
-                      <a:r>
-                        <a:rPr lang="ru-RU" dirty="0" smtClean="0"/>
-                        <a:t>Навигация и уведомления</a:t>
-                      </a:r>
-                      <a:endParaRPr lang="ru-RU" dirty="0"/>
-                    </a:p>
-                  </a:txBody>
-                  <a:tcPr anchor="ctr"/>
-                </a:tc>
-                <a:tc>
-                  <a:txBody>
-                    <a:bodyPr/>
-                    <a:lstStyle/>
-                    <a:p>
-                      <a:pPr algn="ctr"/>
-                      <a:r>
-                        <a:rPr lang="ru-RU" dirty="0" smtClean="0"/>
-                        <a:t>20.02.15</a:t>
-                      </a:r>
-                      <a:endParaRPr lang="ru-RU" dirty="0"/>
-                    </a:p>
-                  </a:txBody>
-                  <a:tcPr anchor="ctr"/>
-                </a:tc>
-                <a:tc>
-                  <a:txBody>
-                    <a:bodyPr/>
-                    <a:lstStyle/>
-                    <a:p>
-                      <a:pPr algn="ctr"/>
-                      <a:r>
-                        <a:rPr lang="ru-RU" dirty="0" smtClean="0"/>
-                        <a:t>28.02.15</a:t>
-                      </a:r>
-                      <a:endParaRPr lang="ru-RU" dirty="0"/>
-                    </a:p>
-                  </a:txBody>
-                  <a:tcPr anchor="ctr"/>
-                </a:tc>
-              </a:tr>
-              <a:tr h="377484">
-                <a:tc>
-                  <a:txBody>
-                    <a:bodyPr/>
-                    <a:lstStyle/>
-                    <a:p>
-                      <a:pPr algn="ctr"/>
-                      <a:r>
-                        <a:rPr lang="ru-RU" dirty="0" smtClean="0"/>
-                        <a:t>Тестирование разработчиками</a:t>
-                      </a:r>
-                      <a:endParaRPr lang="ru-RU" dirty="0"/>
-                    </a:p>
-                  </a:txBody>
-                  <a:tcPr anchor="ctr"/>
-                </a:tc>
-                <a:tc>
-                  <a:txBody>
-                    <a:bodyPr/>
-                    <a:lstStyle/>
-                    <a:p>
-                      <a:pPr algn="ctr"/>
-                      <a:r>
-                        <a:rPr lang="ru-RU" dirty="0" smtClean="0"/>
-                        <a:t>02.03.15</a:t>
-                      </a:r>
-                      <a:endParaRPr lang="ru-RU" dirty="0"/>
-                    </a:p>
-                  </a:txBody>
-                  <a:tcPr anchor="ctr"/>
-                </a:tc>
-                <a:tc>
-                  <a:txBody>
-                    <a:bodyPr/>
-                    <a:lstStyle/>
-                    <a:p>
-                      <a:pPr algn="ctr"/>
-                      <a:r>
-                        <a:rPr lang="ru-RU" dirty="0" smtClean="0"/>
-                        <a:t>07.03.15</a:t>
-                      </a:r>
-                      <a:endParaRPr lang="ru-RU" dirty="0"/>
-                    </a:p>
-                  </a:txBody>
-                  <a:tcPr anchor="ctr"/>
-                </a:tc>
-              </a:tr>
-              <a:tr h="651549">
-                <a:tc>
-                  <a:txBody>
-                    <a:bodyPr/>
-                    <a:lstStyle/>
-                    <a:p>
-                      <a:pPr algn="ctr"/>
-                      <a:r>
-                        <a:rPr lang="ru-RU" dirty="0" smtClean="0"/>
-                        <a:t>Тестирование пользователями и </a:t>
-                      </a:r>
-                      <a:r>
-                        <a:rPr lang="en-US" dirty="0" smtClean="0"/>
-                        <a:t>bug fix</a:t>
-                      </a:r>
-                      <a:endParaRPr lang="ru-RU" dirty="0"/>
-                    </a:p>
-                  </a:txBody>
-                  <a:tcPr anchor="ctr"/>
-                </a:tc>
-                <a:tc>
-                  <a:txBody>
-                    <a:bodyPr/>
-                    <a:lstStyle/>
-                    <a:p>
-                      <a:pPr algn="ctr"/>
-                      <a:r>
-                        <a:rPr lang="ru-RU" dirty="0" smtClean="0"/>
-                        <a:t>09.03.15</a:t>
-                      </a:r>
-                      <a:endParaRPr lang="ru-RU" dirty="0"/>
-                    </a:p>
-                  </a:txBody>
-                  <a:tcPr anchor="ctr"/>
-                </a:tc>
-                <a:tc>
-                  <a:txBody>
-                    <a:bodyPr/>
-                    <a:lstStyle/>
-                    <a:p>
-                      <a:pPr algn="ctr"/>
-                      <a:r>
-                        <a:rPr lang="ru-RU" dirty="0" smtClean="0"/>
-                        <a:t>19.03.15</a:t>
-                      </a:r>
-                      <a:endParaRPr lang="ru-RU" dirty="0"/>
-                    </a:p>
-                  </a:txBody>
-                  <a:tcPr anchor="ctr"/>
-                </a:tc>
-              </a:tr>
-              <a:tr h="377484">
-                <a:tc>
-                  <a:txBody>
-                    <a:bodyPr/>
-                    <a:lstStyle/>
-                    <a:p>
-                      <a:pPr algn="ctr"/>
-                      <a:r>
-                        <a:rPr lang="ru-RU" dirty="0" smtClean="0"/>
-                        <a:t>Развертывание</a:t>
-                      </a:r>
-                      <a:endParaRPr lang="ru-RU" dirty="0"/>
-                    </a:p>
-                  </a:txBody>
-                  <a:tcPr anchor="ctr"/>
-                </a:tc>
-                <a:tc>
-                  <a:txBody>
-                    <a:bodyPr/>
-                    <a:lstStyle/>
-                    <a:p>
-                      <a:pPr algn="ctr"/>
-                      <a:r>
-                        <a:rPr lang="ru-RU" dirty="0" smtClean="0"/>
-                        <a:t>20.03.15</a:t>
-                      </a:r>
-                      <a:endParaRPr lang="ru-RU" dirty="0"/>
-                    </a:p>
-                  </a:txBody>
-                  <a:tcPr anchor="ctr"/>
-                </a:tc>
-                <a:tc>
-                  <a:txBody>
-                    <a:bodyPr/>
-                    <a:lstStyle/>
-                    <a:p>
-                      <a:pPr algn="ctr"/>
-                      <a:r>
-                        <a:rPr lang="ru-RU" dirty="0" smtClean="0"/>
-                        <a:t>27.03.15</a:t>
-                      </a:r>
-                      <a:endParaRPr lang="ru-RU" dirty="0"/>
-                    </a:p>
-                  </a:txBody>
-                  <a:tcPr anchor="ctr"/>
-                </a:tc>
-              </a:tr>
-            </a:tbl>
-          </a:graphicData>
-        </a:graphic>
-      </p:graphicFrame>
       <p:sp>
         <p:nvSpPr>
           <p:cNvPr id="4" name="Номер слайда 3"/>
@@ -9995,10 +10346,34 @@
           </a:p>
         </p:txBody>
       </p:sp>
+      <p:pic>
+        <p:nvPicPr>
+          <p:cNvPr id="34" name="Рисунок 33"/>
+          <p:cNvPicPr>
+            <a:picLocks noChangeAspect="1"/>
+          </p:cNvPicPr>
+          <p:nvPr/>
+        </p:nvPicPr>
+        <p:blipFill>
+          <a:blip r:embed="rId2"/>
+          <a:stretch>
+            <a:fillRect/>
+          </a:stretch>
+        </p:blipFill>
+        <p:spPr>
+          <a:xfrm>
+            <a:off x="1011882" y="1084129"/>
+            <a:ext cx="9525082" cy="5272221"/>
+          </a:xfrm>
+          <a:prstGeom prst="rect">
+            <a:avLst/>
+          </a:prstGeom>
+        </p:spPr>
+      </p:pic>
     </p:spTree>
     <p:extLst>
       <p:ext uri="{BB962C8B-B14F-4D97-AF65-F5344CB8AC3E}">
-        <p14:creationId xmlns:p14="http://schemas.microsoft.com/office/powerpoint/2010/main" val="2378418785"/>
+        <p14:creationId xmlns:p14="http://schemas.microsoft.com/office/powerpoint/2010/main" val="4174881944"/>
       </p:ext>
     </p:extLst>
   </p:cSld>
